--- a/java/slides/ppt/11 - Java Data Access (REST).pptx
+++ b/java/slides/ppt/11 - Java Data Access (REST).pptx
@@ -2756,7 +2756,7 @@
           <a:blip r:embed="rId13">
             <a:extLst>
               <a:ext uri="{28A0092B-C50C-407E-A947-70E740481C1C}">
-                <a14:useLocalDpi xmlns:a14="http://schemas.microsoft.com/office/drawing/2010/main" val="0"/>
+                <a14:useLocalDpi xmlns:a14="http://schemas.microsoft.com/office/drawing/2010/main"/>
               </a:ext>
             </a:extLst>
           </a:blip>
@@ -3681,10 +3681,10 @@
           </p:nvPr>
         </p:nvPicPr>
         <p:blipFill>
-          <a:blip r:embed="rId2">
+          <a:blip r:embed="rId2" cstate="print">
             <a:extLst>
               <a:ext uri="{28A0092B-C50C-407E-A947-70E740481C1C}">
-                <a14:useLocalDpi xmlns:a14="http://schemas.microsoft.com/office/drawing/2010/main" val="0"/>
+                <a14:useLocalDpi xmlns:a14="http://schemas.microsoft.com/office/drawing/2010/main"/>
               </a:ext>
             </a:extLst>
           </a:blip>
@@ -4137,14 +4137,14 @@
           </p:nvPr>
         </p:nvPicPr>
         <p:blipFill rotWithShape="1">
-          <a:blip r:embed="rId2">
+          <a:blip r:embed="rId2" cstate="print">
             <a:extLst>
               <a:ext uri="{28A0092B-C50C-407E-A947-70E740481C1C}">
-                <a14:useLocalDpi xmlns:a14="http://schemas.microsoft.com/office/drawing/2010/main" val="0"/>
+                <a14:useLocalDpi xmlns:a14="http://schemas.microsoft.com/office/drawing/2010/main"/>
               </a:ext>
             </a:extLst>
           </a:blip>
-          <a:srcRect t="713" b="1045"/>
+          <a:srcRect/>
           <a:stretch/>
         </p:blipFill>
         <p:spPr>
@@ -4747,10 +4747,10 @@
           </p:nvPr>
         </p:nvPicPr>
         <p:blipFill>
-          <a:blip r:embed="rId2">
+          <a:blip r:embed="rId2" cstate="print">
             <a:extLst>
               <a:ext uri="{28A0092B-C50C-407E-A947-70E740481C1C}">
-                <a14:useLocalDpi xmlns:a14="http://schemas.microsoft.com/office/drawing/2010/main" val="0"/>
+                <a14:useLocalDpi xmlns:a14="http://schemas.microsoft.com/office/drawing/2010/main"/>
               </a:ext>
             </a:extLst>
           </a:blip>
@@ -5517,10 +5517,10 @@
           </p:nvPr>
         </p:nvPicPr>
         <p:blipFill>
-          <a:blip r:embed="rId2">
+          <a:blip r:embed="rId2" cstate="print">
             <a:extLst>
               <a:ext uri="{28A0092B-C50C-407E-A947-70E740481C1C}">
-                <a14:useLocalDpi xmlns:a14="http://schemas.microsoft.com/office/drawing/2010/main" val="0"/>
+                <a14:useLocalDpi xmlns:a14="http://schemas.microsoft.com/office/drawing/2010/main"/>
               </a:ext>
             </a:extLst>
           </a:blip>
@@ -6714,7 +6714,7 @@
           <a:blip r:embed="rId2">
             <a:extLst>
               <a:ext uri="{28A0092B-C50C-407E-A947-70E740481C1C}">
-                <a14:useLocalDpi xmlns:a14="http://schemas.microsoft.com/office/drawing/2010/main" val="0"/>
+                <a14:useLocalDpi xmlns:a14="http://schemas.microsoft.com/office/drawing/2010/main"/>
               </a:ext>
             </a:extLst>
           </a:blip>
@@ -6826,7 +6826,7 @@
           <a:blip r:embed="rId2">
             <a:extLst>
               <a:ext uri="{28A0092B-C50C-407E-A947-70E740481C1C}">
-                <a14:useLocalDpi xmlns:a14="http://schemas.microsoft.com/office/drawing/2010/main" val="0"/>
+                <a14:useLocalDpi xmlns:a14="http://schemas.microsoft.com/office/drawing/2010/main"/>
               </a:ext>
             </a:extLst>
           </a:blip>

--- a/java/slides/ppt/11 - Java Data Access (REST).pptx
+++ b/java/slides/ppt/11 - Java Data Access (REST).pptx
@@ -3082,11 +3082,15 @@
           </a:bodyPr>
           <a:lstStyle/>
           <a:p>
-            <a:pPr algn="l"/>
             <a:r>
               <a:rPr lang="en-US" sz="3600" dirty="0"/>
-              <a:t>REST (Representational State Transfer)</a:t>
-            </a:r>
+              <a:t>Java Data </a:t>
+            </a:r>
+            <a:r>
+              <a:rPr lang="en-US" sz="3600"/>
+              <a:t>Access (REST)</a:t>
+            </a:r>
+            <a:endParaRPr lang="en-US" sz="3600" dirty="0"/>
           </a:p>
         </p:txBody>
       </p:sp>

--- a/java/slides/ppt/11 - Java Data Access (REST).pptx
+++ b/java/slides/ppt/11 - Java Data Access (REST).pptx
@@ -1,9 +1,15 @@
 
 <file path=ppt/presentation.xml><?xml version="1.0" encoding="utf-8"?>
-<p:presentation xmlns:a="http://schemas.openxmlformats.org/drawingml/2006/main" xmlns:r="http://schemas.openxmlformats.org/officeDocument/2006/relationships" xmlns:p="http://schemas.openxmlformats.org/presentationml/2006/main" saveSubsetFonts="1" autoCompressPictures="0">
+<p:presentation xmlns:a="http://schemas.openxmlformats.org/drawingml/2006/main" xmlns:r="http://schemas.openxmlformats.org/officeDocument/2006/relationships" xmlns:p="http://schemas.openxmlformats.org/presentationml/2006/main" showSpecialPlsOnTitleSld="0" saveSubsetFonts="1">
   <p:sldMasterIdLst>
-    <p:sldMasterId id="2147483660" r:id="rId1"/>
+    <p:sldMasterId id="2147483672" r:id="rId1"/>
   </p:sldMasterIdLst>
+  <p:notesMasterIdLst>
+    <p:notesMasterId r:id="rId27"/>
+  </p:notesMasterIdLst>
+  <p:handoutMasterIdLst>
+    <p:handoutMasterId r:id="rId28"/>
+  </p:handoutMasterIdLst>
   <p:sldIdLst>
     <p:sldId id="256" r:id="rId2"/>
     <p:sldId id="294" r:id="rId3"/>
@@ -31,13 +37,13 @@
     <p:sldId id="272" r:id="rId25"/>
     <p:sldId id="293" r:id="rId26"/>
   </p:sldIdLst>
-  <p:sldSz cx="9144000" cy="6858000" type="screen4x3"/>
+  <p:sldSz cx="12192000" cy="6858000"/>
   <p:notesSz cx="6858000" cy="9144000"/>
   <p:defaultTextStyle>
     <a:defPPr>
-      <a:defRPr lang="en-US"/>
+      <a:defRPr lang="it-IT"/>
     </a:defPPr>
-    <a:lvl1pPr marL="0" algn="l" defTabSz="457200" rtl="0" eaLnBrk="1" latinLnBrk="0" hangingPunct="1">
+    <a:lvl1pPr marL="0" algn="l" defTabSz="914400" rtl="0" eaLnBrk="1" latinLnBrk="0" hangingPunct="1">
       <a:defRPr sz="1800" kern="1200">
         <a:solidFill>
           <a:schemeClr val="tx1"/>
@@ -47,7 +53,7 @@
         <a:cs typeface="+mn-cs"/>
       </a:defRPr>
     </a:lvl1pPr>
-    <a:lvl2pPr marL="457200" algn="l" defTabSz="457200" rtl="0" eaLnBrk="1" latinLnBrk="0" hangingPunct="1">
+    <a:lvl2pPr marL="457200" algn="l" defTabSz="914400" rtl="0" eaLnBrk="1" latinLnBrk="0" hangingPunct="1">
       <a:defRPr sz="1800" kern="1200">
         <a:solidFill>
           <a:schemeClr val="tx1"/>
@@ -57,7 +63,7 @@
         <a:cs typeface="+mn-cs"/>
       </a:defRPr>
     </a:lvl2pPr>
-    <a:lvl3pPr marL="914400" algn="l" defTabSz="457200" rtl="0" eaLnBrk="1" latinLnBrk="0" hangingPunct="1">
+    <a:lvl3pPr marL="914400" algn="l" defTabSz="914400" rtl="0" eaLnBrk="1" latinLnBrk="0" hangingPunct="1">
       <a:defRPr sz="1800" kern="1200">
         <a:solidFill>
           <a:schemeClr val="tx1"/>
@@ -67,7 +73,7 @@
         <a:cs typeface="+mn-cs"/>
       </a:defRPr>
     </a:lvl3pPr>
-    <a:lvl4pPr marL="1371600" algn="l" defTabSz="457200" rtl="0" eaLnBrk="1" latinLnBrk="0" hangingPunct="1">
+    <a:lvl4pPr marL="1371600" algn="l" defTabSz="914400" rtl="0" eaLnBrk="1" latinLnBrk="0" hangingPunct="1">
       <a:defRPr sz="1800" kern="1200">
         <a:solidFill>
           <a:schemeClr val="tx1"/>
@@ -77,7 +83,7 @@
         <a:cs typeface="+mn-cs"/>
       </a:defRPr>
     </a:lvl4pPr>
-    <a:lvl5pPr marL="1828800" algn="l" defTabSz="457200" rtl="0" eaLnBrk="1" latinLnBrk="0" hangingPunct="1">
+    <a:lvl5pPr marL="1828800" algn="l" defTabSz="914400" rtl="0" eaLnBrk="1" latinLnBrk="0" hangingPunct="1">
       <a:defRPr sz="1800" kern="1200">
         <a:solidFill>
           <a:schemeClr val="tx1"/>
@@ -87,7 +93,7 @@
         <a:cs typeface="+mn-cs"/>
       </a:defRPr>
     </a:lvl5pPr>
-    <a:lvl6pPr marL="2286000" algn="l" defTabSz="457200" rtl="0" eaLnBrk="1" latinLnBrk="0" hangingPunct="1">
+    <a:lvl6pPr marL="2286000" algn="l" defTabSz="914400" rtl="0" eaLnBrk="1" latinLnBrk="0" hangingPunct="1">
       <a:defRPr sz="1800" kern="1200">
         <a:solidFill>
           <a:schemeClr val="tx1"/>
@@ -97,7 +103,7 @@
         <a:cs typeface="+mn-cs"/>
       </a:defRPr>
     </a:lvl6pPr>
-    <a:lvl7pPr marL="2743200" algn="l" defTabSz="457200" rtl="0" eaLnBrk="1" latinLnBrk="0" hangingPunct="1">
+    <a:lvl7pPr marL="2743200" algn="l" defTabSz="914400" rtl="0" eaLnBrk="1" latinLnBrk="0" hangingPunct="1">
       <a:defRPr sz="1800" kern="1200">
         <a:solidFill>
           <a:schemeClr val="tx1"/>
@@ -107,7 +113,7 @@
         <a:cs typeface="+mn-cs"/>
       </a:defRPr>
     </a:lvl7pPr>
-    <a:lvl8pPr marL="3200400" algn="l" defTabSz="457200" rtl="0" eaLnBrk="1" latinLnBrk="0" hangingPunct="1">
+    <a:lvl8pPr marL="3200400" algn="l" defTabSz="914400" rtl="0" eaLnBrk="1" latinLnBrk="0" hangingPunct="1">
       <a:defRPr sz="1800" kern="1200">
         <a:solidFill>
           <a:schemeClr val="tx1"/>
@@ -117,7 +123,7 @@
         <a:cs typeface="+mn-cs"/>
       </a:defRPr>
     </a:lvl8pPr>
-    <a:lvl9pPr marL="3657600" algn="l" defTabSz="457200" rtl="0" eaLnBrk="1" latinLnBrk="0" hangingPunct="1">
+    <a:lvl9pPr marL="3657600" algn="l" defTabSz="914400" rtl="0" eaLnBrk="1" latinLnBrk="0" hangingPunct="1">
       <a:defRPr sz="1800" kern="1200">
         <a:solidFill>
           <a:schemeClr val="tx1"/>
@@ -131,12 +137,12 @@
   <p:extLst>
     <p:ext uri="{EFAFB233-063F-42B5-8137-9DF3F51BA10A}">
       <p15:sldGuideLst xmlns:p15="http://schemas.microsoft.com/office/powerpoint/2012/main">
-        <p15:guide id="1" orient="horz" pos="2160">
+        <p15:guide id="1" orient="horz" pos="2160" userDrawn="1">
           <p15:clr>
             <a:srgbClr val="A4A3A4"/>
           </p15:clr>
         </p15:guide>
-        <p15:guide id="2" pos="2880">
+        <p15:guide id="2" pos="3840" userDrawn="1">
           <p15:clr>
             <a:srgbClr val="A4A3A4"/>
           </p15:clr>
@@ -147,8 +153,552 @@
 </p:presentation>
 </file>
 
+<file path=ppt/handoutMasters/handoutMaster1.xml><?xml version="1.0" encoding="utf-8"?>
+<p:handoutMaster xmlns:a="http://schemas.openxmlformats.org/drawingml/2006/main" xmlns:r="http://schemas.openxmlformats.org/officeDocument/2006/relationships" xmlns:p="http://schemas.openxmlformats.org/presentationml/2006/main">
+  <p:cSld>
+    <p:bg>
+      <p:bgRef idx="1001">
+        <a:schemeClr val="bg1"/>
+      </p:bgRef>
+    </p:bg>
+    <p:spTree>
+      <p:nvGrpSpPr>
+        <p:cNvPr id="1" name=""/>
+        <p:cNvGrpSpPr/>
+        <p:nvPr/>
+      </p:nvGrpSpPr>
+      <p:grpSpPr>
+        <a:xfrm>
+          <a:off x="0" y="0"/>
+          <a:ext cx="0" cy="0"/>
+          <a:chOff x="0" y="0"/>
+          <a:chExt cx="0" cy="0"/>
+        </a:xfrm>
+      </p:grpSpPr>
+      <p:sp>
+        <p:nvSpPr>
+          <p:cNvPr id="2" name="Header Placeholder 1">
+            <a:extLst>
+              <a:ext uri="{FF2B5EF4-FFF2-40B4-BE49-F238E27FC236}">
+                <a16:creationId xmlns:a16="http://schemas.microsoft.com/office/drawing/2014/main" id="{F25CBCAF-8195-0B41-9F39-155992CBB6CE}"/>
+              </a:ext>
+            </a:extLst>
+          </p:cNvPr>
+          <p:cNvSpPr>
+            <a:spLocks noGrp="1"/>
+          </p:cNvSpPr>
+          <p:nvPr>
+            <p:ph type="hdr" sz="quarter"/>
+          </p:nvPr>
+        </p:nvSpPr>
+        <p:spPr>
+          <a:xfrm>
+            <a:off x="0" y="0"/>
+            <a:ext cx="2971800" cy="458788"/>
+          </a:xfrm>
+          <a:prstGeom prst="rect">
+            <a:avLst/>
+          </a:prstGeom>
+        </p:spPr>
+        <p:txBody>
+          <a:bodyPr vert="horz" lIns="91440" tIns="45720" rIns="91440" bIns="45720" rtlCol="0"/>
+          <a:lstStyle>
+            <a:lvl1pPr algn="l">
+              <a:defRPr sz="1200"/>
+            </a:lvl1pPr>
+          </a:lstStyle>
+          <a:p>
+            <a:endParaRPr lang="en-IT"/>
+          </a:p>
+        </p:txBody>
+      </p:sp>
+      <p:sp>
+        <p:nvSpPr>
+          <p:cNvPr id="3" name="Date Placeholder 2">
+            <a:extLst>
+              <a:ext uri="{FF2B5EF4-FFF2-40B4-BE49-F238E27FC236}">
+                <a16:creationId xmlns:a16="http://schemas.microsoft.com/office/drawing/2014/main" id="{4530F5F1-56F9-594B-8002-505C0B3A9533}"/>
+              </a:ext>
+            </a:extLst>
+          </p:cNvPr>
+          <p:cNvSpPr>
+            <a:spLocks noGrp="1"/>
+          </p:cNvSpPr>
+          <p:nvPr>
+            <p:ph type="dt" sz="quarter" idx="1"/>
+          </p:nvPr>
+        </p:nvSpPr>
+        <p:spPr>
+          <a:xfrm>
+            <a:off x="3884613" y="0"/>
+            <a:ext cx="2971800" cy="458788"/>
+          </a:xfrm>
+          <a:prstGeom prst="rect">
+            <a:avLst/>
+          </a:prstGeom>
+        </p:spPr>
+        <p:txBody>
+          <a:bodyPr vert="horz" lIns="91440" tIns="45720" rIns="91440" bIns="45720" rtlCol="0"/>
+          <a:lstStyle>
+            <a:lvl1pPr algn="r">
+              <a:defRPr sz="1200"/>
+            </a:lvl1pPr>
+          </a:lstStyle>
+          <a:p>
+            <a:fld id="{5591E39A-28E5-5D4D-B97C-ECEB96F19817}" type="datetimeFigureOut">
+              <a:rPr lang="en-IT" smtClean="0"/>
+              <a:t>30/09/21</a:t>
+            </a:fld>
+            <a:endParaRPr lang="en-IT"/>
+          </a:p>
+        </p:txBody>
+      </p:sp>
+      <p:sp>
+        <p:nvSpPr>
+          <p:cNvPr id="4" name="Footer Placeholder 3">
+            <a:extLst>
+              <a:ext uri="{FF2B5EF4-FFF2-40B4-BE49-F238E27FC236}">
+                <a16:creationId xmlns:a16="http://schemas.microsoft.com/office/drawing/2014/main" id="{0D01DB9C-5FE6-5646-A4CF-CACE1FBFD1F6}"/>
+              </a:ext>
+            </a:extLst>
+          </p:cNvPr>
+          <p:cNvSpPr>
+            <a:spLocks noGrp="1"/>
+          </p:cNvSpPr>
+          <p:nvPr>
+            <p:ph type="ftr" sz="quarter" idx="2"/>
+          </p:nvPr>
+        </p:nvSpPr>
+        <p:spPr>
+          <a:xfrm>
+            <a:off x="0" y="8685213"/>
+            <a:ext cx="2971800" cy="458787"/>
+          </a:xfrm>
+          <a:prstGeom prst="rect">
+            <a:avLst/>
+          </a:prstGeom>
+        </p:spPr>
+        <p:txBody>
+          <a:bodyPr vert="horz" lIns="91440" tIns="45720" rIns="91440" bIns="45720" rtlCol="0" anchor="b"/>
+          <a:lstStyle>
+            <a:lvl1pPr algn="l">
+              <a:defRPr sz="1200"/>
+            </a:lvl1pPr>
+          </a:lstStyle>
+          <a:p>
+            <a:endParaRPr lang="en-IT"/>
+          </a:p>
+        </p:txBody>
+      </p:sp>
+      <p:sp>
+        <p:nvSpPr>
+          <p:cNvPr id="5" name="Slide Number Placeholder 4">
+            <a:extLst>
+              <a:ext uri="{FF2B5EF4-FFF2-40B4-BE49-F238E27FC236}">
+                <a16:creationId xmlns:a16="http://schemas.microsoft.com/office/drawing/2014/main" id="{1807AD1E-ED4D-4F49-B2E9-34CF7F0E16D1}"/>
+              </a:ext>
+            </a:extLst>
+          </p:cNvPr>
+          <p:cNvSpPr>
+            <a:spLocks noGrp="1"/>
+          </p:cNvSpPr>
+          <p:nvPr>
+            <p:ph type="sldNum" sz="quarter" idx="3"/>
+          </p:nvPr>
+        </p:nvSpPr>
+        <p:spPr>
+          <a:xfrm>
+            <a:off x="3884613" y="8685213"/>
+            <a:ext cx="2971800" cy="458787"/>
+          </a:xfrm>
+          <a:prstGeom prst="rect">
+            <a:avLst/>
+          </a:prstGeom>
+        </p:spPr>
+        <p:txBody>
+          <a:bodyPr vert="horz" lIns="91440" tIns="45720" rIns="91440" bIns="45720" rtlCol="0" anchor="b"/>
+          <a:lstStyle>
+            <a:lvl1pPr algn="r">
+              <a:defRPr sz="1200"/>
+            </a:lvl1pPr>
+          </a:lstStyle>
+          <a:p>
+            <a:fld id="{D8E6113E-382B-5C49-947E-9975DE242C1F}" type="slidenum">
+              <a:rPr lang="en-IT" smtClean="0"/>
+              <a:t>‹#›</a:t>
+            </a:fld>
+            <a:endParaRPr lang="en-IT"/>
+          </a:p>
+        </p:txBody>
+      </p:sp>
+    </p:spTree>
+    <p:extLst>
+      <p:ext uri="{BB962C8B-B14F-4D97-AF65-F5344CB8AC3E}">
+        <p14:creationId xmlns:p14="http://schemas.microsoft.com/office/powerpoint/2010/main" val="711723140"/>
+      </p:ext>
+    </p:extLst>
+  </p:cSld>
+  <p:clrMap bg1="lt1" tx1="dk1" bg2="lt2" tx2="dk2" accent1="accent1" accent2="accent2" accent3="accent3" accent4="accent4" accent5="accent5" accent6="accent6" hlink="hlink" folHlink="folHlink"/>
+  <p:hf hdr="0" ftr="0" dt="0"/>
+</p:handoutMaster>
+</file>
+
+<file path=ppt/notesMasters/notesMaster1.xml><?xml version="1.0" encoding="utf-8"?>
+<p:notesMaster xmlns:a="http://schemas.openxmlformats.org/drawingml/2006/main" xmlns:r="http://schemas.openxmlformats.org/officeDocument/2006/relationships" xmlns:p="http://schemas.openxmlformats.org/presentationml/2006/main">
+  <p:cSld>
+    <p:bg>
+      <p:bgRef idx="1001">
+        <a:schemeClr val="bg1"/>
+      </p:bgRef>
+    </p:bg>
+    <p:spTree>
+      <p:nvGrpSpPr>
+        <p:cNvPr id="1" name=""/>
+        <p:cNvGrpSpPr/>
+        <p:nvPr/>
+      </p:nvGrpSpPr>
+      <p:grpSpPr>
+        <a:xfrm>
+          <a:off x="0" y="0"/>
+          <a:ext cx="0" cy="0"/>
+          <a:chOff x="0" y="0"/>
+          <a:chExt cx="0" cy="0"/>
+        </a:xfrm>
+      </p:grpSpPr>
+      <p:sp>
+        <p:nvSpPr>
+          <p:cNvPr id="2" name="Segnaposto intestazione 1"/>
+          <p:cNvSpPr>
+            <a:spLocks noGrp="1"/>
+          </p:cNvSpPr>
+          <p:nvPr>
+            <p:ph type="hdr" sz="quarter"/>
+          </p:nvPr>
+        </p:nvSpPr>
+        <p:spPr>
+          <a:xfrm>
+            <a:off x="0" y="0"/>
+            <a:ext cx="2971800" cy="457200"/>
+          </a:xfrm>
+          <a:prstGeom prst="rect">
+            <a:avLst/>
+          </a:prstGeom>
+        </p:spPr>
+        <p:txBody>
+          <a:bodyPr vert="horz" lIns="91440" tIns="45720" rIns="91440" bIns="45720" rtlCol="0"/>
+          <a:lstStyle>
+            <a:lvl1pPr algn="l">
+              <a:defRPr sz="1200"/>
+            </a:lvl1pPr>
+          </a:lstStyle>
+          <a:p>
+            <a:endParaRPr lang="it-IT"/>
+          </a:p>
+        </p:txBody>
+      </p:sp>
+      <p:sp>
+        <p:nvSpPr>
+          <p:cNvPr id="3" name="Segnaposto data 2"/>
+          <p:cNvSpPr>
+            <a:spLocks noGrp="1"/>
+          </p:cNvSpPr>
+          <p:nvPr>
+            <p:ph type="dt" idx="1"/>
+          </p:nvPr>
+        </p:nvSpPr>
+        <p:spPr>
+          <a:xfrm>
+            <a:off x="3884613" y="0"/>
+            <a:ext cx="2971800" cy="457200"/>
+          </a:xfrm>
+          <a:prstGeom prst="rect">
+            <a:avLst/>
+          </a:prstGeom>
+        </p:spPr>
+        <p:txBody>
+          <a:bodyPr vert="horz" lIns="91440" tIns="45720" rIns="91440" bIns="45720" rtlCol="0"/>
+          <a:lstStyle>
+            <a:lvl1pPr algn="r">
+              <a:defRPr sz="1200"/>
+            </a:lvl1pPr>
+          </a:lstStyle>
+          <a:p>
+            <a:fld id="{BAEB7694-8561-4BE2-948D-EDF7A201F8BB}" type="datetimeFigureOut">
+              <a:rPr lang="it-IT" smtClean="0"/>
+              <a:pPr/>
+              <a:t>30/09/21</a:t>
+            </a:fld>
+            <a:endParaRPr lang="it-IT"/>
+          </a:p>
+        </p:txBody>
+      </p:sp>
+      <p:sp>
+        <p:nvSpPr>
+          <p:cNvPr id="4" name="Segnaposto immagine diapositiva 3"/>
+          <p:cNvSpPr>
+            <a:spLocks noGrp="1" noRot="1" noChangeAspect="1"/>
+          </p:cNvSpPr>
+          <p:nvPr>
+            <p:ph type="sldImg" idx="2"/>
+          </p:nvPr>
+        </p:nvSpPr>
+        <p:spPr>
+          <a:xfrm>
+            <a:off x="381000" y="685800"/>
+            <a:ext cx="6096000" cy="3429000"/>
+          </a:xfrm>
+          <a:prstGeom prst="rect">
+            <a:avLst/>
+          </a:prstGeom>
+          <a:noFill/>
+          <a:ln w="12700">
+            <a:solidFill>
+              <a:prstClr val="black"/>
+            </a:solidFill>
+          </a:ln>
+        </p:spPr>
+        <p:txBody>
+          <a:bodyPr vert="horz" lIns="91440" tIns="45720" rIns="91440" bIns="45720" rtlCol="0" anchor="ctr"/>
+          <a:lstStyle/>
+          <a:p>
+            <a:endParaRPr lang="it-IT"/>
+          </a:p>
+        </p:txBody>
+      </p:sp>
+      <p:sp>
+        <p:nvSpPr>
+          <p:cNvPr id="5" name="Segnaposto note 4"/>
+          <p:cNvSpPr>
+            <a:spLocks noGrp="1"/>
+          </p:cNvSpPr>
+          <p:nvPr>
+            <p:ph type="body" sz="quarter" idx="3"/>
+          </p:nvPr>
+        </p:nvSpPr>
+        <p:spPr>
+          <a:xfrm>
+            <a:off x="685800" y="4343400"/>
+            <a:ext cx="5486400" cy="4114800"/>
+          </a:xfrm>
+          <a:prstGeom prst="rect">
+            <a:avLst/>
+          </a:prstGeom>
+        </p:spPr>
+        <p:txBody>
+          <a:bodyPr vert="horz" lIns="91440" tIns="45720" rIns="91440" bIns="45720" rtlCol="0">
+            <a:normAutofit/>
+          </a:bodyPr>
+          <a:lstStyle/>
+          <a:p>
+            <a:pPr lvl="0"/>
+            <a:r>
+              <a:rPr lang="it-IT"/>
+              <a:t>Fare clic per modificare stili del testo dello schema</a:t>
+            </a:r>
+          </a:p>
+          <a:p>
+            <a:pPr lvl="1"/>
+            <a:r>
+              <a:rPr lang="it-IT"/>
+              <a:t>Secondo livello</a:t>
+            </a:r>
+          </a:p>
+          <a:p>
+            <a:pPr lvl="2"/>
+            <a:r>
+              <a:rPr lang="it-IT"/>
+              <a:t>Terzo livello</a:t>
+            </a:r>
+          </a:p>
+          <a:p>
+            <a:pPr lvl="3"/>
+            <a:r>
+              <a:rPr lang="it-IT"/>
+              <a:t>Quarto livello</a:t>
+            </a:r>
+          </a:p>
+          <a:p>
+            <a:pPr lvl="4"/>
+            <a:r>
+              <a:rPr lang="it-IT"/>
+              <a:t>Quinto livello</a:t>
+            </a:r>
+          </a:p>
+        </p:txBody>
+      </p:sp>
+      <p:sp>
+        <p:nvSpPr>
+          <p:cNvPr id="6" name="Segnaposto piè di pagina 5"/>
+          <p:cNvSpPr>
+            <a:spLocks noGrp="1"/>
+          </p:cNvSpPr>
+          <p:nvPr>
+            <p:ph type="ftr" sz="quarter" idx="4"/>
+          </p:nvPr>
+        </p:nvSpPr>
+        <p:spPr>
+          <a:xfrm>
+            <a:off x="0" y="8685213"/>
+            <a:ext cx="2971800" cy="457200"/>
+          </a:xfrm>
+          <a:prstGeom prst="rect">
+            <a:avLst/>
+          </a:prstGeom>
+        </p:spPr>
+        <p:txBody>
+          <a:bodyPr vert="horz" lIns="91440" tIns="45720" rIns="91440" bIns="45720" rtlCol="0" anchor="b"/>
+          <a:lstStyle>
+            <a:lvl1pPr algn="l">
+              <a:defRPr sz="1200"/>
+            </a:lvl1pPr>
+          </a:lstStyle>
+          <a:p>
+            <a:endParaRPr lang="it-IT"/>
+          </a:p>
+        </p:txBody>
+      </p:sp>
+      <p:sp>
+        <p:nvSpPr>
+          <p:cNvPr id="7" name="Segnaposto numero diapositiva 6"/>
+          <p:cNvSpPr>
+            <a:spLocks noGrp="1"/>
+          </p:cNvSpPr>
+          <p:nvPr>
+            <p:ph type="sldNum" sz="quarter" idx="5"/>
+          </p:nvPr>
+        </p:nvSpPr>
+        <p:spPr>
+          <a:xfrm>
+            <a:off x="3884613" y="8685213"/>
+            <a:ext cx="2971800" cy="457200"/>
+          </a:xfrm>
+          <a:prstGeom prst="rect">
+            <a:avLst/>
+          </a:prstGeom>
+        </p:spPr>
+        <p:txBody>
+          <a:bodyPr vert="horz" lIns="91440" tIns="45720" rIns="91440" bIns="45720" rtlCol="0" anchor="b"/>
+          <a:lstStyle>
+            <a:lvl1pPr algn="r">
+              <a:defRPr sz="1200"/>
+            </a:lvl1pPr>
+          </a:lstStyle>
+          <a:p>
+            <a:fld id="{475F0E4F-C068-4558-BD2C-4354A8A0FB1B}" type="slidenum">
+              <a:rPr lang="it-IT" smtClean="0"/>
+              <a:pPr/>
+              <a:t>‹#›</a:t>
+            </a:fld>
+            <a:endParaRPr lang="it-IT"/>
+          </a:p>
+        </p:txBody>
+      </p:sp>
+    </p:spTree>
+    <p:extLst>
+      <p:ext uri="{BB962C8B-B14F-4D97-AF65-F5344CB8AC3E}">
+        <p14:creationId xmlns:p14="http://schemas.microsoft.com/office/powerpoint/2010/main" val="2935502336"/>
+      </p:ext>
+    </p:extLst>
+  </p:cSld>
+  <p:clrMap bg1="lt1" tx1="dk1" bg2="lt2" tx2="dk2" accent1="accent1" accent2="accent2" accent3="accent3" accent4="accent4" accent5="accent5" accent6="accent6" hlink="hlink" folHlink="folHlink"/>
+  <p:hf hdr="0" ftr="0" dt="0"/>
+  <p:notesStyle>
+    <a:lvl1pPr marL="0" algn="l" defTabSz="914400" rtl="0" eaLnBrk="1" latinLnBrk="0" hangingPunct="1">
+      <a:defRPr sz="1200" kern="1200">
+        <a:solidFill>
+          <a:schemeClr val="tx1"/>
+        </a:solidFill>
+        <a:latin typeface="+mn-lt"/>
+        <a:ea typeface="+mn-ea"/>
+        <a:cs typeface="+mn-cs"/>
+      </a:defRPr>
+    </a:lvl1pPr>
+    <a:lvl2pPr marL="457200" algn="l" defTabSz="914400" rtl="0" eaLnBrk="1" latinLnBrk="0" hangingPunct="1">
+      <a:defRPr sz="1200" kern="1200">
+        <a:solidFill>
+          <a:schemeClr val="tx1"/>
+        </a:solidFill>
+        <a:latin typeface="+mn-lt"/>
+        <a:ea typeface="+mn-ea"/>
+        <a:cs typeface="+mn-cs"/>
+      </a:defRPr>
+    </a:lvl2pPr>
+    <a:lvl3pPr marL="914400" algn="l" defTabSz="914400" rtl="0" eaLnBrk="1" latinLnBrk="0" hangingPunct="1">
+      <a:defRPr sz="1200" kern="1200">
+        <a:solidFill>
+          <a:schemeClr val="tx1"/>
+        </a:solidFill>
+        <a:latin typeface="+mn-lt"/>
+        <a:ea typeface="+mn-ea"/>
+        <a:cs typeface="+mn-cs"/>
+      </a:defRPr>
+    </a:lvl3pPr>
+    <a:lvl4pPr marL="1371600" algn="l" defTabSz="914400" rtl="0" eaLnBrk="1" latinLnBrk="0" hangingPunct="1">
+      <a:defRPr sz="1200" kern="1200">
+        <a:solidFill>
+          <a:schemeClr val="tx1"/>
+        </a:solidFill>
+        <a:latin typeface="+mn-lt"/>
+        <a:ea typeface="+mn-ea"/>
+        <a:cs typeface="+mn-cs"/>
+      </a:defRPr>
+    </a:lvl4pPr>
+    <a:lvl5pPr marL="1828800" algn="l" defTabSz="914400" rtl="0" eaLnBrk="1" latinLnBrk="0" hangingPunct="1">
+      <a:defRPr sz="1200" kern="1200">
+        <a:solidFill>
+          <a:schemeClr val="tx1"/>
+        </a:solidFill>
+        <a:latin typeface="+mn-lt"/>
+        <a:ea typeface="+mn-ea"/>
+        <a:cs typeface="+mn-cs"/>
+      </a:defRPr>
+    </a:lvl5pPr>
+    <a:lvl6pPr marL="2286000" algn="l" defTabSz="914400" rtl="0" eaLnBrk="1" latinLnBrk="0" hangingPunct="1">
+      <a:defRPr sz="1200" kern="1200">
+        <a:solidFill>
+          <a:schemeClr val="tx1"/>
+        </a:solidFill>
+        <a:latin typeface="+mn-lt"/>
+        <a:ea typeface="+mn-ea"/>
+        <a:cs typeface="+mn-cs"/>
+      </a:defRPr>
+    </a:lvl6pPr>
+    <a:lvl7pPr marL="2743200" algn="l" defTabSz="914400" rtl="0" eaLnBrk="1" latinLnBrk="0" hangingPunct="1">
+      <a:defRPr sz="1200" kern="1200">
+        <a:solidFill>
+          <a:schemeClr val="tx1"/>
+        </a:solidFill>
+        <a:latin typeface="+mn-lt"/>
+        <a:ea typeface="+mn-ea"/>
+        <a:cs typeface="+mn-cs"/>
+      </a:defRPr>
+    </a:lvl7pPr>
+    <a:lvl8pPr marL="3200400" algn="l" defTabSz="914400" rtl="0" eaLnBrk="1" latinLnBrk="0" hangingPunct="1">
+      <a:defRPr sz="1200" kern="1200">
+        <a:solidFill>
+          <a:schemeClr val="tx1"/>
+        </a:solidFill>
+        <a:latin typeface="+mn-lt"/>
+        <a:ea typeface="+mn-ea"/>
+        <a:cs typeface="+mn-cs"/>
+      </a:defRPr>
+    </a:lvl8pPr>
+    <a:lvl9pPr marL="3657600" algn="l" defTabSz="914400" rtl="0" eaLnBrk="1" latinLnBrk="0" hangingPunct="1">
+      <a:defRPr sz="1200" kern="1200">
+        <a:solidFill>
+          <a:schemeClr val="tx1"/>
+        </a:solidFill>
+        <a:latin typeface="+mn-lt"/>
+        <a:ea typeface="+mn-ea"/>
+        <a:cs typeface="+mn-cs"/>
+      </a:defRPr>
+    </a:lvl9pPr>
+  </p:notesStyle>
+</p:notesMaster>
+</file>
+
 <file path=ppt/slideLayouts/slideLayout1.xml><?xml version="1.0" encoding="utf-8"?>
-<p:sldLayout xmlns:a="http://schemas.openxmlformats.org/drawingml/2006/main" xmlns:r="http://schemas.openxmlformats.org/officeDocument/2006/relationships" xmlns:p="http://schemas.openxmlformats.org/presentationml/2006/main" type="title" preserve="1">
+<p:sldLayout xmlns:a="http://schemas.openxmlformats.org/drawingml/2006/main" xmlns:r="http://schemas.openxmlformats.org/officeDocument/2006/relationships" xmlns:p="http://schemas.openxmlformats.org/presentationml/2006/main" preserve="1" userDrawn="1">
   <p:cSld name="Title Slide">
     <p:spTree>
       <p:nvGrpSpPr>
@@ -176,8 +726,8 @@
         </p:nvSpPr>
         <p:spPr>
           <a:xfrm>
-            <a:off x="685800" y="2130425"/>
-            <a:ext cx="7772400" cy="1470025"/>
+            <a:off x="914400" y="2130426"/>
+            <a:ext cx="10363200" cy="1470025"/>
           </a:xfrm>
         </p:spPr>
         <p:txBody>
@@ -185,7 +735,7 @@
           <a:lstStyle/>
           <a:p>
             <a:r>
-              <a:rPr lang="it-IT"/>
+              <a:rPr lang="en-GB"/>
               <a:t>Click to edit Master title style</a:t>
             </a:r>
             <a:endParaRPr lang="en-US"/>
@@ -204,18 +754,16 @@
         </p:nvSpPr>
         <p:spPr>
           <a:xfrm>
-            <a:off x="1371600" y="3886200"/>
-            <a:ext cx="6400800" cy="1752600"/>
+            <a:off x="1828800" y="3886200"/>
+            <a:ext cx="8534400" cy="1752600"/>
           </a:xfrm>
         </p:spPr>
         <p:txBody>
-          <a:bodyPr>
-            <a:normAutofit/>
-          </a:bodyPr>
+          <a:bodyPr/>
           <a:lstStyle>
-            <a:lvl1pPr marL="0" indent="0" algn="r">
-              <a:buNone/>
-              <a:defRPr sz="1800">
+            <a:lvl1pPr marL="0" indent="0" algn="ctr">
+              <a:buNone/>
+              <a:defRPr>
                 <a:solidFill>
                   <a:schemeClr val="tx1">
                     <a:tint val="75000"/>
@@ -306,10 +854,10 @@
           </a:lstStyle>
           <a:p>
             <a:r>
-              <a:rPr lang="it-IT"/>
+              <a:rPr lang="en-GB"/>
               <a:t>Click to edit Master subtitle style</a:t>
             </a:r>
-            <a:endParaRPr lang="en-US" dirty="0"/>
+            <a:endParaRPr lang="en-US"/>
           </a:p>
         </p:txBody>
       </p:sp>
@@ -325,8 +873,8 @@
         </p:nvSpPr>
         <p:spPr>
           <a:xfrm>
-            <a:off x="3836609" y="6362700"/>
-            <a:ext cx="4850191" cy="365125"/>
+            <a:off x="5115480" y="6362701"/>
+            <a:ext cx="6466921" cy="365125"/>
           </a:xfrm>
           <a:prstGeom prst="rect">
             <a:avLst/>
@@ -336,11 +884,12 @@
           <a:bodyPr/>
           <a:lstStyle/>
           <a:p>
-            <a:fld id="{7F19BEF7-73F9-3646-8076-7EC1D85A8026}" type="slidenum">
-              <a:rPr lang="en-US" smtClean="0"/>
+            <a:fld id="{D2040F39-7941-49A4-B48D-F201B18B6351}" type="slidenum">
+              <a:rPr lang="it-IT" smtClean="0"/>
+              <a:pPr/>
               <a:t>‹#›</a:t>
             </a:fld>
-            <a:endParaRPr lang="en-US"/>
+            <a:endParaRPr lang="it-IT" dirty="0"/>
           </a:p>
         </p:txBody>
       </p:sp>
@@ -352,8 +901,8 @@
         </p:nvCxnSpPr>
         <p:spPr>
           <a:xfrm flipV="1">
-            <a:off x="457200" y="3600450"/>
-            <a:ext cx="8686800" cy="2"/>
+            <a:off x="609600" y="3600450"/>
+            <a:ext cx="11582400" cy="2"/>
           </a:xfrm>
           <a:prstGeom prst="line">
             <a:avLst/>
@@ -434,7 +983,7 @@
           <a:lstStyle/>
           <a:p>
             <a:r>
-              <a:rPr lang="it-IT"/>
+              <a:rPr lang="en-GB"/>
               <a:t>Click to edit Master title style</a:t>
             </a:r>
             <a:endParaRPr lang="en-US"/>
@@ -458,35 +1007,35 @@
           <a:p>
             <a:pPr lvl="0"/>
             <a:r>
-              <a:rPr lang="it-IT"/>
+              <a:rPr lang="en-GB"/>
               <a:t>Click to edit Master text styles</a:t>
             </a:r>
           </a:p>
           <a:p>
             <a:pPr lvl="1"/>
             <a:r>
-              <a:rPr lang="it-IT"/>
+              <a:rPr lang="en-GB"/>
               <a:t>Second level</a:t>
             </a:r>
           </a:p>
           <a:p>
             <a:pPr lvl="2"/>
             <a:r>
-              <a:rPr lang="it-IT"/>
+              <a:rPr lang="en-GB"/>
               <a:t>Third level</a:t>
             </a:r>
           </a:p>
           <a:p>
             <a:pPr lvl="3"/>
             <a:r>
-              <a:rPr lang="it-IT"/>
+              <a:rPr lang="en-GB"/>
               <a:t>Fourth level</a:t>
             </a:r>
           </a:p>
           <a:p>
             <a:pPr lvl="4"/>
             <a:r>
-              <a:rPr lang="it-IT"/>
+              <a:rPr lang="en-GB"/>
               <a:t>Fifth level</a:t>
             </a:r>
             <a:endParaRPr lang="en-US"/>
@@ -505,8 +1054,8 @@
         </p:nvSpPr>
         <p:spPr>
           <a:xfrm>
-            <a:off x="3836609" y="6362700"/>
-            <a:ext cx="4850191" cy="365125"/>
+            <a:off x="5115480" y="6362701"/>
+            <a:ext cx="6466921" cy="365125"/>
           </a:xfrm>
           <a:prstGeom prst="rect">
             <a:avLst/>
@@ -516,11 +1065,12 @@
           <a:bodyPr/>
           <a:lstStyle/>
           <a:p>
-            <a:fld id="{7F19BEF7-73F9-3646-8076-7EC1D85A8026}" type="slidenum">
-              <a:rPr lang="en-US" smtClean="0"/>
+            <a:fld id="{D2040F39-7941-49A4-B48D-F201B18B6351}" type="slidenum">
+              <a:rPr lang="it-IT" smtClean="0"/>
+              <a:pPr/>
               <a:t>‹#›</a:t>
             </a:fld>
-            <a:endParaRPr lang="en-US"/>
+            <a:endParaRPr lang="it-IT" dirty="0"/>
           </a:p>
         </p:txBody>
       </p:sp>
@@ -532,8 +1082,8 @@
         </p:nvCxnSpPr>
         <p:spPr>
           <a:xfrm flipV="1">
-            <a:off x="457200" y="1388917"/>
-            <a:ext cx="8686800" cy="2"/>
+            <a:off x="609600" y="1388917"/>
+            <a:ext cx="11582400" cy="2"/>
           </a:xfrm>
           <a:prstGeom prst="line">
             <a:avLst/>
@@ -610,8 +1160,8 @@
         </p:nvSpPr>
         <p:spPr>
           <a:xfrm>
-            <a:off x="6629400" y="274638"/>
-            <a:ext cx="2057400" cy="5851525"/>
+            <a:off x="8839200" y="274639"/>
+            <a:ext cx="2743200" cy="5851525"/>
           </a:xfrm>
         </p:spPr>
         <p:txBody>
@@ -619,7 +1169,7 @@
           <a:lstStyle/>
           <a:p>
             <a:r>
-              <a:rPr lang="it-IT"/>
+              <a:rPr lang="en-GB"/>
               <a:t>Click to edit Master title style</a:t>
             </a:r>
             <a:endParaRPr lang="en-US"/>
@@ -638,8 +1188,8 @@
         </p:nvSpPr>
         <p:spPr>
           <a:xfrm>
-            <a:off x="457200" y="274638"/>
-            <a:ext cx="6019800" cy="5851525"/>
+            <a:off x="609600" y="274639"/>
+            <a:ext cx="8026400" cy="5851525"/>
           </a:xfrm>
         </p:spPr>
         <p:txBody>
@@ -648,35 +1198,35 @@
           <a:p>
             <a:pPr lvl="0"/>
             <a:r>
-              <a:rPr lang="it-IT"/>
+              <a:rPr lang="en-GB"/>
               <a:t>Click to edit Master text styles</a:t>
             </a:r>
           </a:p>
           <a:p>
             <a:pPr lvl="1"/>
             <a:r>
-              <a:rPr lang="it-IT"/>
+              <a:rPr lang="en-GB"/>
               <a:t>Second level</a:t>
             </a:r>
           </a:p>
           <a:p>
             <a:pPr lvl="2"/>
             <a:r>
-              <a:rPr lang="it-IT"/>
+              <a:rPr lang="en-GB"/>
               <a:t>Third level</a:t>
             </a:r>
           </a:p>
           <a:p>
             <a:pPr lvl="3"/>
             <a:r>
-              <a:rPr lang="it-IT"/>
+              <a:rPr lang="en-GB"/>
               <a:t>Fourth level</a:t>
             </a:r>
           </a:p>
           <a:p>
             <a:pPr lvl="4"/>
             <a:r>
-              <a:rPr lang="it-IT"/>
+              <a:rPr lang="en-GB"/>
               <a:t>Fifth level</a:t>
             </a:r>
             <a:endParaRPr lang="en-US"/>
@@ -695,8 +1245,8 @@
         </p:nvSpPr>
         <p:spPr>
           <a:xfrm>
-            <a:off x="3836609" y="6362700"/>
-            <a:ext cx="4850191" cy="365125"/>
+            <a:off x="5115480" y="6362701"/>
+            <a:ext cx="6466921" cy="365125"/>
           </a:xfrm>
           <a:prstGeom prst="rect">
             <a:avLst/>
@@ -706,11 +1256,12 @@
           <a:bodyPr/>
           <a:lstStyle/>
           <a:p>
-            <a:fld id="{7F19BEF7-73F9-3646-8076-7EC1D85A8026}" type="slidenum">
-              <a:rPr lang="en-US" smtClean="0"/>
+            <a:fld id="{D2040F39-7941-49A4-B48D-F201B18B6351}" type="slidenum">
+              <a:rPr lang="it-IT" smtClean="0"/>
+              <a:pPr/>
               <a:t>‹#›</a:t>
             </a:fld>
-            <a:endParaRPr lang="en-US"/>
+            <a:endParaRPr lang="it-IT" dirty="0"/>
           </a:p>
         </p:txBody>
       </p:sp>
@@ -760,7 +1311,7 @@
           <a:lstStyle/>
           <a:p>
             <a:r>
-              <a:rPr lang="it-IT"/>
+              <a:rPr lang="en-GB"/>
               <a:t>Click to edit Master title style</a:t>
             </a:r>
             <a:endParaRPr lang="en-US"/>
@@ -784,35 +1335,35 @@
           <a:p>
             <a:pPr lvl="0"/>
             <a:r>
-              <a:rPr lang="it-IT"/>
+              <a:rPr lang="en-GB"/>
               <a:t>Click to edit Master text styles</a:t>
             </a:r>
           </a:p>
           <a:p>
             <a:pPr lvl="1"/>
             <a:r>
-              <a:rPr lang="it-IT"/>
+              <a:rPr lang="en-GB"/>
               <a:t>Second level</a:t>
             </a:r>
           </a:p>
           <a:p>
             <a:pPr lvl="2"/>
             <a:r>
-              <a:rPr lang="it-IT"/>
+              <a:rPr lang="en-GB"/>
               <a:t>Third level</a:t>
             </a:r>
           </a:p>
           <a:p>
             <a:pPr lvl="3"/>
             <a:r>
-              <a:rPr lang="it-IT"/>
+              <a:rPr lang="en-GB"/>
               <a:t>Fourth level</a:t>
             </a:r>
           </a:p>
           <a:p>
             <a:pPr lvl="4"/>
             <a:r>
-              <a:rPr lang="it-IT"/>
+              <a:rPr lang="en-GB"/>
               <a:t>Fifth level</a:t>
             </a:r>
             <a:endParaRPr lang="en-US"/>
@@ -831,8 +1382,8 @@
         </p:nvSpPr>
         <p:spPr>
           <a:xfrm>
-            <a:off x="3836609" y="6362700"/>
-            <a:ext cx="4850191" cy="365125"/>
+            <a:off x="5115480" y="6362701"/>
+            <a:ext cx="6466921" cy="365125"/>
           </a:xfrm>
           <a:prstGeom prst="rect">
             <a:avLst/>
@@ -842,11 +1393,12 @@
           <a:bodyPr/>
           <a:lstStyle/>
           <a:p>
-            <a:fld id="{7F19BEF7-73F9-3646-8076-7EC1D85A8026}" type="slidenum">
-              <a:rPr lang="en-US" smtClean="0"/>
+            <a:fld id="{D2040F39-7941-49A4-B48D-F201B18B6351}" type="slidenum">
+              <a:rPr lang="it-IT" smtClean="0"/>
+              <a:pPr/>
               <a:t>‹#›</a:t>
             </a:fld>
-            <a:endParaRPr lang="en-US"/>
+            <a:endParaRPr lang="it-IT" dirty="0"/>
           </a:p>
         </p:txBody>
       </p:sp>
@@ -858,8 +1410,8 @@
         </p:nvCxnSpPr>
         <p:spPr>
           <a:xfrm flipV="1">
-            <a:off x="457200" y="1388917"/>
-            <a:ext cx="8686800" cy="2"/>
+            <a:off x="609600" y="1388917"/>
+            <a:ext cx="11582400" cy="2"/>
           </a:xfrm>
           <a:prstGeom prst="line">
             <a:avLst/>
@@ -936,8 +1488,8 @@
         </p:nvSpPr>
         <p:spPr>
           <a:xfrm>
-            <a:off x="722313" y="4406900"/>
-            <a:ext cx="7772400" cy="1362075"/>
+            <a:off x="963084" y="4406901"/>
+            <a:ext cx="10363200" cy="1362075"/>
           </a:xfrm>
         </p:spPr>
         <p:txBody>
@@ -949,7 +1501,7 @@
           </a:lstStyle>
           <a:p>
             <a:r>
-              <a:rPr lang="it-IT"/>
+              <a:rPr lang="en-GB"/>
               <a:t>Click to edit Master title style</a:t>
             </a:r>
             <a:endParaRPr lang="en-US"/>
@@ -968,8 +1520,8 @@
         </p:nvSpPr>
         <p:spPr>
           <a:xfrm>
-            <a:off x="722313" y="2906713"/>
-            <a:ext cx="7772400" cy="1500187"/>
+            <a:off x="963084" y="2906713"/>
+            <a:ext cx="10363200" cy="1500187"/>
           </a:xfrm>
         </p:spPr>
         <p:txBody>
@@ -1069,7 +1621,7 @@
           <a:p>
             <a:pPr lvl="0"/>
             <a:r>
-              <a:rPr lang="it-IT"/>
+              <a:rPr lang="en-GB"/>
               <a:t>Click to edit Master text styles</a:t>
             </a:r>
           </a:p>
@@ -1087,8 +1639,8 @@
         </p:nvSpPr>
         <p:spPr>
           <a:xfrm>
-            <a:off x="3836609" y="6362700"/>
-            <a:ext cx="4850191" cy="365125"/>
+            <a:off x="5115480" y="6362701"/>
+            <a:ext cx="6466921" cy="365125"/>
           </a:xfrm>
           <a:prstGeom prst="rect">
             <a:avLst/>
@@ -1098,11 +1650,12 @@
           <a:bodyPr/>
           <a:lstStyle/>
           <a:p>
-            <a:fld id="{7F19BEF7-73F9-3646-8076-7EC1D85A8026}" type="slidenum">
-              <a:rPr lang="en-US" smtClean="0"/>
+            <a:fld id="{D2040F39-7941-49A4-B48D-F201B18B6351}" type="slidenum">
+              <a:rPr lang="it-IT" smtClean="0"/>
+              <a:pPr/>
               <a:t>‹#›</a:t>
             </a:fld>
-            <a:endParaRPr lang="en-US"/>
+            <a:endParaRPr lang="it-IT" dirty="0"/>
           </a:p>
         </p:txBody>
       </p:sp>
@@ -1114,8 +1667,8 @@
         </p:nvCxnSpPr>
         <p:spPr>
           <a:xfrm flipV="1">
-            <a:off x="722313" y="4406900"/>
-            <a:ext cx="8421687" cy="2"/>
+            <a:off x="963085" y="4406900"/>
+            <a:ext cx="11228916" cy="2"/>
           </a:xfrm>
           <a:prstGeom prst="line">
             <a:avLst/>
@@ -1196,7 +1749,7 @@
           <a:lstStyle/>
           <a:p>
             <a:r>
-              <a:rPr lang="it-IT"/>
+              <a:rPr lang="en-GB"/>
               <a:t>Click to edit Master title style</a:t>
             </a:r>
             <a:endParaRPr lang="en-US"/>
@@ -1215,8 +1768,8 @@
         </p:nvSpPr>
         <p:spPr>
           <a:xfrm>
-            <a:off x="457200" y="1600200"/>
-            <a:ext cx="4038600" cy="4525963"/>
+            <a:off x="609600" y="1600201"/>
+            <a:ext cx="5384800" cy="4525963"/>
           </a:xfrm>
         </p:spPr>
         <p:txBody>
@@ -1253,35 +1806,35 @@
           <a:p>
             <a:pPr lvl="0"/>
             <a:r>
-              <a:rPr lang="it-IT"/>
+              <a:rPr lang="en-GB"/>
               <a:t>Click to edit Master text styles</a:t>
             </a:r>
           </a:p>
           <a:p>
             <a:pPr lvl="1"/>
             <a:r>
-              <a:rPr lang="it-IT"/>
+              <a:rPr lang="en-GB"/>
               <a:t>Second level</a:t>
             </a:r>
           </a:p>
           <a:p>
             <a:pPr lvl="2"/>
             <a:r>
-              <a:rPr lang="it-IT"/>
+              <a:rPr lang="en-GB"/>
               <a:t>Third level</a:t>
             </a:r>
           </a:p>
           <a:p>
             <a:pPr lvl="3"/>
             <a:r>
-              <a:rPr lang="it-IT"/>
+              <a:rPr lang="en-GB"/>
               <a:t>Fourth level</a:t>
             </a:r>
           </a:p>
           <a:p>
             <a:pPr lvl="4"/>
             <a:r>
-              <a:rPr lang="it-IT"/>
+              <a:rPr lang="en-GB"/>
               <a:t>Fifth level</a:t>
             </a:r>
             <a:endParaRPr lang="en-US"/>
@@ -1300,8 +1853,8 @@
         </p:nvSpPr>
         <p:spPr>
           <a:xfrm>
-            <a:off x="4648200" y="1600200"/>
-            <a:ext cx="4038600" cy="4525963"/>
+            <a:off x="6197600" y="1600201"/>
+            <a:ext cx="5384800" cy="4525963"/>
           </a:xfrm>
         </p:spPr>
         <p:txBody>
@@ -1338,35 +1891,35 @@
           <a:p>
             <a:pPr lvl="0"/>
             <a:r>
-              <a:rPr lang="it-IT"/>
+              <a:rPr lang="en-GB"/>
               <a:t>Click to edit Master text styles</a:t>
             </a:r>
           </a:p>
           <a:p>
             <a:pPr lvl="1"/>
             <a:r>
-              <a:rPr lang="it-IT"/>
+              <a:rPr lang="en-GB"/>
               <a:t>Second level</a:t>
             </a:r>
           </a:p>
           <a:p>
             <a:pPr lvl="2"/>
             <a:r>
-              <a:rPr lang="it-IT"/>
+              <a:rPr lang="en-GB"/>
               <a:t>Third level</a:t>
             </a:r>
           </a:p>
           <a:p>
             <a:pPr lvl="3"/>
             <a:r>
-              <a:rPr lang="it-IT"/>
+              <a:rPr lang="en-GB"/>
               <a:t>Fourth level</a:t>
             </a:r>
           </a:p>
           <a:p>
             <a:pPr lvl="4"/>
             <a:r>
-              <a:rPr lang="it-IT"/>
+              <a:rPr lang="en-GB"/>
               <a:t>Fifth level</a:t>
             </a:r>
             <a:endParaRPr lang="en-US"/>
@@ -1385,8 +1938,8 @@
         </p:nvSpPr>
         <p:spPr>
           <a:xfrm>
-            <a:off x="3836609" y="6362700"/>
-            <a:ext cx="4850191" cy="365125"/>
+            <a:off x="5115480" y="6362701"/>
+            <a:ext cx="6466921" cy="365125"/>
           </a:xfrm>
           <a:prstGeom prst="rect">
             <a:avLst/>
@@ -1396,11 +1949,12 @@
           <a:bodyPr/>
           <a:lstStyle/>
           <a:p>
-            <a:fld id="{7F19BEF7-73F9-3646-8076-7EC1D85A8026}" type="slidenum">
-              <a:rPr lang="en-US" smtClean="0"/>
+            <a:fld id="{D2040F39-7941-49A4-B48D-F201B18B6351}" type="slidenum">
+              <a:rPr lang="it-IT" smtClean="0"/>
+              <a:pPr/>
               <a:t>‹#›</a:t>
             </a:fld>
-            <a:endParaRPr lang="en-US"/>
+            <a:endParaRPr lang="it-IT" dirty="0"/>
           </a:p>
         </p:txBody>
       </p:sp>
@@ -1412,8 +1966,8 @@
         </p:nvCxnSpPr>
         <p:spPr>
           <a:xfrm flipV="1">
-            <a:off x="457200" y="1388917"/>
-            <a:ext cx="8686800" cy="2"/>
+            <a:off x="609600" y="1388917"/>
+            <a:ext cx="11582400" cy="2"/>
           </a:xfrm>
           <a:prstGeom prst="line">
             <a:avLst/>
@@ -1498,7 +2052,7 @@
           </a:lstStyle>
           <a:p>
             <a:r>
-              <a:rPr lang="it-IT"/>
+              <a:rPr lang="en-GB"/>
               <a:t>Click to edit Master title style</a:t>
             </a:r>
             <a:endParaRPr lang="en-US"/>
@@ -1517,8 +2071,8 @@
         </p:nvSpPr>
         <p:spPr>
           <a:xfrm>
-            <a:off x="457200" y="1535113"/>
-            <a:ext cx="4040188" cy="639762"/>
+            <a:off x="609600" y="1535113"/>
+            <a:ext cx="5386917" cy="639762"/>
           </a:xfrm>
         </p:spPr>
         <p:txBody>
@@ -1564,7 +2118,7 @@
           <a:p>
             <a:pPr lvl="0"/>
             <a:r>
-              <a:rPr lang="it-IT"/>
+              <a:rPr lang="en-GB"/>
               <a:t>Click to edit Master text styles</a:t>
             </a:r>
           </a:p>
@@ -1582,8 +2136,8 @@
         </p:nvSpPr>
         <p:spPr>
           <a:xfrm>
-            <a:off x="457200" y="2174875"/>
-            <a:ext cx="4040188" cy="3951288"/>
+            <a:off x="609600" y="2174875"/>
+            <a:ext cx="5386917" cy="3951288"/>
           </a:xfrm>
         </p:spPr>
         <p:txBody>
@@ -1620,35 +2174,35 @@
           <a:p>
             <a:pPr lvl="0"/>
             <a:r>
-              <a:rPr lang="it-IT"/>
+              <a:rPr lang="en-GB"/>
               <a:t>Click to edit Master text styles</a:t>
             </a:r>
           </a:p>
           <a:p>
             <a:pPr lvl="1"/>
             <a:r>
-              <a:rPr lang="it-IT"/>
+              <a:rPr lang="en-GB"/>
               <a:t>Second level</a:t>
             </a:r>
           </a:p>
           <a:p>
             <a:pPr lvl="2"/>
             <a:r>
-              <a:rPr lang="it-IT"/>
+              <a:rPr lang="en-GB"/>
               <a:t>Third level</a:t>
             </a:r>
           </a:p>
           <a:p>
             <a:pPr lvl="3"/>
             <a:r>
-              <a:rPr lang="it-IT"/>
+              <a:rPr lang="en-GB"/>
               <a:t>Fourth level</a:t>
             </a:r>
           </a:p>
           <a:p>
             <a:pPr lvl="4"/>
             <a:r>
-              <a:rPr lang="it-IT"/>
+              <a:rPr lang="en-GB"/>
               <a:t>Fifth level</a:t>
             </a:r>
             <a:endParaRPr lang="en-US"/>
@@ -1667,8 +2221,8 @@
         </p:nvSpPr>
         <p:spPr>
           <a:xfrm>
-            <a:off x="4645025" y="1535113"/>
-            <a:ext cx="4041775" cy="639762"/>
+            <a:off x="6193368" y="1535113"/>
+            <a:ext cx="5389033" cy="639762"/>
           </a:xfrm>
         </p:spPr>
         <p:txBody>
@@ -1714,7 +2268,7 @@
           <a:p>
             <a:pPr lvl="0"/>
             <a:r>
-              <a:rPr lang="it-IT"/>
+              <a:rPr lang="en-GB"/>
               <a:t>Click to edit Master text styles</a:t>
             </a:r>
           </a:p>
@@ -1732,8 +2286,8 @@
         </p:nvSpPr>
         <p:spPr>
           <a:xfrm>
-            <a:off x="4645025" y="2174875"/>
-            <a:ext cx="4041775" cy="3951288"/>
+            <a:off x="6193368" y="2174875"/>
+            <a:ext cx="5389033" cy="3951288"/>
           </a:xfrm>
         </p:spPr>
         <p:txBody>
@@ -1770,35 +2324,35 @@
           <a:p>
             <a:pPr lvl="0"/>
             <a:r>
-              <a:rPr lang="it-IT"/>
+              <a:rPr lang="en-GB"/>
               <a:t>Click to edit Master text styles</a:t>
             </a:r>
           </a:p>
           <a:p>
             <a:pPr lvl="1"/>
             <a:r>
-              <a:rPr lang="it-IT"/>
+              <a:rPr lang="en-GB"/>
               <a:t>Second level</a:t>
             </a:r>
           </a:p>
           <a:p>
             <a:pPr lvl="2"/>
             <a:r>
-              <a:rPr lang="it-IT"/>
+              <a:rPr lang="en-GB"/>
               <a:t>Third level</a:t>
             </a:r>
           </a:p>
           <a:p>
             <a:pPr lvl="3"/>
             <a:r>
-              <a:rPr lang="it-IT"/>
+              <a:rPr lang="en-GB"/>
               <a:t>Fourth level</a:t>
             </a:r>
           </a:p>
           <a:p>
             <a:pPr lvl="4"/>
             <a:r>
-              <a:rPr lang="it-IT"/>
+              <a:rPr lang="en-GB"/>
               <a:t>Fifth level</a:t>
             </a:r>
             <a:endParaRPr lang="en-US"/>
@@ -1817,8 +2371,8 @@
         </p:nvSpPr>
         <p:spPr>
           <a:xfrm>
-            <a:off x="3836609" y="6362700"/>
-            <a:ext cx="4850191" cy="365125"/>
+            <a:off x="5115480" y="6362701"/>
+            <a:ext cx="6466921" cy="365125"/>
           </a:xfrm>
           <a:prstGeom prst="rect">
             <a:avLst/>
@@ -1828,11 +2382,12 @@
           <a:bodyPr/>
           <a:lstStyle/>
           <a:p>
-            <a:fld id="{7F19BEF7-73F9-3646-8076-7EC1D85A8026}" type="slidenum">
-              <a:rPr lang="en-US" smtClean="0"/>
+            <a:fld id="{D2040F39-7941-49A4-B48D-F201B18B6351}" type="slidenum">
+              <a:rPr lang="it-IT" smtClean="0"/>
+              <a:pPr/>
               <a:t>‹#›</a:t>
             </a:fld>
-            <a:endParaRPr lang="en-US"/>
+            <a:endParaRPr lang="it-IT" dirty="0"/>
           </a:p>
         </p:txBody>
       </p:sp>
@@ -1844,8 +2399,8 @@
         </p:nvCxnSpPr>
         <p:spPr>
           <a:xfrm flipV="1">
-            <a:off x="457200" y="1388917"/>
-            <a:ext cx="8686800" cy="2"/>
+            <a:off x="609600" y="1388917"/>
+            <a:ext cx="11582400" cy="2"/>
           </a:xfrm>
           <a:prstGeom prst="line">
             <a:avLst/>
@@ -1926,7 +2481,7 @@
           <a:lstStyle/>
           <a:p>
             <a:r>
-              <a:rPr lang="it-IT"/>
+              <a:rPr lang="en-GB"/>
               <a:t>Click to edit Master title style</a:t>
             </a:r>
             <a:endParaRPr lang="en-US"/>
@@ -1945,8 +2500,8 @@
         </p:nvSpPr>
         <p:spPr>
           <a:xfrm>
-            <a:off x="3836609" y="6362700"/>
-            <a:ext cx="4850191" cy="365125"/>
+            <a:off x="5115480" y="6362701"/>
+            <a:ext cx="6466921" cy="365125"/>
           </a:xfrm>
           <a:prstGeom prst="rect">
             <a:avLst/>
@@ -1956,11 +2511,12 @@
           <a:bodyPr/>
           <a:lstStyle/>
           <a:p>
-            <a:fld id="{7F19BEF7-73F9-3646-8076-7EC1D85A8026}" type="slidenum">
-              <a:rPr lang="en-US" smtClean="0"/>
+            <a:fld id="{D2040F39-7941-49A4-B48D-F201B18B6351}" type="slidenum">
+              <a:rPr lang="it-IT" smtClean="0"/>
+              <a:pPr/>
               <a:t>‹#›</a:t>
             </a:fld>
-            <a:endParaRPr lang="en-US"/>
+            <a:endParaRPr lang="it-IT" dirty="0"/>
           </a:p>
         </p:txBody>
       </p:sp>
@@ -1972,8 +2528,8 @@
         </p:nvCxnSpPr>
         <p:spPr>
           <a:xfrm flipV="1">
-            <a:off x="457200" y="1388917"/>
-            <a:ext cx="8686800" cy="2"/>
+            <a:off x="609600" y="1388917"/>
+            <a:ext cx="11582400" cy="2"/>
           </a:xfrm>
           <a:prstGeom prst="line">
             <a:avLst/>
@@ -2050,8 +2606,8 @@
         </p:nvSpPr>
         <p:spPr>
           <a:xfrm>
-            <a:off x="3836609" y="6362700"/>
-            <a:ext cx="4850191" cy="365125"/>
+            <a:off x="5115480" y="6362701"/>
+            <a:ext cx="6466921" cy="365125"/>
           </a:xfrm>
           <a:prstGeom prst="rect">
             <a:avLst/>
@@ -2061,11 +2617,12 @@
           <a:bodyPr/>
           <a:lstStyle/>
           <a:p>
-            <a:fld id="{7F19BEF7-73F9-3646-8076-7EC1D85A8026}" type="slidenum">
-              <a:rPr lang="en-US" smtClean="0"/>
+            <a:fld id="{D2040F39-7941-49A4-B48D-F201B18B6351}" type="slidenum">
+              <a:rPr lang="it-IT" smtClean="0"/>
+              <a:pPr/>
               <a:t>‹#›</a:t>
             </a:fld>
-            <a:endParaRPr lang="en-US"/>
+            <a:endParaRPr lang="it-IT" dirty="0"/>
           </a:p>
         </p:txBody>
       </p:sp>
@@ -2111,8 +2668,8 @@
         </p:nvSpPr>
         <p:spPr>
           <a:xfrm>
-            <a:off x="457200" y="273050"/>
-            <a:ext cx="3008313" cy="1162050"/>
+            <a:off x="609601" y="273050"/>
+            <a:ext cx="4011084" cy="1162050"/>
           </a:xfrm>
         </p:spPr>
         <p:txBody>
@@ -2124,7 +2681,7 @@
           </a:lstStyle>
           <a:p>
             <a:r>
-              <a:rPr lang="it-IT"/>
+              <a:rPr lang="en-GB"/>
               <a:t>Click to edit Master title style</a:t>
             </a:r>
             <a:endParaRPr lang="en-US"/>
@@ -2143,8 +2700,8 @@
         </p:nvSpPr>
         <p:spPr>
           <a:xfrm>
-            <a:off x="3575050" y="273050"/>
-            <a:ext cx="5111750" cy="5853113"/>
+            <a:off x="4766733" y="273051"/>
+            <a:ext cx="6815667" cy="5853113"/>
           </a:xfrm>
         </p:spPr>
         <p:txBody>
@@ -2181,35 +2738,35 @@
           <a:p>
             <a:pPr lvl="0"/>
             <a:r>
-              <a:rPr lang="it-IT"/>
+              <a:rPr lang="en-GB"/>
               <a:t>Click to edit Master text styles</a:t>
             </a:r>
           </a:p>
           <a:p>
             <a:pPr lvl="1"/>
             <a:r>
-              <a:rPr lang="it-IT"/>
+              <a:rPr lang="en-GB"/>
               <a:t>Second level</a:t>
             </a:r>
           </a:p>
           <a:p>
             <a:pPr lvl="2"/>
             <a:r>
-              <a:rPr lang="it-IT"/>
+              <a:rPr lang="en-GB"/>
               <a:t>Third level</a:t>
             </a:r>
           </a:p>
           <a:p>
             <a:pPr lvl="3"/>
             <a:r>
-              <a:rPr lang="it-IT"/>
+              <a:rPr lang="en-GB"/>
               <a:t>Fourth level</a:t>
             </a:r>
           </a:p>
           <a:p>
             <a:pPr lvl="4"/>
             <a:r>
-              <a:rPr lang="it-IT"/>
+              <a:rPr lang="en-GB"/>
               <a:t>Fifth level</a:t>
             </a:r>
             <a:endParaRPr lang="en-US"/>
@@ -2228,8 +2785,8 @@
         </p:nvSpPr>
         <p:spPr>
           <a:xfrm>
-            <a:off x="457200" y="1435100"/>
-            <a:ext cx="3008313" cy="4691063"/>
+            <a:off x="609601" y="1435101"/>
+            <a:ext cx="4011084" cy="4691063"/>
           </a:xfrm>
         </p:spPr>
         <p:txBody>
@@ -2275,7 +2832,7 @@
           <a:p>
             <a:pPr lvl="0"/>
             <a:r>
-              <a:rPr lang="it-IT"/>
+              <a:rPr lang="en-GB"/>
               <a:t>Click to edit Master text styles</a:t>
             </a:r>
           </a:p>
@@ -2293,8 +2850,8 @@
         </p:nvSpPr>
         <p:spPr>
           <a:xfrm>
-            <a:off x="3836609" y="6362700"/>
-            <a:ext cx="4850191" cy="365125"/>
+            <a:off x="5115480" y="6362701"/>
+            <a:ext cx="6466921" cy="365125"/>
           </a:xfrm>
           <a:prstGeom prst="rect">
             <a:avLst/>
@@ -2304,11 +2861,12 @@
           <a:bodyPr/>
           <a:lstStyle/>
           <a:p>
-            <a:fld id="{7F19BEF7-73F9-3646-8076-7EC1D85A8026}" type="slidenum">
-              <a:rPr lang="en-US" smtClean="0"/>
+            <a:fld id="{D2040F39-7941-49A4-B48D-F201B18B6351}" type="slidenum">
+              <a:rPr lang="it-IT" smtClean="0"/>
+              <a:pPr/>
               <a:t>‹#›</a:t>
             </a:fld>
-            <a:endParaRPr lang="en-US"/>
+            <a:endParaRPr lang="it-IT" dirty="0"/>
           </a:p>
         </p:txBody>
       </p:sp>
@@ -2354,8 +2912,8 @@
         </p:nvSpPr>
         <p:spPr>
           <a:xfrm>
-            <a:off x="1792288" y="4800600"/>
-            <a:ext cx="5486400" cy="566738"/>
+            <a:off x="2389717" y="4800600"/>
+            <a:ext cx="7315200" cy="566738"/>
           </a:xfrm>
         </p:spPr>
         <p:txBody>
@@ -2367,7 +2925,7 @@
           </a:lstStyle>
           <a:p>
             <a:r>
-              <a:rPr lang="it-IT"/>
+              <a:rPr lang="en-GB"/>
               <a:t>Click to edit Master title style</a:t>
             </a:r>
             <a:endParaRPr lang="en-US"/>
@@ -2386,8 +2944,8 @@
         </p:nvSpPr>
         <p:spPr>
           <a:xfrm>
-            <a:off x="1792288" y="612775"/>
-            <a:ext cx="5486400" cy="4114800"/>
+            <a:off x="2389717" y="612775"/>
+            <a:ext cx="7315200" cy="4114800"/>
           </a:xfrm>
         </p:spPr>
         <p:txBody>
@@ -2432,8 +2990,8 @@
           </a:lstStyle>
           <a:p>
             <a:r>
-              <a:rPr lang="it-IT"/>
-              <a:t>Drag picture to placeholder or click icon to add</a:t>
+              <a:rPr lang="en-GB"/>
+              <a:t>Click icon to add picture</a:t>
             </a:r>
             <a:endParaRPr lang="en-US"/>
           </a:p>
@@ -2451,8 +3009,8 @@
         </p:nvSpPr>
         <p:spPr>
           <a:xfrm>
-            <a:off x="1792288" y="5367338"/>
-            <a:ext cx="5486400" cy="804862"/>
+            <a:off x="2389717" y="5367338"/>
+            <a:ext cx="7315200" cy="804862"/>
           </a:xfrm>
         </p:spPr>
         <p:txBody>
@@ -2498,7 +3056,7 @@
           <a:p>
             <a:pPr lvl="0"/>
             <a:r>
-              <a:rPr lang="it-IT"/>
+              <a:rPr lang="en-GB"/>
               <a:t>Click to edit Master text styles</a:t>
             </a:r>
           </a:p>
@@ -2516,8 +3074,8 @@
         </p:nvSpPr>
         <p:spPr>
           <a:xfrm>
-            <a:off x="3836609" y="6362700"/>
-            <a:ext cx="4850191" cy="365125"/>
+            <a:off x="5115480" y="6362701"/>
+            <a:ext cx="6466921" cy="365125"/>
           </a:xfrm>
           <a:prstGeom prst="rect">
             <a:avLst/>
@@ -2527,11 +3085,12 @@
           <a:bodyPr/>
           <a:lstStyle/>
           <a:p>
-            <a:fld id="{7F19BEF7-73F9-3646-8076-7EC1D85A8026}" type="slidenum">
-              <a:rPr lang="en-US" smtClean="0"/>
+            <a:fld id="{D2040F39-7941-49A4-B48D-F201B18B6351}" type="slidenum">
+              <a:rPr lang="it-IT" smtClean="0"/>
+              <a:pPr/>
               <a:t>‹#›</a:t>
             </a:fld>
-            <a:endParaRPr lang="en-US"/>
+            <a:endParaRPr lang="it-IT" dirty="0"/>
           </a:p>
         </p:txBody>
       </p:sp>
@@ -2543,8 +3102,8 @@
         </p:nvCxnSpPr>
         <p:spPr>
           <a:xfrm flipV="1">
-            <a:off x="457200" y="4752218"/>
-            <a:ext cx="8686800" cy="2"/>
+            <a:off x="609600" y="4752218"/>
+            <a:ext cx="11582400" cy="2"/>
           </a:xfrm>
           <a:prstGeom prst="line">
             <a:avLst/>
@@ -2626,8 +3185,8 @@
         </p:nvSpPr>
         <p:spPr>
           <a:xfrm>
-            <a:off x="457200" y="274638"/>
-            <a:ext cx="8229600" cy="1143000"/>
+            <a:off x="609600" y="274638"/>
+            <a:ext cx="10972800" cy="1143000"/>
           </a:xfrm>
           <a:prstGeom prst="rect">
             <a:avLst/>
@@ -2640,7 +3199,7 @@
           <a:lstStyle/>
           <a:p>
             <a:r>
-              <a:rPr lang="it-IT"/>
+              <a:rPr lang="en-GB"/>
               <a:t>Click to edit Master title style</a:t>
             </a:r>
             <a:endParaRPr lang="en-US" dirty="0"/>
@@ -2659,8 +3218,8 @@
         </p:nvSpPr>
         <p:spPr>
           <a:xfrm>
-            <a:off x="457200" y="1600200"/>
-            <a:ext cx="8229600" cy="4525963"/>
+            <a:off x="609600" y="1600201"/>
+            <a:ext cx="10972800" cy="4525963"/>
           </a:xfrm>
           <a:prstGeom prst="rect">
             <a:avLst/>
@@ -2674,79 +3233,44 @@
           <a:p>
             <a:pPr lvl="0"/>
             <a:r>
-              <a:rPr lang="it-IT"/>
+              <a:rPr lang="en-GB"/>
               <a:t>Click to edit Master text styles</a:t>
             </a:r>
           </a:p>
           <a:p>
             <a:pPr lvl="1"/>
             <a:r>
-              <a:rPr lang="it-IT"/>
+              <a:rPr lang="en-GB"/>
               <a:t>Second level</a:t>
             </a:r>
           </a:p>
           <a:p>
             <a:pPr lvl="2"/>
             <a:r>
-              <a:rPr lang="it-IT"/>
+              <a:rPr lang="en-GB"/>
               <a:t>Third level</a:t>
             </a:r>
           </a:p>
           <a:p>
             <a:pPr lvl="3"/>
             <a:r>
-              <a:rPr lang="it-IT"/>
+              <a:rPr lang="en-GB"/>
               <a:t>Fourth level</a:t>
             </a:r>
           </a:p>
           <a:p>
             <a:pPr lvl="4"/>
             <a:r>
-              <a:rPr lang="it-IT"/>
+              <a:rPr lang="en-GB"/>
               <a:t>Fifth level</a:t>
             </a:r>
             <a:endParaRPr lang="en-US" dirty="0"/>
-          </a:p>
-        </p:txBody>
-      </p:sp>
-      <p:sp>
-        <p:nvSpPr>
-          <p:cNvPr id="10" name="Slide Number Placeholder 5"/>
-          <p:cNvSpPr>
-            <a:spLocks noGrp="1"/>
-          </p:cNvSpPr>
-          <p:nvPr>
-            <p:ph type="sldNum" sz="quarter" idx="4"/>
-          </p:nvPr>
-        </p:nvSpPr>
-        <p:spPr>
-          <a:xfrm>
-            <a:off x="3836609" y="6362700"/>
-            <a:ext cx="4850191" cy="365125"/>
-          </a:xfrm>
-          <a:prstGeom prst="rect">
-            <a:avLst/>
-          </a:prstGeom>
-        </p:spPr>
-        <p:txBody>
-          <a:bodyPr/>
-          <a:lstStyle>
-            <a:lvl1pPr algn="r">
-              <a:defRPr/>
-            </a:lvl1pPr>
-          </a:lstStyle>
-          <a:p>
-            <a:fld id="{7F19BEF7-73F9-3646-8076-7EC1D85A8026}" type="slidenum">
-              <a:rPr lang="en-US" smtClean="0"/>
-              <a:t>‹#›</a:t>
-            </a:fld>
-            <a:endParaRPr lang="en-US"/>
           </a:p>
         </p:txBody>
       </p:sp>
       <p:pic>
         <p:nvPicPr>
-          <p:cNvPr id="9" name="Picture 8" descr="ing-modena copy.png"/>
+          <p:cNvPr id="8" name="Picture 7" descr="ing-modena copy.png"/>
           <p:cNvPicPr>
             <a:picLocks noChangeAspect="1"/>
           </p:cNvPicPr>
@@ -2756,7 +3280,7 @@
           <a:blip r:embed="rId13">
             <a:extLst>
               <a:ext uri="{28A0092B-C50C-407E-A947-70E740481C1C}">
-                <a14:useLocalDpi xmlns:a14="http://schemas.microsoft.com/office/drawing/2010/main"/>
+                <a14:useLocalDpi xmlns:a14="http://schemas.microsoft.com/office/drawing/2010/main" val="0"/>
               </a:ext>
             </a:extLst>
           </a:blip>
@@ -2766,14 +3290,46 @@
         </p:blipFill>
         <p:spPr>
           <a:xfrm>
-            <a:off x="24190" y="5829300"/>
-            <a:ext cx="1689100" cy="1066800"/>
+            <a:off x="-45803" y="6021288"/>
+            <a:ext cx="1533291" cy="899495"/>
           </a:xfrm>
           <a:prstGeom prst="rect">
             <a:avLst/>
           </a:prstGeom>
         </p:spPr>
       </p:pic>
+      <p:sp>
+        <p:nvSpPr>
+          <p:cNvPr id="10" name="Slide Number Placeholder 5"/>
+          <p:cNvSpPr>
+            <a:spLocks noGrp="1"/>
+          </p:cNvSpPr>
+          <p:nvPr>
+            <p:ph type="sldNum" sz="quarter" idx="4"/>
+          </p:nvPr>
+        </p:nvSpPr>
+        <p:spPr>
+          <a:xfrm>
+            <a:off x="5115480" y="6362701"/>
+            <a:ext cx="6466921" cy="365125"/>
+          </a:xfrm>
+          <a:prstGeom prst="rect">
+            <a:avLst/>
+          </a:prstGeom>
+        </p:spPr>
+        <p:txBody>
+          <a:bodyPr/>
+          <a:lstStyle/>
+          <a:p>
+            <a:fld id="{D2040F39-7941-49A4-B48D-F201B18B6351}" type="slidenum">
+              <a:rPr lang="it-IT" smtClean="0"/>
+              <a:pPr/>
+              <a:t>‹#›</a:t>
+            </a:fld>
+            <a:endParaRPr lang="it-IT" dirty="0"/>
+          </a:p>
+        </p:txBody>
+      </p:sp>
     </p:spTree>
     <p:extLst>
       <p:ext uri="{BB962C8B-B14F-4D97-AF65-F5344CB8AC3E}">
@@ -2783,18 +3339,19 @@
   </p:cSld>
   <p:clrMap bg1="lt1" tx1="dk1" bg2="lt2" tx2="dk2" accent1="accent1" accent2="accent2" accent3="accent3" accent4="accent4" accent5="accent5" accent6="accent6" hlink="hlink" folHlink="folHlink"/>
   <p:sldLayoutIdLst>
-    <p:sldLayoutId id="2147483661" r:id="rId1"/>
-    <p:sldLayoutId id="2147483662" r:id="rId2"/>
-    <p:sldLayoutId id="2147483663" r:id="rId3"/>
-    <p:sldLayoutId id="2147483664" r:id="rId4"/>
-    <p:sldLayoutId id="2147483665" r:id="rId5"/>
-    <p:sldLayoutId id="2147483666" r:id="rId6"/>
-    <p:sldLayoutId id="2147483667" r:id="rId7"/>
-    <p:sldLayoutId id="2147483668" r:id="rId8"/>
-    <p:sldLayoutId id="2147483669" r:id="rId9"/>
-    <p:sldLayoutId id="2147483670" r:id="rId10"/>
-    <p:sldLayoutId id="2147483671" r:id="rId11"/>
+    <p:sldLayoutId id="2147483673" r:id="rId1"/>
+    <p:sldLayoutId id="2147483674" r:id="rId2"/>
+    <p:sldLayoutId id="2147483675" r:id="rId3"/>
+    <p:sldLayoutId id="2147483676" r:id="rId4"/>
+    <p:sldLayoutId id="2147483677" r:id="rId5"/>
+    <p:sldLayoutId id="2147483678" r:id="rId6"/>
+    <p:sldLayoutId id="2147483679" r:id="rId7"/>
+    <p:sldLayoutId id="2147483680" r:id="rId8"/>
+    <p:sldLayoutId id="2147483681" r:id="rId9"/>
+    <p:sldLayoutId id="2147483682" r:id="rId10"/>
+    <p:sldLayoutId id="2147483683" r:id="rId11"/>
   </p:sldLayoutIdLst>
+  <p:hf hdr="0" ftr="0" dt="0"/>
   <p:txStyles>
     <p:titleStyle>
       <a:lvl1pPr algn="ctr" defTabSz="457200" rtl="0" eaLnBrk="1" latinLnBrk="0" hangingPunct="1">
@@ -3106,7 +3663,7 @@
         </p:nvSpPr>
         <p:spPr>
           <a:xfrm>
-            <a:off x="1371600" y="3886200"/>
+            <a:off x="2895600" y="3886200"/>
             <a:ext cx="6400800" cy="1752600"/>
           </a:xfrm>
         </p:spPr>
@@ -3421,7 +3978,7 @@
         <p:spPr/>
         <p:txBody>
           <a:bodyPr>
-            <a:normAutofit fontScale="92500" lnSpcReduction="10000"/>
+            <a:normAutofit/>
           </a:bodyPr>
           <a:lstStyle/>
           <a:p>
@@ -3545,7 +4102,7 @@
         <p:spPr/>
         <p:txBody>
           <a:bodyPr>
-            <a:normAutofit lnSpcReduction="10000"/>
+            <a:normAutofit/>
           </a:bodyPr>
           <a:lstStyle/>
           <a:p>
@@ -3698,6 +4255,10 @@
           </a:stretch>
         </p:blipFill>
         <p:spPr>
+          <a:xfrm>
+            <a:off x="1984648" y="1556792"/>
+            <a:ext cx="8222704" cy="4525963"/>
+          </a:xfrm>
           <a:prstGeom prst="rect">
             <a:avLst/>
           </a:prstGeom>
@@ -3910,7 +4471,7 @@
         <p:spPr/>
         <p:txBody>
           <a:bodyPr>
-            <a:normAutofit fontScale="85000" lnSpcReduction="20000"/>
+            <a:normAutofit fontScale="92500" lnSpcReduction="20000"/>
           </a:bodyPr>
           <a:lstStyle/>
           <a:p>
@@ -4026,7 +4587,7 @@
         <p:spPr/>
         <p:txBody>
           <a:bodyPr>
-            <a:normAutofit fontScale="85000" lnSpcReduction="20000"/>
+            <a:normAutofit fontScale="92500" lnSpcReduction="20000"/>
           </a:bodyPr>
           <a:lstStyle/>
           <a:p>
@@ -4153,7 +4714,7 @@
         </p:blipFill>
         <p:spPr>
           <a:xfrm>
-            <a:off x="457200" y="1915584"/>
+            <a:off x="1981200" y="1915584"/>
             <a:ext cx="8229600" cy="3291416"/>
           </a:xfrm>
           <a:prstGeom prst="rect">
@@ -4175,7 +4736,7 @@
         </p:nvSpPr>
         <p:spPr>
           <a:xfrm>
-            <a:off x="2540220" y="5411972"/>
+            <a:off x="4064220" y="5411972"/>
             <a:ext cx="2277290" cy="369332"/>
           </a:xfrm>
           <a:prstGeom prst="rect">
@@ -4216,7 +4777,7 @@
         </p:nvCxnSpPr>
         <p:spPr>
           <a:xfrm flipV="1">
-            <a:off x="3678865" y="4423144"/>
+            <a:off x="5202865" y="4423144"/>
             <a:ext cx="1031358" cy="988828"/>
           </a:xfrm>
           <a:prstGeom prst="straightConnector1">
@@ -4443,7 +5004,7 @@
         <p:spPr/>
         <p:txBody>
           <a:bodyPr>
-            <a:normAutofit fontScale="85000" lnSpcReduction="10000"/>
+            <a:normAutofit fontScale="92500" lnSpcReduction="20000"/>
           </a:bodyPr>
           <a:lstStyle/>
           <a:p>
@@ -4740,15 +5301,192 @@
           </a:p>
         </p:txBody>
       </p:sp>
+      <p:sp>
+        <p:nvSpPr>
+          <p:cNvPr id="3" name="Content Placeholder 2">
+            <a:extLst>
+              <a:ext uri="{FF2B5EF4-FFF2-40B4-BE49-F238E27FC236}">
+                <a16:creationId xmlns:a16="http://schemas.microsoft.com/office/drawing/2014/main" id="{6A4C567C-63A9-2D4A-910F-DEC479557D18}"/>
+              </a:ext>
+            </a:extLst>
+          </p:cNvPr>
+          <p:cNvSpPr>
+            <a:spLocks noGrp="1"/>
+          </p:cNvSpPr>
+          <p:nvPr>
+            <p:ph idx="1"/>
+          </p:nvPr>
+        </p:nvSpPr>
+        <p:spPr/>
+        <p:txBody>
+          <a:bodyPr>
+            <a:normAutofit/>
+          </a:bodyPr>
+          <a:lstStyle/>
+          <a:p>
+            <a:r>
+              <a:rPr lang="en-US" sz="2000" dirty="0"/>
+              <a:t>REST is used to </a:t>
+            </a:r>
+            <a:r>
+              <a:rPr lang="en-US" sz="2000" dirty="0">
+                <a:solidFill>
+                  <a:srgbClr val="E46C0A"/>
+                </a:solidFill>
+              </a:rPr>
+              <a:t>build scalable Web services </a:t>
+            </a:r>
+            <a:r>
+              <a:rPr lang="en-US" sz="2000" dirty="0"/>
+              <a:t>(stateless is lightweight)</a:t>
+            </a:r>
+          </a:p>
+          <a:p>
+            <a:r>
+              <a:rPr lang="en-US" sz="2000" dirty="0"/>
+              <a:t>REST</a:t>
+            </a:r>
+            <a:r>
+              <a:rPr lang="en-US" sz="2000" dirty="0">
+                <a:solidFill>
+                  <a:schemeClr val="accent6">
+                    <a:lumMod val="75000"/>
+                  </a:schemeClr>
+                </a:solidFill>
+              </a:rPr>
+              <a:t> decouples applications </a:t>
+            </a:r>
+            <a:r>
+              <a:rPr lang="en-US" sz="2000" dirty="0"/>
+              <a:t>from vendor-specific details (e.g., JDBC requires drivers and knowledge about the underlying database) and </a:t>
+            </a:r>
+            <a:r>
+              <a:rPr lang="en-US" sz="2000" dirty="0">
+                <a:solidFill>
+                  <a:srgbClr val="000000"/>
+                </a:solidFill>
+              </a:rPr>
+              <a:t>prevents exposing DMBS to untrusted networks (e.g. Internet)</a:t>
+            </a:r>
+          </a:p>
+          <a:p>
+            <a:r>
+              <a:rPr lang="en-US" sz="2000" dirty="0"/>
+              <a:t>Widely </a:t>
+            </a:r>
+            <a:r>
+              <a:rPr lang="en-US" sz="2000" dirty="0">
+                <a:solidFill>
+                  <a:schemeClr val="accent6">
+                    <a:lumMod val="75000"/>
+                  </a:schemeClr>
+                </a:solidFill>
+              </a:rPr>
+              <a:t>available libraries </a:t>
+            </a:r>
+            <a:r>
+              <a:rPr lang="en-US" sz="2000" dirty="0"/>
+              <a:t>for many languages (e.g., </a:t>
+            </a:r>
+            <a:r>
+              <a:rPr lang="en-US" sz="2000" dirty="0" err="1"/>
+              <a:t>RESTLet</a:t>
+            </a:r>
+            <a:r>
+              <a:rPr lang="en-US" sz="2000" dirty="0"/>
+              <a:t> for Java)</a:t>
+            </a:r>
+          </a:p>
+          <a:p>
+            <a:r>
+              <a:rPr lang="en-US" sz="2000" dirty="0">
+                <a:solidFill>
+                  <a:srgbClr val="000000"/>
+                </a:solidFill>
+              </a:rPr>
+              <a:t>Examples: https://</a:t>
+            </a:r>
+            <a:r>
+              <a:rPr lang="en-US" sz="2000" dirty="0" err="1">
+                <a:solidFill>
+                  <a:srgbClr val="000000"/>
+                </a:solidFill>
+              </a:rPr>
+              <a:t>github.com</a:t>
+            </a:r>
+            <a:r>
+              <a:rPr lang="en-US" sz="2000" dirty="0">
+                <a:solidFill>
+                  <a:srgbClr val="000000"/>
+                </a:solidFill>
+              </a:rPr>
+              <a:t>/</a:t>
+            </a:r>
+            <a:r>
+              <a:rPr lang="en-US" sz="2000" dirty="0" err="1">
+                <a:solidFill>
+                  <a:srgbClr val="000000"/>
+                </a:solidFill>
+              </a:rPr>
+              <a:t>toddmotto</a:t>
+            </a:r>
+            <a:r>
+              <a:rPr lang="en-US" sz="2000" dirty="0">
+                <a:solidFill>
+                  <a:srgbClr val="000000"/>
+                </a:solidFill>
+              </a:rPr>
+              <a:t>/public-</a:t>
+            </a:r>
+            <a:r>
+              <a:rPr lang="en-US" sz="2000" dirty="0" err="1">
+                <a:solidFill>
+                  <a:srgbClr val="000000"/>
+                </a:solidFill>
+              </a:rPr>
+              <a:t>apis</a:t>
+            </a:r>
+            <a:endParaRPr lang="en-US" sz="2000" dirty="0">
+              <a:solidFill>
+                <a:srgbClr val="000000"/>
+              </a:solidFill>
+            </a:endParaRPr>
+          </a:p>
+          <a:p>
+            <a:endParaRPr lang="en-US" sz="2000" dirty="0">
+              <a:solidFill>
+                <a:srgbClr val="000000"/>
+              </a:solidFill>
+            </a:endParaRPr>
+          </a:p>
+          <a:p>
+            <a:endParaRPr lang="en-US" sz="2000" dirty="0">
+              <a:solidFill>
+                <a:srgbClr val="000000"/>
+              </a:solidFill>
+            </a:endParaRPr>
+          </a:p>
+          <a:p>
+            <a:endParaRPr lang="en-US" sz="2000" dirty="0"/>
+          </a:p>
+          <a:p>
+            <a:endParaRPr lang="en-IT" sz="2000" dirty="0"/>
+          </a:p>
+        </p:txBody>
+      </p:sp>
       <p:pic>
         <p:nvPicPr>
-          <p:cNvPr id="7" name="Content Placeholder 6" descr="Untitled.png"/>
+          <p:cNvPr id="9" name="Content Placeholder 6" descr="Untitled.png">
+            <a:extLst>
+              <a:ext uri="{FF2B5EF4-FFF2-40B4-BE49-F238E27FC236}">
+                <a16:creationId xmlns:a16="http://schemas.microsoft.com/office/drawing/2014/main" id="{A76BC014-4022-B046-8491-CF15912D12ED}"/>
+              </a:ext>
+            </a:extLst>
+          </p:cNvPr>
           <p:cNvPicPr>
-            <a:picLocks noGrp="1" noChangeAspect="1"/>
+            <a:picLocks noChangeAspect="1"/>
           </p:cNvPicPr>
-          <p:nvPr>
-            <p:ph idx="1"/>
-          </p:nvPr>
+          <p:nvPr/>
         </p:nvPicPr>
         <p:blipFill>
           <a:blip r:embed="rId2" cstate="print">
@@ -4758,324 +5496,20 @@
               </a:ext>
             </a:extLst>
           </a:blip>
-          <a:srcRect t="-17429" b="-17429"/>
           <a:stretch>
             <a:fillRect/>
           </a:stretch>
         </p:blipFill>
         <p:spPr>
           <a:xfrm>
-            <a:off x="167215" y="536102"/>
-            <a:ext cx="8782722" cy="4830159"/>
-          </a:xfrm>
-        </p:spPr>
-      </p:pic>
-      <p:sp>
-        <p:nvSpPr>
-          <p:cNvPr id="8" name="Content Placeholder 2"/>
-          <p:cNvSpPr txBox="1">
-            <a:spLocks/>
-          </p:cNvSpPr>
-          <p:nvPr/>
-        </p:nvSpPr>
-        <p:spPr>
-          <a:xfrm>
-            <a:off x="457200" y="4476750"/>
-            <a:ext cx="8229600" cy="1818741"/>
+            <a:off x="1559496" y="3140968"/>
+            <a:ext cx="8788400" cy="3581400"/>
           </a:xfrm>
           <a:prstGeom prst="rect">
             <a:avLst/>
           </a:prstGeom>
         </p:spPr>
-        <p:txBody>
-          <a:bodyPr vert="horz" lIns="91440" tIns="45720" rIns="91440" bIns="45720" rtlCol="0">
-            <a:normAutofit fontScale="62500" lnSpcReduction="20000"/>
-          </a:bodyPr>
-          <a:lstStyle>
-            <a:lvl1pPr marL="342900" indent="-342900" algn="l" defTabSz="457200" rtl="0" eaLnBrk="1" latinLnBrk="0" hangingPunct="1">
-              <a:spcBef>
-                <a:spcPct val="20000"/>
-              </a:spcBef>
-              <a:buFont typeface="Arial"/>
-              <a:buChar char="•"/>
-              <a:defRPr sz="3200" kern="1200">
-                <a:solidFill>
-                  <a:schemeClr val="tx1"/>
-                </a:solidFill>
-                <a:latin typeface="+mn-lt"/>
-                <a:ea typeface="+mn-ea"/>
-                <a:cs typeface="+mn-cs"/>
-              </a:defRPr>
-            </a:lvl1pPr>
-            <a:lvl2pPr marL="742950" indent="-285750" algn="l" defTabSz="457200" rtl="0" eaLnBrk="1" latinLnBrk="0" hangingPunct="1">
-              <a:spcBef>
-                <a:spcPct val="20000"/>
-              </a:spcBef>
-              <a:buFont typeface="Arial"/>
-              <a:buChar char="–"/>
-              <a:defRPr sz="2800" kern="1200">
-                <a:solidFill>
-                  <a:schemeClr val="tx1"/>
-                </a:solidFill>
-                <a:latin typeface="+mn-lt"/>
-                <a:ea typeface="+mn-ea"/>
-                <a:cs typeface="+mn-cs"/>
-              </a:defRPr>
-            </a:lvl2pPr>
-            <a:lvl3pPr marL="1143000" indent="-228600" algn="l" defTabSz="457200" rtl="0" eaLnBrk="1" latinLnBrk="0" hangingPunct="1">
-              <a:spcBef>
-                <a:spcPct val="20000"/>
-              </a:spcBef>
-              <a:buFont typeface="Arial"/>
-              <a:buChar char="•"/>
-              <a:defRPr sz="2400" kern="1200">
-                <a:solidFill>
-                  <a:schemeClr val="tx1"/>
-                </a:solidFill>
-                <a:latin typeface="+mn-lt"/>
-                <a:ea typeface="+mn-ea"/>
-                <a:cs typeface="+mn-cs"/>
-              </a:defRPr>
-            </a:lvl3pPr>
-            <a:lvl4pPr marL="1600200" indent="-228600" algn="l" defTabSz="457200" rtl="0" eaLnBrk="1" latinLnBrk="0" hangingPunct="1">
-              <a:spcBef>
-                <a:spcPct val="20000"/>
-              </a:spcBef>
-              <a:buFont typeface="Arial"/>
-              <a:buChar char="–"/>
-              <a:defRPr sz="2000" kern="1200">
-                <a:solidFill>
-                  <a:schemeClr val="tx1"/>
-                </a:solidFill>
-                <a:latin typeface="+mn-lt"/>
-                <a:ea typeface="+mn-ea"/>
-                <a:cs typeface="+mn-cs"/>
-              </a:defRPr>
-            </a:lvl4pPr>
-            <a:lvl5pPr marL="2057400" indent="-228600" algn="l" defTabSz="457200" rtl="0" eaLnBrk="1" latinLnBrk="0" hangingPunct="1">
-              <a:spcBef>
-                <a:spcPct val="20000"/>
-              </a:spcBef>
-              <a:buFont typeface="Arial"/>
-              <a:buChar char="»"/>
-              <a:defRPr sz="2000" kern="1200">
-                <a:solidFill>
-                  <a:schemeClr val="tx1"/>
-                </a:solidFill>
-                <a:latin typeface="+mn-lt"/>
-                <a:ea typeface="+mn-ea"/>
-                <a:cs typeface="+mn-cs"/>
-              </a:defRPr>
-            </a:lvl5pPr>
-            <a:lvl6pPr marL="2514600" indent="-228600" algn="l" defTabSz="457200" rtl="0" eaLnBrk="1" latinLnBrk="0" hangingPunct="1">
-              <a:spcBef>
-                <a:spcPct val="20000"/>
-              </a:spcBef>
-              <a:buFont typeface="Arial"/>
-              <a:buChar char="•"/>
-              <a:defRPr sz="2000" kern="1200">
-                <a:solidFill>
-                  <a:schemeClr val="tx1"/>
-                </a:solidFill>
-                <a:latin typeface="+mn-lt"/>
-                <a:ea typeface="+mn-ea"/>
-                <a:cs typeface="+mn-cs"/>
-              </a:defRPr>
-            </a:lvl6pPr>
-            <a:lvl7pPr marL="2971800" indent="-228600" algn="l" defTabSz="457200" rtl="0" eaLnBrk="1" latinLnBrk="0" hangingPunct="1">
-              <a:spcBef>
-                <a:spcPct val="20000"/>
-              </a:spcBef>
-              <a:buFont typeface="Arial"/>
-              <a:buChar char="•"/>
-              <a:defRPr sz="2000" kern="1200">
-                <a:solidFill>
-                  <a:schemeClr val="tx1"/>
-                </a:solidFill>
-                <a:latin typeface="+mn-lt"/>
-                <a:ea typeface="+mn-ea"/>
-                <a:cs typeface="+mn-cs"/>
-              </a:defRPr>
-            </a:lvl7pPr>
-            <a:lvl8pPr marL="3429000" indent="-228600" algn="l" defTabSz="457200" rtl="0" eaLnBrk="1" latinLnBrk="0" hangingPunct="1">
-              <a:spcBef>
-                <a:spcPct val="20000"/>
-              </a:spcBef>
-              <a:buFont typeface="Arial"/>
-              <a:buChar char="•"/>
-              <a:defRPr sz="2000" kern="1200">
-                <a:solidFill>
-                  <a:schemeClr val="tx1"/>
-                </a:solidFill>
-                <a:latin typeface="+mn-lt"/>
-                <a:ea typeface="+mn-ea"/>
-                <a:cs typeface="+mn-cs"/>
-              </a:defRPr>
-            </a:lvl8pPr>
-            <a:lvl9pPr marL="3886200" indent="-228600" algn="l" defTabSz="457200" rtl="0" eaLnBrk="1" latinLnBrk="0" hangingPunct="1">
-              <a:spcBef>
-                <a:spcPct val="20000"/>
-              </a:spcBef>
-              <a:buFont typeface="Arial"/>
-              <a:buChar char="•"/>
-              <a:defRPr sz="2000" kern="1200">
-                <a:solidFill>
-                  <a:schemeClr val="tx1"/>
-                </a:solidFill>
-                <a:latin typeface="+mn-lt"/>
-                <a:ea typeface="+mn-ea"/>
-                <a:cs typeface="+mn-cs"/>
-              </a:defRPr>
-            </a:lvl9pPr>
-          </a:lstStyle>
-          <a:p>
-            <a:r>
-              <a:rPr lang="en-US" dirty="0"/>
-              <a:t>REST is used to </a:t>
-            </a:r>
-            <a:r>
-              <a:rPr lang="en-US" dirty="0">
-                <a:solidFill>
-                  <a:srgbClr val="E46C0A"/>
-                </a:solidFill>
-              </a:rPr>
-              <a:t>build scalable Web services </a:t>
-            </a:r>
-            <a:r>
-              <a:rPr lang="en-US" dirty="0"/>
-              <a:t>(stateless is lightweight)</a:t>
-            </a:r>
-          </a:p>
-          <a:p>
-            <a:r>
-              <a:rPr lang="en-US" dirty="0"/>
-              <a:t>REST</a:t>
-            </a:r>
-            <a:r>
-              <a:rPr lang="en-US" dirty="0">
-                <a:solidFill>
-                  <a:schemeClr val="accent6">
-                    <a:lumMod val="75000"/>
-                  </a:schemeClr>
-                </a:solidFill>
-              </a:rPr>
-              <a:t> decouples applications </a:t>
-            </a:r>
-            <a:r>
-              <a:rPr lang="en-US" dirty="0"/>
-              <a:t>from vendor-specific details (e.g., JDBC requires drivers and knowledge about the underlying database) and </a:t>
-            </a:r>
-            <a:r>
-              <a:rPr lang="en-US" dirty="0">
-                <a:solidFill>
-                  <a:srgbClr val="000000"/>
-                </a:solidFill>
-              </a:rPr>
-              <a:t>prevents exposing DMBS to untrusted networks (e.g. Internet)</a:t>
-            </a:r>
-          </a:p>
-          <a:p>
-            <a:r>
-              <a:rPr lang="en-US" dirty="0"/>
-              <a:t>Widely </a:t>
-            </a:r>
-            <a:r>
-              <a:rPr lang="en-US" dirty="0">
-                <a:solidFill>
-                  <a:schemeClr val="accent6">
-                    <a:lumMod val="75000"/>
-                  </a:schemeClr>
-                </a:solidFill>
-              </a:rPr>
-              <a:t>available libraries </a:t>
-            </a:r>
-            <a:r>
-              <a:rPr lang="en-US" dirty="0"/>
-              <a:t>for many languages (e.g., </a:t>
-            </a:r>
-            <a:r>
-              <a:rPr lang="en-US" dirty="0" err="1"/>
-              <a:t>RESTLet</a:t>
-            </a:r>
-            <a:r>
-              <a:rPr lang="en-US" dirty="0"/>
-              <a:t> for Java)</a:t>
-            </a:r>
-          </a:p>
-          <a:p>
-            <a:r>
-              <a:rPr lang="en-US" dirty="0">
-                <a:solidFill>
-                  <a:srgbClr val="000000"/>
-                </a:solidFill>
-              </a:rPr>
-              <a:t>Examples: https://</a:t>
-            </a:r>
-            <a:r>
-              <a:rPr lang="en-US" dirty="0" err="1">
-                <a:solidFill>
-                  <a:srgbClr val="000000"/>
-                </a:solidFill>
-              </a:rPr>
-              <a:t>github.com</a:t>
-            </a:r>
-            <a:r>
-              <a:rPr lang="en-US" dirty="0">
-                <a:solidFill>
-                  <a:srgbClr val="000000"/>
-                </a:solidFill>
-              </a:rPr>
-              <a:t>/</a:t>
-            </a:r>
-            <a:r>
-              <a:rPr lang="en-US" dirty="0" err="1">
-                <a:solidFill>
-                  <a:srgbClr val="000000"/>
-                </a:solidFill>
-              </a:rPr>
-              <a:t>toddmotto</a:t>
-            </a:r>
-            <a:r>
-              <a:rPr lang="en-US" dirty="0">
-                <a:solidFill>
-                  <a:srgbClr val="000000"/>
-                </a:solidFill>
-              </a:rPr>
-              <a:t>/public-</a:t>
-            </a:r>
-            <a:r>
-              <a:rPr lang="en-US" dirty="0" err="1">
-                <a:solidFill>
-                  <a:srgbClr val="000000"/>
-                </a:solidFill>
-              </a:rPr>
-              <a:t>apis</a:t>
-            </a:r>
-            <a:endParaRPr lang="en-US" dirty="0">
-              <a:solidFill>
-                <a:srgbClr val="000000"/>
-              </a:solidFill>
-            </a:endParaRPr>
-          </a:p>
-          <a:p>
-            <a:endParaRPr lang="en-US" dirty="0">
-              <a:solidFill>
-                <a:srgbClr val="000000"/>
-              </a:solidFill>
-            </a:endParaRPr>
-          </a:p>
-          <a:p>
-            <a:endParaRPr lang="en-US" dirty="0">
-              <a:solidFill>
-                <a:srgbClr val="000000"/>
-              </a:solidFill>
-            </a:endParaRPr>
-          </a:p>
-          <a:p>
-            <a:endParaRPr lang="en-US" dirty="0"/>
-          </a:p>
-        </p:txBody>
-      </p:sp>
+      </p:pic>
     </p:spTree>
     <p:extLst>
       <p:ext uri="{BB962C8B-B14F-4D97-AF65-F5344CB8AC3E}">
@@ -5247,7 +5681,7 @@
         <p:spPr/>
         <p:txBody>
           <a:bodyPr>
-            <a:normAutofit fontScale="85000" lnSpcReduction="10000"/>
+            <a:normAutofit/>
           </a:bodyPr>
           <a:lstStyle/>
           <a:p>
@@ -5433,7 +5867,7 @@
         <p:spPr/>
         <p:txBody>
           <a:bodyPr>
-            <a:normAutofit lnSpcReduction="10000"/>
+            <a:normAutofit/>
           </a:bodyPr>
           <a:lstStyle/>
           <a:p>
@@ -5533,7 +5967,12 @@
             <a:fillRect/>
           </a:stretch>
         </p:blipFill>
-        <p:spPr/>
+        <p:spPr>
+          <a:xfrm>
+            <a:off x="1696616" y="1628800"/>
+            <a:ext cx="8798768" cy="4525963"/>
+          </a:xfrm>
+        </p:spPr>
       </p:pic>
     </p:spTree>
     <p:extLst>
@@ -5600,7 +6039,7 @@
         <p:spPr/>
         <p:txBody>
           <a:bodyPr>
-            <a:normAutofit fontScale="92500" lnSpcReduction="20000"/>
+            <a:normAutofit/>
           </a:bodyPr>
           <a:lstStyle/>
           <a:p>
@@ -5745,7 +6184,7 @@
         <p:spPr/>
         <p:txBody>
           <a:bodyPr>
-            <a:normAutofit fontScale="92500" lnSpcReduction="20000"/>
+            <a:normAutofit lnSpcReduction="10000"/>
           </a:bodyPr>
           <a:lstStyle/>
           <a:p>
@@ -6728,7 +7167,7 @@
         </p:blipFill>
         <p:spPr>
           <a:xfrm>
-            <a:off x="2114550" y="4539699"/>
+            <a:off x="3638550" y="4539699"/>
             <a:ext cx="4914900" cy="1809750"/>
           </a:xfrm>
           <a:prstGeom prst="rect">
@@ -6758,7 +7197,7 @@
         </p:blipFill>
         <p:spPr>
           <a:xfrm>
-            <a:off x="644513" y="1679944"/>
+            <a:off x="2168514" y="1679945"/>
             <a:ext cx="7956591" cy="2668369"/>
           </a:xfrm>
           <a:prstGeom prst="rect">
@@ -6840,7 +7279,7 @@
         </p:blipFill>
         <p:spPr>
           <a:xfrm>
-            <a:off x="2114550" y="4786351"/>
+            <a:off x="3638550" y="4786351"/>
             <a:ext cx="4914900" cy="1803400"/>
           </a:xfrm>
           <a:prstGeom prst="rect">
@@ -6870,7 +7309,7 @@
         </p:blipFill>
         <p:spPr>
           <a:xfrm>
-            <a:off x="539485" y="1587757"/>
+            <a:off x="2063486" y="1587757"/>
             <a:ext cx="8065029" cy="3047298"/>
           </a:xfrm>
           <a:prstGeom prst="rect">
@@ -7024,7 +7463,7 @@
 </file>
 
 <file path=ppt/theme/theme1.xml><?xml version="1.0" encoding="utf-8"?>
-<a:theme xmlns:a="http://schemas.openxmlformats.org/drawingml/2006/main" name="ING">
+<a:theme xmlns:a="http://schemas.openxmlformats.org/drawingml/2006/main" name="Nicola">
   <a:themeElements>
     <a:clrScheme name="Office">
       <a:dk1>
@@ -7340,5 +7779,588 @@
     </a:lnDef>
   </a:objectDefaults>
   <a:extraClrSchemeLst/>
+  <a:extLst>
+    <a:ext uri="{05A4C25C-085E-4340-85A3-A5531E510DB2}">
+      <thm15:themeFamily xmlns:thm15="http://schemas.microsoft.com/office/thememl/2012/main" name="00 - Java Introduction" id="{2D0C21C8-6F94-AC4C-8309-F1E5902B85F9}" vid="{1BB67297-C6B5-5C49-B905-92E04B265F5A}"/>
+    </a:ext>
+  </a:extLst>
+</a:theme>
+</file>
+
+<file path=ppt/theme/theme2.xml><?xml version="1.0" encoding="utf-8"?>
+<a:theme xmlns:a="http://schemas.openxmlformats.org/drawingml/2006/main" name="Tema di Office">
+  <a:themeElements>
+    <a:clrScheme name="Office">
+      <a:dk1>
+        <a:sysClr val="windowText" lastClr="000000"/>
+      </a:dk1>
+      <a:lt1>
+        <a:sysClr val="window" lastClr="FFFFFF"/>
+      </a:lt1>
+      <a:dk2>
+        <a:srgbClr val="1F497D"/>
+      </a:dk2>
+      <a:lt2>
+        <a:srgbClr val="EEECE1"/>
+      </a:lt2>
+      <a:accent1>
+        <a:srgbClr val="4F81BD"/>
+      </a:accent1>
+      <a:accent2>
+        <a:srgbClr val="C0504D"/>
+      </a:accent2>
+      <a:accent3>
+        <a:srgbClr val="9BBB59"/>
+      </a:accent3>
+      <a:accent4>
+        <a:srgbClr val="8064A2"/>
+      </a:accent4>
+      <a:accent5>
+        <a:srgbClr val="4BACC6"/>
+      </a:accent5>
+      <a:accent6>
+        <a:srgbClr val="F79646"/>
+      </a:accent6>
+      <a:hlink>
+        <a:srgbClr val="0000FF"/>
+      </a:hlink>
+      <a:folHlink>
+        <a:srgbClr val="800080"/>
+      </a:folHlink>
+    </a:clrScheme>
+    <a:fontScheme name="Office">
+      <a:majorFont>
+        <a:latin typeface="Calibri"/>
+        <a:ea typeface=""/>
+        <a:cs typeface=""/>
+        <a:font script="Jpan" typeface="ＭＳ Ｐゴシック"/>
+        <a:font script="Hang" typeface="맑은 고딕"/>
+        <a:font script="Hans" typeface="宋体"/>
+        <a:font script="Hant" typeface="新細明體"/>
+        <a:font script="Arab" typeface="Times New Roman"/>
+        <a:font script="Hebr" typeface="Times New Roman"/>
+        <a:font script="Thai" typeface="Angsana New"/>
+        <a:font script="Ethi" typeface="Nyala"/>
+        <a:font script="Beng" typeface="Vrinda"/>
+        <a:font script="Gujr" typeface="Shruti"/>
+        <a:font script="Khmr" typeface="MoolBoran"/>
+        <a:font script="Knda" typeface="Tunga"/>
+        <a:font script="Guru" typeface="Raavi"/>
+        <a:font script="Cans" typeface="Euphemia"/>
+        <a:font script="Cher" typeface="Plantagenet Cherokee"/>
+        <a:font script="Yiii" typeface="Microsoft Yi Baiti"/>
+        <a:font script="Tibt" typeface="Microsoft Himalaya"/>
+        <a:font script="Thaa" typeface="MV Boli"/>
+        <a:font script="Deva" typeface="Mangal"/>
+        <a:font script="Telu" typeface="Gautami"/>
+        <a:font script="Taml" typeface="Latha"/>
+        <a:font script="Syrc" typeface="Estrangelo Edessa"/>
+        <a:font script="Orya" typeface="Kalinga"/>
+        <a:font script="Mlym" typeface="Kartika"/>
+        <a:font script="Laoo" typeface="DokChampa"/>
+        <a:font script="Sinh" typeface="Iskoola Pota"/>
+        <a:font script="Mong" typeface="Mongolian Baiti"/>
+        <a:font script="Viet" typeface="Times New Roman"/>
+        <a:font script="Uigh" typeface="Microsoft Uighur"/>
+      </a:majorFont>
+      <a:minorFont>
+        <a:latin typeface="Calibri"/>
+        <a:ea typeface=""/>
+        <a:cs typeface=""/>
+        <a:font script="Jpan" typeface="ＭＳ Ｐゴシック"/>
+        <a:font script="Hang" typeface="맑은 고딕"/>
+        <a:font script="Hans" typeface="宋体"/>
+        <a:font script="Hant" typeface="新細明體"/>
+        <a:font script="Arab" typeface="Arial"/>
+        <a:font script="Hebr" typeface="Arial"/>
+        <a:font script="Thai" typeface="Cordia New"/>
+        <a:font script="Ethi" typeface="Nyala"/>
+        <a:font script="Beng" typeface="Vrinda"/>
+        <a:font script="Gujr" typeface="Shruti"/>
+        <a:font script="Khmr" typeface="DaunPenh"/>
+        <a:font script="Knda" typeface="Tunga"/>
+        <a:font script="Guru" typeface="Raavi"/>
+        <a:font script="Cans" typeface="Euphemia"/>
+        <a:font script="Cher" typeface="Plantagenet Cherokee"/>
+        <a:font script="Yiii" typeface="Microsoft Yi Baiti"/>
+        <a:font script="Tibt" typeface="Microsoft Himalaya"/>
+        <a:font script="Thaa" typeface="MV Boli"/>
+        <a:font script="Deva" typeface="Mangal"/>
+        <a:font script="Telu" typeface="Gautami"/>
+        <a:font script="Taml" typeface="Latha"/>
+        <a:font script="Syrc" typeface="Estrangelo Edessa"/>
+        <a:font script="Orya" typeface="Kalinga"/>
+        <a:font script="Mlym" typeface="Kartika"/>
+        <a:font script="Laoo" typeface="DokChampa"/>
+        <a:font script="Sinh" typeface="Iskoola Pota"/>
+        <a:font script="Mong" typeface="Mongolian Baiti"/>
+        <a:font script="Viet" typeface="Arial"/>
+        <a:font script="Uigh" typeface="Microsoft Uighur"/>
+      </a:minorFont>
+    </a:fontScheme>
+    <a:fmtScheme name="Office">
+      <a:fillStyleLst>
+        <a:solidFill>
+          <a:schemeClr val="phClr"/>
+        </a:solidFill>
+        <a:gradFill rotWithShape="1">
+          <a:gsLst>
+            <a:gs pos="0">
+              <a:schemeClr val="phClr">
+                <a:tint val="50000"/>
+                <a:satMod val="300000"/>
+              </a:schemeClr>
+            </a:gs>
+            <a:gs pos="35000">
+              <a:schemeClr val="phClr">
+                <a:tint val="37000"/>
+                <a:satMod val="300000"/>
+              </a:schemeClr>
+            </a:gs>
+            <a:gs pos="100000">
+              <a:schemeClr val="phClr">
+                <a:tint val="15000"/>
+                <a:satMod val="350000"/>
+              </a:schemeClr>
+            </a:gs>
+          </a:gsLst>
+          <a:lin ang="16200000" scaled="1"/>
+        </a:gradFill>
+        <a:gradFill rotWithShape="1">
+          <a:gsLst>
+            <a:gs pos="0">
+              <a:schemeClr val="phClr">
+                <a:shade val="51000"/>
+                <a:satMod val="130000"/>
+              </a:schemeClr>
+            </a:gs>
+            <a:gs pos="80000">
+              <a:schemeClr val="phClr">
+                <a:shade val="93000"/>
+                <a:satMod val="130000"/>
+              </a:schemeClr>
+            </a:gs>
+            <a:gs pos="100000">
+              <a:schemeClr val="phClr">
+                <a:shade val="94000"/>
+                <a:satMod val="135000"/>
+              </a:schemeClr>
+            </a:gs>
+          </a:gsLst>
+          <a:lin ang="16200000" scaled="0"/>
+        </a:gradFill>
+      </a:fillStyleLst>
+      <a:lnStyleLst>
+        <a:ln w="9525" cap="flat" cmpd="sng" algn="ctr">
+          <a:solidFill>
+            <a:schemeClr val="phClr">
+              <a:shade val="95000"/>
+              <a:satMod val="105000"/>
+            </a:schemeClr>
+          </a:solidFill>
+          <a:prstDash val="solid"/>
+        </a:ln>
+        <a:ln w="25400" cap="flat" cmpd="sng" algn="ctr">
+          <a:solidFill>
+            <a:schemeClr val="phClr"/>
+          </a:solidFill>
+          <a:prstDash val="solid"/>
+        </a:ln>
+        <a:ln w="38100" cap="flat" cmpd="sng" algn="ctr">
+          <a:solidFill>
+            <a:schemeClr val="phClr"/>
+          </a:solidFill>
+          <a:prstDash val="solid"/>
+        </a:ln>
+      </a:lnStyleLst>
+      <a:effectStyleLst>
+        <a:effectStyle>
+          <a:effectLst>
+            <a:outerShdw blurRad="40000" dist="20000" dir="5400000" rotWithShape="0">
+              <a:srgbClr val="000000">
+                <a:alpha val="38000"/>
+              </a:srgbClr>
+            </a:outerShdw>
+          </a:effectLst>
+        </a:effectStyle>
+        <a:effectStyle>
+          <a:effectLst>
+            <a:outerShdw blurRad="40000" dist="23000" dir="5400000" rotWithShape="0">
+              <a:srgbClr val="000000">
+                <a:alpha val="35000"/>
+              </a:srgbClr>
+            </a:outerShdw>
+          </a:effectLst>
+        </a:effectStyle>
+        <a:effectStyle>
+          <a:effectLst>
+            <a:outerShdw blurRad="40000" dist="23000" dir="5400000" rotWithShape="0">
+              <a:srgbClr val="000000">
+                <a:alpha val="35000"/>
+              </a:srgbClr>
+            </a:outerShdw>
+          </a:effectLst>
+          <a:scene3d>
+            <a:camera prst="orthographicFront">
+              <a:rot lat="0" lon="0" rev="0"/>
+            </a:camera>
+            <a:lightRig rig="threePt" dir="t">
+              <a:rot lat="0" lon="0" rev="1200000"/>
+            </a:lightRig>
+          </a:scene3d>
+          <a:sp3d>
+            <a:bevelT w="63500" h="25400"/>
+          </a:sp3d>
+        </a:effectStyle>
+      </a:effectStyleLst>
+      <a:bgFillStyleLst>
+        <a:solidFill>
+          <a:schemeClr val="phClr"/>
+        </a:solidFill>
+        <a:gradFill rotWithShape="1">
+          <a:gsLst>
+            <a:gs pos="0">
+              <a:schemeClr val="phClr">
+                <a:tint val="40000"/>
+                <a:satMod val="350000"/>
+              </a:schemeClr>
+            </a:gs>
+            <a:gs pos="40000">
+              <a:schemeClr val="phClr">
+                <a:tint val="45000"/>
+                <a:shade val="99000"/>
+                <a:satMod val="350000"/>
+              </a:schemeClr>
+            </a:gs>
+            <a:gs pos="100000">
+              <a:schemeClr val="phClr">
+                <a:shade val="20000"/>
+                <a:satMod val="255000"/>
+              </a:schemeClr>
+            </a:gs>
+          </a:gsLst>
+          <a:path path="circle">
+            <a:fillToRect l="50000" t="-80000" r="50000" b="180000"/>
+          </a:path>
+        </a:gradFill>
+        <a:gradFill rotWithShape="1">
+          <a:gsLst>
+            <a:gs pos="0">
+              <a:schemeClr val="phClr">
+                <a:tint val="80000"/>
+                <a:satMod val="300000"/>
+              </a:schemeClr>
+            </a:gs>
+            <a:gs pos="100000">
+              <a:schemeClr val="phClr">
+                <a:shade val="30000"/>
+                <a:satMod val="200000"/>
+              </a:schemeClr>
+            </a:gs>
+          </a:gsLst>
+          <a:path path="circle">
+            <a:fillToRect l="50000" t="50000" r="50000" b="50000"/>
+          </a:path>
+        </a:gradFill>
+      </a:bgFillStyleLst>
+    </a:fmtScheme>
+  </a:themeElements>
+  <a:objectDefaults/>
+  <a:extraClrSchemeLst/>
+</a:theme>
+</file>
+
+<file path=ppt/theme/theme3.xml><?xml version="1.0" encoding="utf-8"?>
+<a:theme xmlns:a="http://schemas.openxmlformats.org/drawingml/2006/main" name="Office Theme">
+  <a:themeElements>
+    <a:clrScheme name="Office">
+      <a:dk1>
+        <a:sysClr val="windowText" lastClr="000000"/>
+      </a:dk1>
+      <a:lt1>
+        <a:sysClr val="window" lastClr="FFFFFF"/>
+      </a:lt1>
+      <a:dk2>
+        <a:srgbClr val="44546A"/>
+      </a:dk2>
+      <a:lt2>
+        <a:srgbClr val="E7E6E6"/>
+      </a:lt2>
+      <a:accent1>
+        <a:srgbClr val="4472C4"/>
+      </a:accent1>
+      <a:accent2>
+        <a:srgbClr val="ED7D31"/>
+      </a:accent2>
+      <a:accent3>
+        <a:srgbClr val="A5A5A5"/>
+      </a:accent3>
+      <a:accent4>
+        <a:srgbClr val="FFC000"/>
+      </a:accent4>
+      <a:accent5>
+        <a:srgbClr val="5B9BD5"/>
+      </a:accent5>
+      <a:accent6>
+        <a:srgbClr val="70AD47"/>
+      </a:accent6>
+      <a:hlink>
+        <a:srgbClr val="0563C1"/>
+      </a:hlink>
+      <a:folHlink>
+        <a:srgbClr val="954F72"/>
+      </a:folHlink>
+    </a:clrScheme>
+    <a:fontScheme name="Office">
+      <a:majorFont>
+        <a:latin typeface="Calibri Light" panose="020F0302020204030204"/>
+        <a:ea typeface=""/>
+        <a:cs typeface=""/>
+        <a:font script="Jpan" typeface="游ゴシック Light"/>
+        <a:font script="Hang" typeface="맑은 고딕"/>
+        <a:font script="Hans" typeface="等线 Light"/>
+        <a:font script="Hant" typeface="新細明體"/>
+        <a:font script="Arab" typeface="Times New Roman"/>
+        <a:font script="Hebr" typeface="Times New Roman"/>
+        <a:font script="Thai" typeface="Angsana New"/>
+        <a:font script="Ethi" typeface="Nyala"/>
+        <a:font script="Beng" typeface="Vrinda"/>
+        <a:font script="Gujr" typeface="Shruti"/>
+        <a:font script="Khmr" typeface="MoolBoran"/>
+        <a:font script="Knda" typeface="Tunga"/>
+        <a:font script="Guru" typeface="Raavi"/>
+        <a:font script="Cans" typeface="Euphemia"/>
+        <a:font script="Cher" typeface="Plantagenet Cherokee"/>
+        <a:font script="Yiii" typeface="Microsoft Yi Baiti"/>
+        <a:font script="Tibt" typeface="Microsoft Himalaya"/>
+        <a:font script="Thaa" typeface="MV Boli"/>
+        <a:font script="Deva" typeface="Mangal"/>
+        <a:font script="Telu" typeface="Gautami"/>
+        <a:font script="Taml" typeface="Latha"/>
+        <a:font script="Syrc" typeface="Estrangelo Edessa"/>
+        <a:font script="Orya" typeface="Kalinga"/>
+        <a:font script="Mlym" typeface="Kartika"/>
+        <a:font script="Laoo" typeface="DokChampa"/>
+        <a:font script="Sinh" typeface="Iskoola Pota"/>
+        <a:font script="Mong" typeface="Mongolian Baiti"/>
+        <a:font script="Viet" typeface="Times New Roman"/>
+        <a:font script="Uigh" typeface="Microsoft Uighur"/>
+        <a:font script="Geor" typeface="Sylfaen"/>
+        <a:font script="Armn" typeface="Arial"/>
+        <a:font script="Bugi" typeface="Leelawadee UI"/>
+        <a:font script="Bopo" typeface="Microsoft JhengHei"/>
+        <a:font script="Java" typeface="Javanese Text"/>
+        <a:font script="Lisu" typeface="Segoe UI"/>
+        <a:font script="Mymr" typeface="Myanmar Text"/>
+        <a:font script="Nkoo" typeface="Ebrima"/>
+        <a:font script="Olck" typeface="Nirmala UI"/>
+        <a:font script="Osma" typeface="Ebrima"/>
+        <a:font script="Phag" typeface="Phagspa"/>
+        <a:font script="Syrn" typeface="Estrangelo Edessa"/>
+        <a:font script="Syrj" typeface="Estrangelo Edessa"/>
+        <a:font script="Syre" typeface="Estrangelo Edessa"/>
+        <a:font script="Sora" typeface="Nirmala UI"/>
+        <a:font script="Tale" typeface="Microsoft Tai Le"/>
+        <a:font script="Talu" typeface="Microsoft New Tai Lue"/>
+        <a:font script="Tfng" typeface="Ebrima"/>
+      </a:majorFont>
+      <a:minorFont>
+        <a:latin typeface="Calibri" panose="020F0502020204030204"/>
+        <a:ea typeface=""/>
+        <a:cs typeface=""/>
+        <a:font script="Jpan" typeface="游ゴシック"/>
+        <a:font script="Hang" typeface="맑은 고딕"/>
+        <a:font script="Hans" typeface="等线"/>
+        <a:font script="Hant" typeface="新細明體"/>
+        <a:font script="Arab" typeface="Arial"/>
+        <a:font script="Hebr" typeface="Arial"/>
+        <a:font script="Thai" typeface="Cordia New"/>
+        <a:font script="Ethi" typeface="Nyala"/>
+        <a:font script="Beng" typeface="Vrinda"/>
+        <a:font script="Gujr" typeface="Shruti"/>
+        <a:font script="Khmr" typeface="DaunPenh"/>
+        <a:font script="Knda" typeface="Tunga"/>
+        <a:font script="Guru" typeface="Raavi"/>
+        <a:font script="Cans" typeface="Euphemia"/>
+        <a:font script="Cher" typeface="Plantagenet Cherokee"/>
+        <a:font script="Yiii" typeface="Microsoft Yi Baiti"/>
+        <a:font script="Tibt" typeface="Microsoft Himalaya"/>
+        <a:font script="Thaa" typeface="MV Boli"/>
+        <a:font script="Deva" typeface="Mangal"/>
+        <a:font script="Telu" typeface="Gautami"/>
+        <a:font script="Taml" typeface="Latha"/>
+        <a:font script="Syrc" typeface="Estrangelo Edessa"/>
+        <a:font script="Orya" typeface="Kalinga"/>
+        <a:font script="Mlym" typeface="Kartika"/>
+        <a:font script="Laoo" typeface="DokChampa"/>
+        <a:font script="Sinh" typeface="Iskoola Pota"/>
+        <a:font script="Mong" typeface="Mongolian Baiti"/>
+        <a:font script="Viet" typeface="Arial"/>
+        <a:font script="Uigh" typeface="Microsoft Uighur"/>
+        <a:font script="Geor" typeface="Sylfaen"/>
+        <a:font script="Armn" typeface="Arial"/>
+        <a:font script="Bugi" typeface="Leelawadee UI"/>
+        <a:font script="Bopo" typeface="Microsoft JhengHei"/>
+        <a:font script="Java" typeface="Javanese Text"/>
+        <a:font script="Lisu" typeface="Segoe UI"/>
+        <a:font script="Mymr" typeface="Myanmar Text"/>
+        <a:font script="Nkoo" typeface="Ebrima"/>
+        <a:font script="Olck" typeface="Nirmala UI"/>
+        <a:font script="Osma" typeface="Ebrima"/>
+        <a:font script="Phag" typeface="Phagspa"/>
+        <a:font script="Syrn" typeface="Estrangelo Edessa"/>
+        <a:font script="Syrj" typeface="Estrangelo Edessa"/>
+        <a:font script="Syre" typeface="Estrangelo Edessa"/>
+        <a:font script="Sora" typeface="Nirmala UI"/>
+        <a:font script="Tale" typeface="Microsoft Tai Le"/>
+        <a:font script="Talu" typeface="Microsoft New Tai Lue"/>
+        <a:font script="Tfng" typeface="Ebrima"/>
+      </a:minorFont>
+    </a:fontScheme>
+    <a:fmtScheme name="Office">
+      <a:fillStyleLst>
+        <a:solidFill>
+          <a:schemeClr val="phClr"/>
+        </a:solidFill>
+        <a:gradFill rotWithShape="1">
+          <a:gsLst>
+            <a:gs pos="0">
+              <a:schemeClr val="phClr">
+                <a:lumMod val="110000"/>
+                <a:satMod val="105000"/>
+                <a:tint val="67000"/>
+              </a:schemeClr>
+            </a:gs>
+            <a:gs pos="50000">
+              <a:schemeClr val="phClr">
+                <a:lumMod val="105000"/>
+                <a:satMod val="103000"/>
+                <a:tint val="73000"/>
+              </a:schemeClr>
+            </a:gs>
+            <a:gs pos="100000">
+              <a:schemeClr val="phClr">
+                <a:lumMod val="105000"/>
+                <a:satMod val="109000"/>
+                <a:tint val="81000"/>
+              </a:schemeClr>
+            </a:gs>
+          </a:gsLst>
+          <a:lin ang="5400000" scaled="0"/>
+        </a:gradFill>
+        <a:gradFill rotWithShape="1">
+          <a:gsLst>
+            <a:gs pos="0">
+              <a:schemeClr val="phClr">
+                <a:satMod val="103000"/>
+                <a:lumMod val="102000"/>
+                <a:tint val="94000"/>
+              </a:schemeClr>
+            </a:gs>
+            <a:gs pos="50000">
+              <a:schemeClr val="phClr">
+                <a:satMod val="110000"/>
+                <a:lumMod val="100000"/>
+                <a:shade val="100000"/>
+              </a:schemeClr>
+            </a:gs>
+            <a:gs pos="100000">
+              <a:schemeClr val="phClr">
+                <a:lumMod val="99000"/>
+                <a:satMod val="120000"/>
+                <a:shade val="78000"/>
+              </a:schemeClr>
+            </a:gs>
+          </a:gsLst>
+          <a:lin ang="5400000" scaled="0"/>
+        </a:gradFill>
+      </a:fillStyleLst>
+      <a:lnStyleLst>
+        <a:ln w="6350" cap="flat" cmpd="sng" algn="ctr">
+          <a:solidFill>
+            <a:schemeClr val="phClr"/>
+          </a:solidFill>
+          <a:prstDash val="solid"/>
+          <a:miter lim="800000"/>
+        </a:ln>
+        <a:ln w="12700" cap="flat" cmpd="sng" algn="ctr">
+          <a:solidFill>
+            <a:schemeClr val="phClr"/>
+          </a:solidFill>
+          <a:prstDash val="solid"/>
+          <a:miter lim="800000"/>
+        </a:ln>
+        <a:ln w="19050" cap="flat" cmpd="sng" algn="ctr">
+          <a:solidFill>
+            <a:schemeClr val="phClr"/>
+          </a:solidFill>
+          <a:prstDash val="solid"/>
+          <a:miter lim="800000"/>
+        </a:ln>
+      </a:lnStyleLst>
+      <a:effectStyleLst>
+        <a:effectStyle>
+          <a:effectLst/>
+        </a:effectStyle>
+        <a:effectStyle>
+          <a:effectLst/>
+        </a:effectStyle>
+        <a:effectStyle>
+          <a:effectLst>
+            <a:outerShdw blurRad="57150" dist="19050" dir="5400000" algn="ctr" rotWithShape="0">
+              <a:srgbClr val="000000">
+                <a:alpha val="63000"/>
+              </a:srgbClr>
+            </a:outerShdw>
+          </a:effectLst>
+        </a:effectStyle>
+      </a:effectStyleLst>
+      <a:bgFillStyleLst>
+        <a:solidFill>
+          <a:schemeClr val="phClr"/>
+        </a:solidFill>
+        <a:solidFill>
+          <a:schemeClr val="phClr">
+            <a:tint val="95000"/>
+            <a:satMod val="170000"/>
+          </a:schemeClr>
+        </a:solidFill>
+        <a:gradFill rotWithShape="1">
+          <a:gsLst>
+            <a:gs pos="0">
+              <a:schemeClr val="phClr">
+                <a:tint val="93000"/>
+                <a:satMod val="150000"/>
+                <a:shade val="98000"/>
+                <a:lumMod val="102000"/>
+              </a:schemeClr>
+            </a:gs>
+            <a:gs pos="50000">
+              <a:schemeClr val="phClr">
+                <a:tint val="98000"/>
+                <a:satMod val="130000"/>
+                <a:shade val="90000"/>
+                <a:lumMod val="103000"/>
+              </a:schemeClr>
+            </a:gs>
+            <a:gs pos="100000">
+              <a:schemeClr val="phClr">
+                <a:shade val="63000"/>
+                <a:satMod val="120000"/>
+              </a:schemeClr>
+            </a:gs>
+          </a:gsLst>
+          <a:lin ang="5400000" scaled="0"/>
+        </a:gradFill>
+      </a:bgFillStyleLst>
+    </a:fmtScheme>
+  </a:themeElements>
+  <a:objectDefaults/>
+  <a:extraClrSchemeLst/>
+  <a:extLst>
+    <a:ext uri="{05A4C25C-085E-4340-85A3-A5531E510DB2}">
+      <thm15:themeFamily xmlns:thm15="http://schemas.microsoft.com/office/thememl/2012/main" name="Office Theme" id="{62F939B6-93AF-4DB8-9C6B-D6C7DFDC589F}" vid="{4A3C46E8-61CC-4603-A589-7422A47A8E4A}"/>
+    </a:ext>
+  </a:extLst>
 </a:theme>
 </file>
--- a/java/slides/ppt/11 - Java Data Access (REST).pptx
+++ b/java/slides/ppt/11 - Java Data Access (REST).pptx
@@ -5,37 +5,38 @@
     <p:sldMasterId id="2147483672" r:id="rId1"/>
   </p:sldMasterIdLst>
   <p:notesMasterIdLst>
-    <p:notesMasterId r:id="rId27"/>
+    <p:notesMasterId r:id="rId28"/>
   </p:notesMasterIdLst>
   <p:handoutMasterIdLst>
-    <p:handoutMasterId r:id="rId28"/>
+    <p:handoutMasterId r:id="rId29"/>
   </p:handoutMasterIdLst>
   <p:sldIdLst>
     <p:sldId id="256" r:id="rId2"/>
-    <p:sldId id="294" r:id="rId3"/>
-    <p:sldId id="301" r:id="rId4"/>
-    <p:sldId id="300" r:id="rId5"/>
-    <p:sldId id="298" r:id="rId6"/>
-    <p:sldId id="279" r:id="rId7"/>
-    <p:sldId id="295" r:id="rId8"/>
-    <p:sldId id="302" r:id="rId9"/>
-    <p:sldId id="260" r:id="rId10"/>
-    <p:sldId id="299" r:id="rId11"/>
-    <p:sldId id="276" r:id="rId12"/>
-    <p:sldId id="277" r:id="rId13"/>
-    <p:sldId id="278" r:id="rId14"/>
-    <p:sldId id="285" r:id="rId15"/>
-    <p:sldId id="286" r:id="rId16"/>
-    <p:sldId id="287" r:id="rId17"/>
-    <p:sldId id="282" r:id="rId18"/>
-    <p:sldId id="283" r:id="rId19"/>
-    <p:sldId id="284" r:id="rId20"/>
-    <p:sldId id="289" r:id="rId21"/>
-    <p:sldId id="290" r:id="rId22"/>
-    <p:sldId id="291" r:id="rId23"/>
-    <p:sldId id="292" r:id="rId24"/>
-    <p:sldId id="272" r:id="rId25"/>
-    <p:sldId id="293" r:id="rId26"/>
+    <p:sldId id="303" r:id="rId3"/>
+    <p:sldId id="294" r:id="rId4"/>
+    <p:sldId id="301" r:id="rId5"/>
+    <p:sldId id="300" r:id="rId6"/>
+    <p:sldId id="298" r:id="rId7"/>
+    <p:sldId id="279" r:id="rId8"/>
+    <p:sldId id="295" r:id="rId9"/>
+    <p:sldId id="302" r:id="rId10"/>
+    <p:sldId id="260" r:id="rId11"/>
+    <p:sldId id="299" r:id="rId12"/>
+    <p:sldId id="276" r:id="rId13"/>
+    <p:sldId id="277" r:id="rId14"/>
+    <p:sldId id="278" r:id="rId15"/>
+    <p:sldId id="285" r:id="rId16"/>
+    <p:sldId id="286" r:id="rId17"/>
+    <p:sldId id="287" r:id="rId18"/>
+    <p:sldId id="282" r:id="rId19"/>
+    <p:sldId id="283" r:id="rId20"/>
+    <p:sldId id="284" r:id="rId21"/>
+    <p:sldId id="289" r:id="rId22"/>
+    <p:sldId id="290" r:id="rId23"/>
+    <p:sldId id="291" r:id="rId24"/>
+    <p:sldId id="292" r:id="rId25"/>
+    <p:sldId id="272" r:id="rId26"/>
+    <p:sldId id="293" r:id="rId27"/>
   </p:sldIdLst>
   <p:sldSz cx="12192000" cy="6858000"/>
   <p:notesSz cx="6858000" cy="9144000"/>
@@ -247,7 +248,7 @@
           <a:p>
             <a:fld id="{5591E39A-28E5-5D4D-B97C-ECEB96F19817}" type="datetimeFigureOut">
               <a:rPr lang="en-IT" smtClean="0"/>
-              <a:t>30/09/21</a:t>
+              <a:t>23/02/22</a:t>
             </a:fld>
             <a:endParaRPr lang="en-IT"/>
           </a:p>
@@ -426,7 +427,7 @@
             <a:fld id="{BAEB7694-8561-4BE2-948D-EDF7A201F8BB}" type="datetimeFigureOut">
               <a:rPr lang="it-IT" smtClean="0"/>
               <a:pPr/>
-              <a:t>30/09/21</a:t>
+              <a:t>23/02/22</a:t>
             </a:fld>
             <a:endParaRPr lang="it-IT"/>
           </a:p>
@@ -3773,150 +3774,77 @@
         <p:spPr/>
         <p:txBody>
           <a:bodyPr>
-            <a:noAutofit/>
+            <a:normAutofit/>
           </a:bodyPr>
           <a:lstStyle/>
           <a:p>
             <a:r>
-              <a:rPr lang="en-US" sz="2400" dirty="0">
+              <a:rPr lang="en-US" dirty="0">
+                <a:solidFill>
+                  <a:srgbClr val="E46C0A"/>
+                </a:solidFill>
+              </a:rPr>
+              <a:t>Every system uses resources. </a:t>
+            </a:r>
+            <a:r>
+              <a:rPr lang="en-US" dirty="0"/>
+              <a:t>Resources can be pictures, videos, users data </a:t>
+            </a:r>
+            <a:r>
+              <a:rPr lang="en-US" dirty="0" err="1"/>
+              <a:t>ecc</a:t>
+            </a:r>
+            <a:r>
+              <a:rPr lang="en-US" dirty="0"/>
+              <a:t>... </a:t>
+            </a:r>
+          </a:p>
+          <a:p>
+            <a:r>
+              <a:rPr lang="en-US" dirty="0">
                 <a:solidFill>
                   <a:schemeClr val="accent6">
                     <a:lumMod val="75000"/>
                   </a:schemeClr>
                 </a:solidFill>
               </a:rPr>
-              <a:t>Resources are identified with specific URLs</a:t>
-            </a:r>
-          </a:p>
-          <a:p>
-            <a:r>
-              <a:rPr lang="en-US" sz="2400" dirty="0"/>
-              <a:t>Format: https://</a:t>
-            </a:r>
-            <a:r>
-              <a:rPr lang="en-US" sz="2400" dirty="0" err="1"/>
-              <a:t>servicename</a:t>
-            </a:r>
-            <a:r>
-              <a:rPr lang="en-US" sz="2400" dirty="0"/>
-              <a:t>/</a:t>
-            </a:r>
-            <a:r>
-              <a:rPr lang="en-US" sz="2400" dirty="0" err="1"/>
-              <a:t>apiversion</a:t>
-            </a:r>
-            <a:r>
-              <a:rPr lang="en-US" sz="2400" dirty="0"/>
-              <a:t>/resource/</a:t>
-            </a:r>
-            <a:r>
-              <a:rPr lang="en-US" sz="2400" dirty="0" err="1"/>
-              <a:t>id|service</a:t>
-            </a:r>
-            <a:endParaRPr lang="en-US" sz="2400" dirty="0"/>
-          </a:p>
-          <a:p>
-            <a:r>
-              <a:rPr lang="en-US" sz="2400" dirty="0"/>
-              <a:t>For example:</a:t>
-            </a:r>
-          </a:p>
-          <a:p>
-            <a:pPr lvl="1"/>
-            <a:r>
-              <a:rPr lang="en-US" sz="2400" dirty="0"/>
-              <a:t>Place details https://</a:t>
-            </a:r>
-            <a:r>
-              <a:rPr lang="en-US" sz="2400" dirty="0" err="1"/>
-              <a:t>api.foursquare.com</a:t>
-            </a:r>
-            <a:r>
-              <a:rPr lang="en-US" sz="2400" dirty="0"/>
-              <a:t>/v2/venues/VENUE_ID</a:t>
-            </a:r>
-          </a:p>
-          <a:p>
-            <a:pPr lvl="1"/>
-            <a:r>
-              <a:rPr lang="en-US" sz="2400" dirty="0"/>
-              <a:t>Photos details https://</a:t>
-            </a:r>
-            <a:r>
-              <a:rPr lang="en-US" sz="2400" dirty="0" err="1"/>
-              <a:t>api.foursquare.com</a:t>
-            </a:r>
-            <a:r>
-              <a:rPr lang="en-US" sz="2400" dirty="0"/>
-              <a:t>/v2/photos/PHOTO_ID</a:t>
-            </a:r>
-          </a:p>
-          <a:p>
-            <a:pPr lvl="1"/>
-            <a:r>
-              <a:rPr lang="en-US" sz="2400" dirty="0"/>
-              <a:t>Search for a user https://</a:t>
-            </a:r>
-            <a:r>
-              <a:rPr lang="en-US" sz="2400" dirty="0" err="1"/>
-              <a:t>api.foursquare.com</a:t>
-            </a:r>
-            <a:r>
-              <a:rPr lang="en-US" sz="2400" dirty="0"/>
-              <a:t>/v2/users/search</a:t>
-            </a:r>
-          </a:p>
-          <a:p>
-            <a:pPr lvl="1"/>
-            <a:r>
-              <a:rPr lang="en-US" sz="2400" dirty="0"/>
-              <a:t>Recent </a:t>
-            </a:r>
-            <a:r>
-              <a:rPr lang="en-US" sz="2400" dirty="0" err="1"/>
-              <a:t>checkins</a:t>
-            </a:r>
-            <a:r>
-              <a:rPr lang="en-US" sz="2400" dirty="0"/>
-              <a:t> by friends https://api.foursquare.com/v2/checkins/recent</a:t>
+              <a:t>The purpose of a service is to provide access to resources.</a:t>
+            </a:r>
+            <a:r>
+              <a:rPr lang="en-US" dirty="0"/>
+              <a:t> </a:t>
+            </a:r>
+          </a:p>
+          <a:p>
+            <a:r>
+              <a:rPr lang="en-US" dirty="0"/>
+              <a:t>Developers want services to be </a:t>
+            </a:r>
+            <a:r>
+              <a:rPr lang="en-US" dirty="0">
+                <a:solidFill>
+                  <a:srgbClr val="E46C0A"/>
+                </a:solidFill>
+              </a:rPr>
+              <a:t>easy to implement, maintain, extend, and eventually scale up</a:t>
+            </a:r>
+            <a:r>
+              <a:rPr lang="en-US" dirty="0"/>
+              <a:t>. </a:t>
             </a:r>
           </a:p>
           <a:p>
             <a:pPr marL="0" indent="0">
               <a:buNone/>
             </a:pPr>
-            <a:endParaRPr lang="en-US" sz="2400" dirty="0"/>
-          </a:p>
-          <a:p>
-            <a:pPr marL="0" indent="0">
-              <a:buNone/>
-            </a:pPr>
-            <a:endParaRPr lang="en-US" sz="2400" dirty="0"/>
-          </a:p>
-          <a:p>
-            <a:pPr marL="0" indent="0">
-              <a:buNone/>
-            </a:pPr>
-            <a:endParaRPr lang="en-US" sz="2400" dirty="0"/>
-          </a:p>
-          <a:p>
-            <a:pPr marL="0" indent="0">
-              <a:buNone/>
-            </a:pPr>
-            <a:endParaRPr lang="en-US" sz="2400" dirty="0"/>
-          </a:p>
-          <a:p>
-            <a:pPr marL="0" indent="0">
-              <a:buNone/>
-            </a:pPr>
-            <a:endParaRPr lang="en-US" sz="2400" dirty="0"/>
+            <a:endParaRPr lang="en-US" dirty="0"/>
           </a:p>
         </p:txBody>
       </p:sp>
     </p:spTree>
     <p:extLst>
       <p:ext uri="{BB962C8B-B14F-4D97-AF65-F5344CB8AC3E}">
-        <p14:creationId xmlns:p14="http://schemas.microsoft.com/office/powerpoint/2010/main" val="1939017365"/>
+        <p14:creationId xmlns:p14="http://schemas.microsoft.com/office/powerpoint/2010/main" val="1831157336"/>
       </p:ext>
     </p:extLst>
   </p:cSld>
@@ -3960,7 +3888,7 @@
           <a:p>
             <a:r>
               <a:rPr lang="en-US" dirty="0"/>
-              <a:t>Representations</a:t>
+              <a:t>Resources</a:t>
             </a:r>
           </a:p>
         </p:txBody>
@@ -3978,69 +3906,150 @@
         <p:spPr/>
         <p:txBody>
           <a:bodyPr>
-            <a:normAutofit/>
+            <a:noAutofit/>
           </a:bodyPr>
           <a:lstStyle/>
           <a:p>
             <a:r>
-              <a:rPr lang="en-US" dirty="0">
+              <a:rPr lang="en-US" sz="2400" dirty="0">
                 <a:solidFill>
-                  <a:srgbClr val="E46C0A"/>
+                  <a:schemeClr val="accent6">
+                    <a:lumMod val="75000"/>
+                  </a:schemeClr>
                 </a:solidFill>
               </a:rPr>
-              <a:t>The focus of a </a:t>
-            </a:r>
-            <a:r>
-              <a:rPr lang="en-US" dirty="0" err="1">
-                <a:solidFill>
-                  <a:srgbClr val="E46C0A"/>
-                </a:solidFill>
-              </a:rPr>
-              <a:t>RESTful</a:t>
-            </a:r>
-            <a:r>
-              <a:rPr lang="en-US" dirty="0">
-                <a:solidFill>
-                  <a:srgbClr val="E46C0A"/>
-                </a:solidFill>
-              </a:rPr>
-              <a:t> service is on resources and how to provide access to these resources</a:t>
-            </a:r>
-            <a:r>
-              <a:rPr lang="en-US" dirty="0"/>
-              <a:t>. A resource can be thought of as an object as in OOP. A resource can consist of other resources. </a:t>
-            </a:r>
-          </a:p>
-          <a:p>
-            <a:r>
-              <a:rPr lang="en-US" dirty="0"/>
-              <a:t>While designing a system, the first thing to do is identify the resources and determine how they are related to each other. </a:t>
-            </a:r>
-          </a:p>
-          <a:p>
-            <a:r>
-              <a:rPr lang="en-US" dirty="0"/>
-              <a:t>This is </a:t>
-            </a:r>
-            <a:r>
-              <a:rPr lang="en-US" dirty="0">
-                <a:solidFill>
-                  <a:srgbClr val="E46C0A"/>
-                </a:solidFill>
-              </a:rPr>
-              <a:t>similar to designing a database or object oriented software</a:t>
-            </a:r>
-            <a:r>
-              <a:rPr lang="en-US" dirty="0"/>
-              <a:t>: identify key entities and their mutual relations.</a:t>
-            </a:r>
+              <a:t>Resources are identified with specific URLs</a:t>
+            </a:r>
+          </a:p>
+          <a:p>
+            <a:r>
+              <a:rPr lang="en-US" sz="2400" dirty="0"/>
+              <a:t>Format: https://</a:t>
+            </a:r>
+            <a:r>
+              <a:rPr lang="en-US" sz="2400" dirty="0" err="1"/>
+              <a:t>servicename</a:t>
+            </a:r>
+            <a:r>
+              <a:rPr lang="en-US" sz="2400" dirty="0"/>
+              <a:t>/</a:t>
+            </a:r>
+            <a:r>
+              <a:rPr lang="en-US" sz="2400" dirty="0" err="1"/>
+              <a:t>apiversion</a:t>
+            </a:r>
+            <a:r>
+              <a:rPr lang="en-US" sz="2400" dirty="0"/>
+              <a:t>/resource/</a:t>
+            </a:r>
+            <a:r>
+              <a:rPr lang="en-US" sz="2400" dirty="0" err="1"/>
+              <a:t>id|service</a:t>
+            </a:r>
+            <a:endParaRPr lang="en-US" sz="2400" dirty="0"/>
+          </a:p>
+          <a:p>
+            <a:r>
+              <a:rPr lang="en-US" sz="2400" dirty="0"/>
+              <a:t>For example:</a:t>
+            </a:r>
+          </a:p>
+          <a:p>
+            <a:pPr lvl="1"/>
+            <a:r>
+              <a:rPr lang="en-US" sz="2400" dirty="0"/>
+              <a:t>Place details https://</a:t>
+            </a:r>
+            <a:r>
+              <a:rPr lang="en-US" sz="2400" dirty="0" err="1"/>
+              <a:t>api.foursquare.com</a:t>
+            </a:r>
+            <a:r>
+              <a:rPr lang="en-US" sz="2400" dirty="0"/>
+              <a:t>/v2/venues/VENUE_ID</a:t>
+            </a:r>
+          </a:p>
+          <a:p>
+            <a:pPr lvl="1"/>
+            <a:r>
+              <a:rPr lang="en-US" sz="2400" dirty="0"/>
+              <a:t>Photos details https://</a:t>
+            </a:r>
+            <a:r>
+              <a:rPr lang="en-US" sz="2400" dirty="0" err="1"/>
+              <a:t>api.foursquare.com</a:t>
+            </a:r>
+            <a:r>
+              <a:rPr lang="en-US" sz="2400" dirty="0"/>
+              <a:t>/v2/photos/PHOTO_ID</a:t>
+            </a:r>
+          </a:p>
+          <a:p>
+            <a:pPr lvl="1"/>
+            <a:r>
+              <a:rPr lang="en-US" sz="2400" dirty="0"/>
+              <a:t>Search for a user https://</a:t>
+            </a:r>
+            <a:r>
+              <a:rPr lang="en-US" sz="2400" dirty="0" err="1"/>
+              <a:t>api.foursquare.com</a:t>
+            </a:r>
+            <a:r>
+              <a:rPr lang="en-US" sz="2400" dirty="0"/>
+              <a:t>/v2/users/search</a:t>
+            </a:r>
+          </a:p>
+          <a:p>
+            <a:pPr lvl="1"/>
+            <a:r>
+              <a:rPr lang="en-US" sz="2400" dirty="0"/>
+              <a:t>Recent </a:t>
+            </a:r>
+            <a:r>
+              <a:rPr lang="en-US" sz="2400" dirty="0" err="1"/>
+              <a:t>checkins</a:t>
+            </a:r>
+            <a:r>
+              <a:rPr lang="en-US" sz="2400" dirty="0"/>
+              <a:t> by friends https://api.foursquare.com/v2/checkins/recent</a:t>
+            </a:r>
+          </a:p>
+          <a:p>
+            <a:pPr marL="0" indent="0">
+              <a:buNone/>
+            </a:pPr>
+            <a:endParaRPr lang="en-US" sz="2400" dirty="0"/>
+          </a:p>
+          <a:p>
+            <a:pPr marL="0" indent="0">
+              <a:buNone/>
+            </a:pPr>
+            <a:endParaRPr lang="en-US" sz="2400" dirty="0"/>
+          </a:p>
+          <a:p>
+            <a:pPr marL="0" indent="0">
+              <a:buNone/>
+            </a:pPr>
+            <a:endParaRPr lang="en-US" sz="2400" dirty="0"/>
+          </a:p>
+          <a:p>
+            <a:pPr marL="0" indent="0">
+              <a:buNone/>
+            </a:pPr>
+            <a:endParaRPr lang="en-US" sz="2400" dirty="0"/>
+          </a:p>
+          <a:p>
+            <a:pPr marL="0" indent="0">
+              <a:buNone/>
+            </a:pPr>
+            <a:endParaRPr lang="en-US" sz="2400" dirty="0"/>
           </a:p>
         </p:txBody>
       </p:sp>
     </p:spTree>
     <p:extLst>
       <p:ext uri="{BB962C8B-B14F-4D97-AF65-F5344CB8AC3E}">
-        <p14:creationId xmlns:p14="http://schemas.microsoft.com/office/powerpoint/2010/main" val="3765763641"/>
+        <p14:creationId xmlns:p14="http://schemas.microsoft.com/office/powerpoint/2010/main" val="1939017365"/>
       </p:ext>
     </p:extLst>
   </p:cSld>
@@ -4107,6 +4116,130 @@
           <a:lstStyle/>
           <a:p>
             <a:r>
+              <a:rPr lang="en-US" dirty="0">
+                <a:solidFill>
+                  <a:srgbClr val="E46C0A"/>
+                </a:solidFill>
+              </a:rPr>
+              <a:t>The focus of a </a:t>
+            </a:r>
+            <a:r>
+              <a:rPr lang="en-US" dirty="0" err="1">
+                <a:solidFill>
+                  <a:srgbClr val="E46C0A"/>
+                </a:solidFill>
+              </a:rPr>
+              <a:t>RESTful</a:t>
+            </a:r>
+            <a:r>
+              <a:rPr lang="en-US" dirty="0">
+                <a:solidFill>
+                  <a:srgbClr val="E46C0A"/>
+                </a:solidFill>
+              </a:rPr>
+              <a:t> service is on resources and how to provide access to these resources</a:t>
+            </a:r>
+            <a:r>
+              <a:rPr lang="en-US" dirty="0"/>
+              <a:t>. A resource can be thought of as an object as in OOP. A resource can consist of other resources. </a:t>
+            </a:r>
+          </a:p>
+          <a:p>
+            <a:r>
+              <a:rPr lang="en-US" dirty="0"/>
+              <a:t>While designing a system, the first thing to do is identify the resources and determine how they are related to each other. </a:t>
+            </a:r>
+          </a:p>
+          <a:p>
+            <a:r>
+              <a:rPr lang="en-US" dirty="0"/>
+              <a:t>This is </a:t>
+            </a:r>
+            <a:r>
+              <a:rPr lang="en-US" dirty="0">
+                <a:solidFill>
+                  <a:srgbClr val="E46C0A"/>
+                </a:solidFill>
+              </a:rPr>
+              <a:t>similar to designing a database or object oriented software</a:t>
+            </a:r>
+            <a:r>
+              <a:rPr lang="en-US" dirty="0"/>
+              <a:t>: identify key entities and their mutual relations.</a:t>
+            </a:r>
+          </a:p>
+        </p:txBody>
+      </p:sp>
+    </p:spTree>
+    <p:extLst>
+      <p:ext uri="{BB962C8B-B14F-4D97-AF65-F5344CB8AC3E}">
+        <p14:creationId xmlns:p14="http://schemas.microsoft.com/office/powerpoint/2010/main" val="3765763641"/>
+      </p:ext>
+    </p:extLst>
+  </p:cSld>
+  <p:clrMapOvr>
+    <a:masterClrMapping/>
+  </p:clrMapOvr>
+</p:sld>
+</file>
+
+<file path=ppt/slides/slide13.xml><?xml version="1.0" encoding="utf-8"?>
+<p:sld xmlns:a="http://schemas.openxmlformats.org/drawingml/2006/main" xmlns:r="http://schemas.openxmlformats.org/officeDocument/2006/relationships" xmlns:p="http://schemas.openxmlformats.org/presentationml/2006/main">
+  <p:cSld>
+    <p:spTree>
+      <p:nvGrpSpPr>
+        <p:cNvPr id="1" name=""/>
+        <p:cNvGrpSpPr/>
+        <p:nvPr/>
+      </p:nvGrpSpPr>
+      <p:grpSpPr>
+        <a:xfrm>
+          <a:off x="0" y="0"/>
+          <a:ext cx="0" cy="0"/>
+          <a:chOff x="0" y="0"/>
+          <a:chExt cx="0" cy="0"/>
+        </a:xfrm>
+      </p:grpSpPr>
+      <p:sp>
+        <p:nvSpPr>
+          <p:cNvPr id="2" name="Title 1"/>
+          <p:cNvSpPr>
+            <a:spLocks noGrp="1"/>
+          </p:cNvSpPr>
+          <p:nvPr>
+            <p:ph type="title"/>
+          </p:nvPr>
+        </p:nvSpPr>
+        <p:spPr/>
+        <p:txBody>
+          <a:bodyPr/>
+          <a:lstStyle/>
+          <a:p>
+            <a:r>
+              <a:rPr lang="en-US" dirty="0"/>
+              <a:t>Representations</a:t>
+            </a:r>
+          </a:p>
+        </p:txBody>
+      </p:sp>
+      <p:sp>
+        <p:nvSpPr>
+          <p:cNvPr id="3" name="Content Placeholder 2"/>
+          <p:cNvSpPr>
+            <a:spLocks noGrp="1"/>
+          </p:cNvSpPr>
+          <p:nvPr>
+            <p:ph idx="1"/>
+          </p:nvPr>
+        </p:nvSpPr>
+        <p:spPr/>
+        <p:txBody>
+          <a:bodyPr>
+            <a:normAutofit/>
+          </a:bodyPr>
+          <a:lstStyle/>
+          <a:p>
+            <a:r>
               <a:rPr lang="en-US" dirty="0"/>
               <a:t>Once resources have been identified,  </a:t>
             </a:r>
@@ -4192,7 +4325,7 @@
 </p:sld>
 </file>
 
-<file path=ppt/slides/slide13.xml><?xml version="1.0" encoding="utf-8"?>
+<file path=ppt/slides/slide14.xml><?xml version="1.0" encoding="utf-8"?>
 <p:sld xmlns:a="http://schemas.openxmlformats.org/drawingml/2006/main" xmlns:r="http://schemas.openxmlformats.org/officeDocument/2006/relationships" xmlns:p="http://schemas.openxmlformats.org/presentationml/2006/main">
   <p:cSld>
     <p:spTree>
@@ -4277,148 +4410,6 @@
 </p:sld>
 </file>
 
-<file path=ppt/slides/slide14.xml><?xml version="1.0" encoding="utf-8"?>
-<p:sld xmlns:a="http://schemas.openxmlformats.org/drawingml/2006/main" xmlns:r="http://schemas.openxmlformats.org/officeDocument/2006/relationships" xmlns:p="http://schemas.openxmlformats.org/presentationml/2006/main">
-  <p:cSld>
-    <p:spTree>
-      <p:nvGrpSpPr>
-        <p:cNvPr id="1" name=""/>
-        <p:cNvGrpSpPr/>
-        <p:nvPr/>
-      </p:nvGrpSpPr>
-      <p:grpSpPr>
-        <a:xfrm>
-          <a:off x="0" y="0"/>
-          <a:ext cx="0" cy="0"/>
-          <a:chOff x="0" y="0"/>
-          <a:chExt cx="0" cy="0"/>
-        </a:xfrm>
-      </p:grpSpPr>
-      <p:sp>
-        <p:nvSpPr>
-          <p:cNvPr id="2" name="Title 1"/>
-          <p:cNvSpPr>
-            <a:spLocks noGrp="1"/>
-          </p:cNvSpPr>
-          <p:nvPr>
-            <p:ph type="title"/>
-          </p:nvPr>
-        </p:nvSpPr>
-        <p:spPr/>
-        <p:txBody>
-          <a:bodyPr/>
-          <a:lstStyle/>
-          <a:p>
-            <a:r>
-              <a:rPr lang="en-US" dirty="0"/>
-              <a:t>Operations (HTTP Verbs)</a:t>
-            </a:r>
-          </a:p>
-        </p:txBody>
-      </p:sp>
-      <p:sp>
-        <p:nvSpPr>
-          <p:cNvPr id="3" name="Content Placeholder 2"/>
-          <p:cNvSpPr>
-            <a:spLocks noGrp="1"/>
-          </p:cNvSpPr>
-          <p:nvPr>
-            <p:ph idx="1"/>
-          </p:nvPr>
-        </p:nvSpPr>
-        <p:spPr/>
-        <p:txBody>
-          <a:bodyPr/>
-          <a:lstStyle/>
-          <a:p>
-            <a:r>
-              <a:rPr lang="en-US" dirty="0"/>
-              <a:t>HTTP Verbs (see HTTP Request) define </a:t>
-            </a:r>
-            <a:r>
-              <a:rPr lang="en-US" dirty="0">
-                <a:solidFill>
-                  <a:schemeClr val="accent6">
-                    <a:lumMod val="75000"/>
-                  </a:schemeClr>
-                </a:solidFill>
-              </a:rPr>
-              <a:t>operations on specific resources.</a:t>
-            </a:r>
-          </a:p>
-          <a:p>
-            <a:endParaRPr lang="en-US" dirty="0">
-              <a:solidFill>
-                <a:schemeClr val="accent6">
-                  <a:lumMod val="75000"/>
-                </a:schemeClr>
-              </a:solidFill>
-            </a:endParaRPr>
-          </a:p>
-          <a:p>
-            <a:r>
-              <a:rPr lang="en-US" dirty="0"/>
-              <a:t>GET /users/145 </a:t>
-            </a:r>
-            <a:r>
-              <a:rPr lang="en-US" i="1" dirty="0"/>
-              <a:t>(retrieve user 145)</a:t>
-            </a:r>
-          </a:p>
-          <a:p>
-            <a:r>
-              <a:rPr lang="en-US" dirty="0"/>
-              <a:t>DELETE /users/145 </a:t>
-            </a:r>
-            <a:r>
-              <a:rPr lang="en-US" i="1" dirty="0"/>
-              <a:t>(delete user 145)</a:t>
-            </a:r>
-          </a:p>
-          <a:p>
-            <a:r>
-              <a:rPr lang="en-US" dirty="0"/>
-              <a:t>POST /users/ </a:t>
-            </a:r>
-            <a:r>
-              <a:rPr lang="en-US" i="1" dirty="0"/>
-              <a:t>(add a new user)</a:t>
-            </a:r>
-          </a:p>
-          <a:p>
-            <a:r>
-              <a:rPr lang="en-US" dirty="0"/>
-              <a:t>PUT /users/17 </a:t>
-            </a:r>
-            <a:r>
-              <a:rPr lang="en-US" i="1" dirty="0"/>
-              <a:t>(update user 17)</a:t>
-            </a:r>
-          </a:p>
-          <a:p>
-            <a:endParaRPr lang="en-US" dirty="0">
-              <a:solidFill>
-                <a:schemeClr val="accent6">
-                  <a:lumMod val="75000"/>
-                </a:schemeClr>
-              </a:solidFill>
-            </a:endParaRPr>
-          </a:p>
-        </p:txBody>
-      </p:sp>
-    </p:spTree>
-    <p:extLst>
-      <p:ext uri="{BB962C8B-B14F-4D97-AF65-F5344CB8AC3E}">
-        <p14:creationId xmlns:p14="http://schemas.microsoft.com/office/powerpoint/2010/main" val="3595468721"/>
-      </p:ext>
-    </p:extLst>
-  </p:cSld>
-  <p:clrMapOvr>
-    <a:masterClrMapping/>
-  </p:clrMapOvr>
-</p:sld>
-</file>
-
 <file path=ppt/slides/slide15.xml><?xml version="1.0" encoding="utf-8"?>
 <p:sld xmlns:a="http://schemas.openxmlformats.org/drawingml/2006/main" xmlns:r="http://schemas.openxmlformats.org/officeDocument/2006/relationships" xmlns:p="http://schemas.openxmlformats.org/presentationml/2006/main">
   <p:cSld>
@@ -4465,6 +4456,148 @@
             <a:spLocks noGrp="1"/>
           </p:cNvSpPr>
           <p:nvPr>
+            <p:ph idx="1"/>
+          </p:nvPr>
+        </p:nvSpPr>
+        <p:spPr/>
+        <p:txBody>
+          <a:bodyPr/>
+          <a:lstStyle/>
+          <a:p>
+            <a:r>
+              <a:rPr lang="en-US" dirty="0"/>
+              <a:t>HTTP Verbs (see HTTP Request) define </a:t>
+            </a:r>
+            <a:r>
+              <a:rPr lang="en-US" dirty="0">
+                <a:solidFill>
+                  <a:schemeClr val="accent6">
+                    <a:lumMod val="75000"/>
+                  </a:schemeClr>
+                </a:solidFill>
+              </a:rPr>
+              <a:t>operations on specific resources.</a:t>
+            </a:r>
+          </a:p>
+          <a:p>
+            <a:endParaRPr lang="en-US" dirty="0">
+              <a:solidFill>
+                <a:schemeClr val="accent6">
+                  <a:lumMod val="75000"/>
+                </a:schemeClr>
+              </a:solidFill>
+            </a:endParaRPr>
+          </a:p>
+          <a:p>
+            <a:r>
+              <a:rPr lang="en-US" dirty="0"/>
+              <a:t>GET /users/145 </a:t>
+            </a:r>
+            <a:r>
+              <a:rPr lang="en-US" i="1" dirty="0"/>
+              <a:t>(retrieve user 145)</a:t>
+            </a:r>
+          </a:p>
+          <a:p>
+            <a:r>
+              <a:rPr lang="en-US" dirty="0"/>
+              <a:t>DELETE /users/145 </a:t>
+            </a:r>
+            <a:r>
+              <a:rPr lang="en-US" i="1" dirty="0"/>
+              <a:t>(delete user 145)</a:t>
+            </a:r>
+          </a:p>
+          <a:p>
+            <a:r>
+              <a:rPr lang="en-US" dirty="0"/>
+              <a:t>POST /users/ </a:t>
+            </a:r>
+            <a:r>
+              <a:rPr lang="en-US" i="1" dirty="0"/>
+              <a:t>(add a new user)</a:t>
+            </a:r>
+          </a:p>
+          <a:p>
+            <a:r>
+              <a:rPr lang="en-US" dirty="0"/>
+              <a:t>PUT /users/17 </a:t>
+            </a:r>
+            <a:r>
+              <a:rPr lang="en-US" i="1" dirty="0"/>
+              <a:t>(update user 17)</a:t>
+            </a:r>
+          </a:p>
+          <a:p>
+            <a:endParaRPr lang="en-US" dirty="0">
+              <a:solidFill>
+                <a:schemeClr val="accent6">
+                  <a:lumMod val="75000"/>
+                </a:schemeClr>
+              </a:solidFill>
+            </a:endParaRPr>
+          </a:p>
+        </p:txBody>
+      </p:sp>
+    </p:spTree>
+    <p:extLst>
+      <p:ext uri="{BB962C8B-B14F-4D97-AF65-F5344CB8AC3E}">
+        <p14:creationId xmlns:p14="http://schemas.microsoft.com/office/powerpoint/2010/main" val="3595468721"/>
+      </p:ext>
+    </p:extLst>
+  </p:cSld>
+  <p:clrMapOvr>
+    <a:masterClrMapping/>
+  </p:clrMapOvr>
+</p:sld>
+</file>
+
+<file path=ppt/slides/slide16.xml><?xml version="1.0" encoding="utf-8"?>
+<p:sld xmlns:a="http://schemas.openxmlformats.org/drawingml/2006/main" xmlns:r="http://schemas.openxmlformats.org/officeDocument/2006/relationships" xmlns:p="http://schemas.openxmlformats.org/presentationml/2006/main">
+  <p:cSld>
+    <p:spTree>
+      <p:nvGrpSpPr>
+        <p:cNvPr id="1" name=""/>
+        <p:cNvGrpSpPr/>
+        <p:nvPr/>
+      </p:nvGrpSpPr>
+      <p:grpSpPr>
+        <a:xfrm>
+          <a:off x="0" y="0"/>
+          <a:ext cx="0" cy="0"/>
+          <a:chOff x="0" y="0"/>
+          <a:chExt cx="0" cy="0"/>
+        </a:xfrm>
+      </p:grpSpPr>
+      <p:sp>
+        <p:nvSpPr>
+          <p:cNvPr id="2" name="Title 1"/>
+          <p:cNvSpPr>
+            <a:spLocks noGrp="1"/>
+          </p:cNvSpPr>
+          <p:nvPr>
+            <p:ph type="title"/>
+          </p:nvPr>
+        </p:nvSpPr>
+        <p:spPr/>
+        <p:txBody>
+          <a:bodyPr/>
+          <a:lstStyle/>
+          <a:p>
+            <a:r>
+              <a:rPr lang="en-US" dirty="0"/>
+              <a:t>Operations (HTTP Verbs)</a:t>
+            </a:r>
+          </a:p>
+        </p:txBody>
+      </p:sp>
+      <p:sp>
+        <p:nvSpPr>
+          <p:cNvPr id="3" name="Content Placeholder 2"/>
+          <p:cNvSpPr>
+            <a:spLocks noGrp="1"/>
+          </p:cNvSpPr>
+          <p:nvPr>
             <p:ph sz="half" idx="1"/>
           </p:nvPr>
         </p:nvSpPr>
@@ -4652,7 +4785,7 @@
 </p:sld>
 </file>
 
-<file path=ppt/slides/slide16.xml><?xml version="1.0" encoding="utf-8"?>
+<file path=ppt/slides/slide17.xml><?xml version="1.0" encoding="utf-8"?>
 <p:sld xmlns:a="http://schemas.openxmlformats.org/drawingml/2006/main" xmlns:r="http://schemas.openxmlformats.org/officeDocument/2006/relationships" xmlns:p="http://schemas.openxmlformats.org/presentationml/2006/main">
   <p:cSld>
     <p:spTree>
@@ -4820,138 +4953,6 @@
 </p:sld>
 </file>
 
-<file path=ppt/slides/slide17.xml><?xml version="1.0" encoding="utf-8"?>
-<p:sld xmlns:a="http://schemas.openxmlformats.org/drawingml/2006/main" xmlns:r="http://schemas.openxmlformats.org/officeDocument/2006/relationships" xmlns:p="http://schemas.openxmlformats.org/presentationml/2006/main">
-  <p:cSld>
-    <p:spTree>
-      <p:nvGrpSpPr>
-        <p:cNvPr id="1" name=""/>
-        <p:cNvGrpSpPr/>
-        <p:nvPr/>
-      </p:nvGrpSpPr>
-      <p:grpSpPr>
-        <a:xfrm>
-          <a:off x="0" y="0"/>
-          <a:ext cx="0" cy="0"/>
-          <a:chOff x="0" y="0"/>
-          <a:chExt cx="0" cy="0"/>
-        </a:xfrm>
-      </p:grpSpPr>
-      <p:sp>
-        <p:nvSpPr>
-          <p:cNvPr id="2" name="Title 1"/>
-          <p:cNvSpPr>
-            <a:spLocks noGrp="1"/>
-          </p:cNvSpPr>
-          <p:nvPr>
-            <p:ph type="title"/>
-          </p:nvPr>
-        </p:nvSpPr>
-        <p:spPr/>
-        <p:txBody>
-          <a:bodyPr/>
-          <a:lstStyle/>
-          <a:p>
-            <a:r>
-              <a:rPr lang="en-US" dirty="0"/>
-              <a:t>Addressing resources (URIs)</a:t>
-            </a:r>
-          </a:p>
-        </p:txBody>
-      </p:sp>
-      <p:sp>
-        <p:nvSpPr>
-          <p:cNvPr id="3" name="Content Placeholder 2"/>
-          <p:cNvSpPr>
-            <a:spLocks noGrp="1"/>
-          </p:cNvSpPr>
-          <p:nvPr>
-            <p:ph idx="1"/>
-          </p:nvPr>
-        </p:nvSpPr>
-        <p:spPr/>
-        <p:txBody>
-          <a:bodyPr>
-            <a:normAutofit/>
-          </a:bodyPr>
-          <a:lstStyle/>
-          <a:p>
-            <a:r>
-              <a:rPr lang="en-US" sz="2600" dirty="0"/>
-              <a:t>REST requires each resource to have at least one URI</a:t>
-            </a:r>
-          </a:p>
-          <a:p>
-            <a:r>
-              <a:rPr lang="en-US" sz="2600" dirty="0">
-                <a:solidFill>
-                  <a:srgbClr val="E46C0A"/>
-                </a:solidFill>
-              </a:rPr>
-              <a:t>RESTful services uses a directory hierarchy to address resources</a:t>
-            </a:r>
-            <a:endParaRPr lang="en-US" sz="2600" dirty="0"/>
-          </a:p>
-          <a:p>
-            <a:r>
-              <a:rPr lang="en-US" sz="2600" dirty="0">
-                <a:solidFill>
-                  <a:schemeClr val="accent6">
-                    <a:lumMod val="75000"/>
-                  </a:schemeClr>
-                </a:solidFill>
-              </a:rPr>
-              <a:t>The job of a URI is to identify a resource or a collection of resources </a:t>
-            </a:r>
-          </a:p>
-          <a:p>
-            <a:r>
-              <a:rPr lang="en-US" sz="2600" dirty="0"/>
-              <a:t>The actual operation is determined by an HTTP verb. The URI should not say anything about the operation or action</a:t>
-            </a:r>
-          </a:p>
-          <a:p>
-            <a:r>
-              <a:rPr lang="en-US" sz="2600" b="1" dirty="0"/>
-              <a:t>Protocol://</a:t>
-            </a:r>
-            <a:r>
-              <a:rPr lang="en-US" sz="2600" b="1" dirty="0" err="1"/>
-              <a:t>ServiceName</a:t>
-            </a:r>
-            <a:r>
-              <a:rPr lang="en-US" sz="2600" b="1" dirty="0"/>
-              <a:t>/</a:t>
-            </a:r>
-            <a:r>
-              <a:rPr lang="en-US" sz="2600" b="1" dirty="0" err="1"/>
-              <a:t>ResourceType</a:t>
-            </a:r>
-            <a:r>
-              <a:rPr lang="en-US" sz="2600" b="1" dirty="0"/>
-              <a:t>/</a:t>
-            </a:r>
-            <a:r>
-              <a:rPr lang="en-US" sz="2600" b="1" dirty="0" err="1"/>
-              <a:t>ResourceID</a:t>
-            </a:r>
-            <a:endParaRPr lang="en-US" sz="2600" b="1" dirty="0"/>
-          </a:p>
-        </p:txBody>
-      </p:sp>
-    </p:spTree>
-    <p:extLst>
-      <p:ext uri="{BB962C8B-B14F-4D97-AF65-F5344CB8AC3E}">
-        <p14:creationId xmlns:p14="http://schemas.microsoft.com/office/powerpoint/2010/main" val="3355913716"/>
-      </p:ext>
-    </p:extLst>
-  </p:cSld>
-  <p:clrMapOvr>
-    <a:masterClrMapping/>
-  </p:clrMapOvr>
-</p:sld>
-</file>
-
 <file path=ppt/slides/slide18.xml><?xml version="1.0" encoding="utf-8"?>
 <p:sld xmlns:a="http://schemas.openxmlformats.org/drawingml/2006/main" xmlns:r="http://schemas.openxmlformats.org/officeDocument/2006/relationships" xmlns:p="http://schemas.openxmlformats.org/presentationml/2006/main">
   <p:cSld>
@@ -5004,103 +5005,77 @@
         <p:spPr/>
         <p:txBody>
           <a:bodyPr>
-            <a:normAutofit fontScale="92500" lnSpcReduction="20000"/>
+            <a:normAutofit/>
           </a:bodyPr>
           <a:lstStyle/>
           <a:p>
             <a:r>
-              <a:rPr lang="en-US" dirty="0">
+              <a:rPr lang="en-US" sz="2600" dirty="0"/>
+              <a:t>REST requires each resource to have at least one URI</a:t>
+            </a:r>
+          </a:p>
+          <a:p>
+            <a:r>
+              <a:rPr lang="en-US" sz="2600" dirty="0">
+                <a:solidFill>
+                  <a:srgbClr val="E46C0A"/>
+                </a:solidFill>
+              </a:rPr>
+              <a:t>RESTful services uses a directory hierarchy to address resources</a:t>
+            </a:r>
+            <a:endParaRPr lang="en-US" sz="2600" dirty="0"/>
+          </a:p>
+          <a:p>
+            <a:r>
+              <a:rPr lang="en-US" sz="2600" dirty="0">
                 <a:solidFill>
                   <a:schemeClr val="accent6">
                     <a:lumMod val="75000"/>
                   </a:schemeClr>
                 </a:solidFill>
               </a:rPr>
-              <a:t>Use plural nouns </a:t>
-            </a:r>
-            <a:r>
-              <a:rPr lang="en-US" dirty="0"/>
-              <a:t>for naming your resources.</a:t>
-            </a:r>
-          </a:p>
-          <a:p>
-            <a:r>
-              <a:rPr lang="en-US" dirty="0">
-                <a:solidFill>
-                  <a:schemeClr val="accent6">
-                    <a:lumMod val="75000"/>
-                  </a:schemeClr>
-                </a:solidFill>
-              </a:rPr>
-              <a:t>Avoid using spaces </a:t>
-            </a:r>
-            <a:r>
-              <a:rPr lang="en-US" dirty="0"/>
-              <a:t>as they create confusion. Use an _ (underscore) or – (hyphen) instead.</a:t>
-            </a:r>
-          </a:p>
-          <a:p>
-            <a:r>
-              <a:rPr lang="en-US" dirty="0"/>
-              <a:t>A URI is </a:t>
-            </a:r>
-            <a:r>
-              <a:rPr lang="en-US" dirty="0">
-                <a:solidFill>
-                  <a:schemeClr val="accent6">
-                    <a:lumMod val="75000"/>
-                  </a:schemeClr>
-                </a:solidFill>
-              </a:rPr>
-              <a:t>case insensitive</a:t>
-            </a:r>
-            <a:r>
-              <a:rPr lang="en-US" dirty="0"/>
-              <a:t>. I use camel case in my URIs for better clarity. You can use all lower-case URIs.</a:t>
-            </a:r>
-          </a:p>
-          <a:p>
-            <a:r>
-              <a:rPr lang="en-US" dirty="0"/>
-              <a:t>A </a:t>
-            </a:r>
-            <a:r>
-              <a:rPr lang="en-US" dirty="0">
-                <a:solidFill>
-                  <a:schemeClr val="accent6">
-                    <a:lumMod val="75000"/>
-                  </a:schemeClr>
-                </a:solidFill>
-              </a:rPr>
-              <a:t>cool URI never changes</a:t>
-            </a:r>
-            <a:r>
-              <a:rPr lang="en-US" dirty="0"/>
-              <a:t>; so give some thought before deciding on the URIs for your service. If you need to change the location of a resource, do not discard the old URI and redirect the client to the new location.</a:t>
-            </a:r>
-          </a:p>
-          <a:p>
-            <a:r>
-              <a:rPr lang="en-US" dirty="0">
-                <a:solidFill>
-                  <a:schemeClr val="accent6">
-                    <a:lumMod val="75000"/>
-                  </a:schemeClr>
-                </a:solidFill>
-              </a:rPr>
-              <a:t>Avoid verbs</a:t>
-            </a:r>
-            <a:r>
-              <a:rPr lang="en-US" dirty="0"/>
-              <a:t> for your resource names. Verbs are more suitable for the names of operations. </a:t>
-            </a:r>
+              <a:t>The job of a URI is to identify a resource or a collection of resources </a:t>
+            </a:r>
+          </a:p>
+          <a:p>
+            <a:r>
+              <a:rPr lang="en-US" sz="2600" dirty="0"/>
+              <a:t>The actual operation is determined by an HTTP verb. The URI should not say anything about the operation or action</a:t>
+            </a:r>
+          </a:p>
+          <a:p>
+            <a:r>
+              <a:rPr lang="en-US" sz="2600" b="1" dirty="0"/>
+              <a:t>Protocol://</a:t>
+            </a:r>
+            <a:r>
+              <a:rPr lang="en-US" sz="2600" b="1" dirty="0" err="1"/>
+              <a:t>ServiceName</a:t>
+            </a:r>
+            <a:r>
+              <a:rPr lang="en-US" sz="2600" b="1" dirty="0"/>
+              <a:t>/</a:t>
+            </a:r>
+            <a:r>
+              <a:rPr lang="en-US" sz="2600" b="1" dirty="0" err="1"/>
+              <a:t>ResourceType</a:t>
+            </a:r>
+            <a:r>
+              <a:rPr lang="en-US" sz="2600" b="1" dirty="0"/>
+              <a:t>/</a:t>
+            </a:r>
+            <a:r>
+              <a:rPr lang="en-US" sz="2600" b="1" dirty="0" err="1"/>
+              <a:t>ResourceID</a:t>
+            </a:r>
+            <a:endParaRPr lang="en-US" sz="2600" b="1" dirty="0"/>
           </a:p>
         </p:txBody>
       </p:sp>
     </p:spTree>
     <p:extLst>
       <p:ext uri="{BB962C8B-B14F-4D97-AF65-F5344CB8AC3E}">
-        <p14:creationId xmlns:p14="http://schemas.microsoft.com/office/powerpoint/2010/main" val="2691110523"/>
+        <p14:creationId xmlns:p14="http://schemas.microsoft.com/office/powerpoint/2010/main" val="3355913716"/>
       </p:ext>
     </p:extLst>
   </p:cSld>
@@ -5144,6 +5119,252 @@
           <a:p>
             <a:r>
               <a:rPr lang="en-US" dirty="0"/>
+              <a:t>Addressing resources (URIs)</a:t>
+            </a:r>
+          </a:p>
+        </p:txBody>
+      </p:sp>
+      <p:sp>
+        <p:nvSpPr>
+          <p:cNvPr id="3" name="Content Placeholder 2"/>
+          <p:cNvSpPr>
+            <a:spLocks noGrp="1"/>
+          </p:cNvSpPr>
+          <p:nvPr>
+            <p:ph idx="1"/>
+          </p:nvPr>
+        </p:nvSpPr>
+        <p:spPr/>
+        <p:txBody>
+          <a:bodyPr>
+            <a:normAutofit fontScale="92500" lnSpcReduction="20000"/>
+          </a:bodyPr>
+          <a:lstStyle/>
+          <a:p>
+            <a:r>
+              <a:rPr lang="en-US" dirty="0">
+                <a:solidFill>
+                  <a:schemeClr val="accent6">
+                    <a:lumMod val="75000"/>
+                  </a:schemeClr>
+                </a:solidFill>
+              </a:rPr>
+              <a:t>Use plural nouns </a:t>
+            </a:r>
+            <a:r>
+              <a:rPr lang="en-US" dirty="0"/>
+              <a:t>for naming your resources.</a:t>
+            </a:r>
+          </a:p>
+          <a:p>
+            <a:r>
+              <a:rPr lang="en-US" dirty="0">
+                <a:solidFill>
+                  <a:schemeClr val="accent6">
+                    <a:lumMod val="75000"/>
+                  </a:schemeClr>
+                </a:solidFill>
+              </a:rPr>
+              <a:t>Avoid using spaces </a:t>
+            </a:r>
+            <a:r>
+              <a:rPr lang="en-US" dirty="0"/>
+              <a:t>as they create confusion. Use an _ (underscore) or – (hyphen) instead.</a:t>
+            </a:r>
+          </a:p>
+          <a:p>
+            <a:r>
+              <a:rPr lang="en-US" dirty="0"/>
+              <a:t>A URI is </a:t>
+            </a:r>
+            <a:r>
+              <a:rPr lang="en-US" dirty="0">
+                <a:solidFill>
+                  <a:schemeClr val="accent6">
+                    <a:lumMod val="75000"/>
+                  </a:schemeClr>
+                </a:solidFill>
+              </a:rPr>
+              <a:t>case insensitive</a:t>
+            </a:r>
+            <a:r>
+              <a:rPr lang="en-US" dirty="0"/>
+              <a:t>. I use camel case in my URIs for better clarity. You can use all lower-case URIs.</a:t>
+            </a:r>
+          </a:p>
+          <a:p>
+            <a:r>
+              <a:rPr lang="en-US" dirty="0"/>
+              <a:t>A </a:t>
+            </a:r>
+            <a:r>
+              <a:rPr lang="en-US" dirty="0">
+                <a:solidFill>
+                  <a:schemeClr val="accent6">
+                    <a:lumMod val="75000"/>
+                  </a:schemeClr>
+                </a:solidFill>
+              </a:rPr>
+              <a:t>cool URI never changes</a:t>
+            </a:r>
+            <a:r>
+              <a:rPr lang="en-US" dirty="0"/>
+              <a:t>; so give some thought before deciding on the URIs for your service. If you need to change the location of a resource, do not discard the old URI and redirect the client to the new location.</a:t>
+            </a:r>
+          </a:p>
+          <a:p>
+            <a:r>
+              <a:rPr lang="en-US" dirty="0">
+                <a:solidFill>
+                  <a:schemeClr val="accent6">
+                    <a:lumMod val="75000"/>
+                  </a:schemeClr>
+                </a:solidFill>
+              </a:rPr>
+              <a:t>Avoid verbs</a:t>
+            </a:r>
+            <a:r>
+              <a:rPr lang="en-US" dirty="0"/>
+              <a:t> for your resource names. Verbs are more suitable for the names of operations. </a:t>
+            </a:r>
+          </a:p>
+        </p:txBody>
+      </p:sp>
+    </p:spTree>
+    <p:extLst>
+      <p:ext uri="{BB962C8B-B14F-4D97-AF65-F5344CB8AC3E}">
+        <p14:creationId xmlns:p14="http://schemas.microsoft.com/office/powerpoint/2010/main" val="2691110523"/>
+      </p:ext>
+    </p:extLst>
+  </p:cSld>
+  <p:clrMapOvr>
+    <a:masterClrMapping/>
+  </p:clrMapOvr>
+</p:sld>
+</file>
+
+<file path=ppt/slides/slide2.xml><?xml version="1.0" encoding="utf-8"?>
+<p:sld xmlns:a="http://schemas.openxmlformats.org/drawingml/2006/main" xmlns:r="http://schemas.openxmlformats.org/officeDocument/2006/relationships" xmlns:p="http://schemas.openxmlformats.org/presentationml/2006/main">
+  <p:cSld>
+    <p:spTree>
+      <p:nvGrpSpPr>
+        <p:cNvPr id="1" name=""/>
+        <p:cNvGrpSpPr/>
+        <p:nvPr/>
+      </p:nvGrpSpPr>
+      <p:grpSpPr>
+        <a:xfrm>
+          <a:off x="0" y="0"/>
+          <a:ext cx="0" cy="0"/>
+          <a:chOff x="0" y="0"/>
+          <a:chExt cx="0" cy="0"/>
+        </a:xfrm>
+      </p:grpSpPr>
+      <p:sp>
+        <p:nvSpPr>
+          <p:cNvPr id="2" name="Title 1"/>
+          <p:cNvSpPr>
+            <a:spLocks noGrp="1"/>
+          </p:cNvSpPr>
+          <p:nvPr>
+            <p:ph type="title"/>
+          </p:nvPr>
+        </p:nvSpPr>
+        <p:spPr/>
+        <p:txBody>
+          <a:bodyPr/>
+          <a:lstStyle/>
+          <a:p>
+            <a:r>
+              <a:rPr lang="en-US" dirty="0"/>
+              <a:t>Software Design</a:t>
+            </a:r>
+          </a:p>
+        </p:txBody>
+      </p:sp>
+      <p:pic>
+        <p:nvPicPr>
+          <p:cNvPr id="5" name="Picture 4">
+            <a:extLst>
+              <a:ext uri="{FF2B5EF4-FFF2-40B4-BE49-F238E27FC236}">
+                <a16:creationId xmlns:a16="http://schemas.microsoft.com/office/drawing/2014/main" id="{25B133C4-8E63-6147-AA92-7920C398A5C1}"/>
+              </a:ext>
+            </a:extLst>
+          </p:cNvPr>
+          <p:cNvPicPr>
+            <a:picLocks noChangeAspect="1"/>
+          </p:cNvPicPr>
+          <p:nvPr/>
+        </p:nvPicPr>
+        <p:blipFill>
+          <a:blip r:embed="rId2">
+            <a:extLst>
+              <a:ext uri="{28A0092B-C50C-407E-A947-70E740481C1C}">
+                <a14:useLocalDpi xmlns:a14="http://schemas.microsoft.com/office/drawing/2010/main" val="0"/>
+              </a:ext>
+            </a:extLst>
+          </a:blip>
+          <a:stretch>
+            <a:fillRect/>
+          </a:stretch>
+        </p:blipFill>
+        <p:spPr>
+          <a:xfrm>
+            <a:off x="2563467" y="1556792"/>
+            <a:ext cx="7065065" cy="5165724"/>
+          </a:xfrm>
+          <a:prstGeom prst="rect">
+            <a:avLst/>
+          </a:prstGeom>
+        </p:spPr>
+      </p:pic>
+    </p:spTree>
+    <p:extLst>
+      <p:ext uri="{BB962C8B-B14F-4D97-AF65-F5344CB8AC3E}">
+        <p14:creationId xmlns:p14="http://schemas.microsoft.com/office/powerpoint/2010/main" val="4088949090"/>
+      </p:ext>
+    </p:extLst>
+  </p:cSld>
+  <p:clrMapOvr>
+    <a:masterClrMapping/>
+  </p:clrMapOvr>
+</p:sld>
+</file>
+
+<file path=ppt/slides/slide20.xml><?xml version="1.0" encoding="utf-8"?>
+<p:sld xmlns:a="http://schemas.openxmlformats.org/drawingml/2006/main" xmlns:r="http://schemas.openxmlformats.org/officeDocument/2006/relationships" xmlns:p="http://schemas.openxmlformats.org/presentationml/2006/main">
+  <p:cSld>
+    <p:spTree>
+      <p:nvGrpSpPr>
+        <p:cNvPr id="1" name=""/>
+        <p:cNvGrpSpPr/>
+        <p:nvPr/>
+      </p:nvGrpSpPr>
+      <p:grpSpPr>
+        <a:xfrm>
+          <a:off x="0" y="0"/>
+          <a:ext cx="0" cy="0"/>
+          <a:chOff x="0" y="0"/>
+          <a:chExt cx="0" cy="0"/>
+        </a:xfrm>
+      </p:grpSpPr>
+      <p:sp>
+        <p:nvSpPr>
+          <p:cNvPr id="2" name="Title 1"/>
+          <p:cNvSpPr>
+            <a:spLocks noGrp="1"/>
+          </p:cNvSpPr>
+          <p:nvPr>
+            <p:ph type="title"/>
+          </p:nvPr>
+        </p:nvSpPr>
+        <p:spPr/>
+        <p:txBody>
+          <a:bodyPr/>
+          <a:lstStyle/>
+          <a:p>
+            <a:r>
+              <a:rPr lang="en-US" dirty="0"/>
               <a:t>Query parameters</a:t>
             </a:r>
           </a:p>
@@ -5262,7 +5483,724 @@
 </p:sld>
 </file>
 
-<file path=ppt/slides/slide2.xml><?xml version="1.0" encoding="utf-8"?>
+<file path=ppt/slides/slide21.xml><?xml version="1.0" encoding="utf-8"?>
+<p:sld xmlns:a="http://schemas.openxmlformats.org/drawingml/2006/main" xmlns:r="http://schemas.openxmlformats.org/officeDocument/2006/relationships" xmlns:p="http://schemas.openxmlformats.org/presentationml/2006/main">
+  <p:cSld>
+    <p:spTree>
+      <p:nvGrpSpPr>
+        <p:cNvPr id="1" name=""/>
+        <p:cNvGrpSpPr/>
+        <p:nvPr/>
+      </p:nvGrpSpPr>
+      <p:grpSpPr>
+        <a:xfrm>
+          <a:off x="0" y="0"/>
+          <a:ext cx="0" cy="0"/>
+          <a:chOff x="0" y="0"/>
+          <a:chExt cx="0" cy="0"/>
+        </a:xfrm>
+      </p:grpSpPr>
+      <p:sp>
+        <p:nvSpPr>
+          <p:cNvPr id="2" name="Title 1"/>
+          <p:cNvSpPr>
+            <a:spLocks noGrp="1"/>
+          </p:cNvSpPr>
+          <p:nvPr>
+            <p:ph type="title"/>
+          </p:nvPr>
+        </p:nvSpPr>
+        <p:spPr/>
+        <p:txBody>
+          <a:bodyPr/>
+          <a:lstStyle/>
+          <a:p>
+            <a:r>
+              <a:rPr lang="en-US" dirty="0"/>
+              <a:t>Statelessness</a:t>
+            </a:r>
+          </a:p>
+        </p:txBody>
+      </p:sp>
+      <p:sp>
+        <p:nvSpPr>
+          <p:cNvPr id="3" name="Content Placeholder 2"/>
+          <p:cNvSpPr>
+            <a:spLocks noGrp="1"/>
+          </p:cNvSpPr>
+          <p:nvPr>
+            <p:ph idx="1"/>
+          </p:nvPr>
+        </p:nvSpPr>
+        <p:spPr/>
+        <p:txBody>
+          <a:bodyPr>
+            <a:normAutofit/>
+          </a:bodyPr>
+          <a:lstStyle/>
+          <a:p>
+            <a:r>
+              <a:rPr lang="en-US" dirty="0">
+                <a:solidFill>
+                  <a:srgbClr val="E46C0A"/>
+                </a:solidFill>
+              </a:rPr>
+              <a:t>A </a:t>
+            </a:r>
+            <a:r>
+              <a:rPr lang="en-US" dirty="0" err="1">
+                <a:solidFill>
+                  <a:srgbClr val="E46C0A"/>
+                </a:solidFill>
+              </a:rPr>
+              <a:t>RESTful</a:t>
+            </a:r>
+            <a:r>
+              <a:rPr lang="en-US" dirty="0">
+                <a:solidFill>
+                  <a:srgbClr val="E46C0A"/>
+                </a:solidFill>
+              </a:rPr>
+              <a:t> service is stateless and does not maintain the application state for any client</a:t>
+            </a:r>
+            <a:r>
+              <a:rPr lang="en-US" dirty="0"/>
+              <a:t>.</a:t>
+            </a:r>
+          </a:p>
+          <a:p>
+            <a:r>
+              <a:rPr lang="en-US" dirty="0"/>
+              <a:t> A request cannot be dependent on a past request. A REST service treats each request independently. </a:t>
+            </a:r>
+          </a:p>
+        </p:txBody>
+      </p:sp>
+    </p:spTree>
+    <p:extLst>
+      <p:ext uri="{BB962C8B-B14F-4D97-AF65-F5344CB8AC3E}">
+        <p14:creationId xmlns:p14="http://schemas.microsoft.com/office/powerpoint/2010/main" val="2476966677"/>
+      </p:ext>
+    </p:extLst>
+  </p:cSld>
+  <p:clrMapOvr>
+    <a:masterClrMapping/>
+  </p:clrMapOvr>
+</p:sld>
+</file>
+
+<file path=ppt/slides/slide22.xml><?xml version="1.0" encoding="utf-8"?>
+<p:sld xmlns:a="http://schemas.openxmlformats.org/drawingml/2006/main" xmlns:r="http://schemas.openxmlformats.org/officeDocument/2006/relationships" xmlns:p="http://schemas.openxmlformats.org/presentationml/2006/main">
+  <p:cSld>
+    <p:spTree>
+      <p:nvGrpSpPr>
+        <p:cNvPr id="1" name=""/>
+        <p:cNvGrpSpPr/>
+        <p:nvPr/>
+      </p:nvGrpSpPr>
+      <p:grpSpPr>
+        <a:xfrm>
+          <a:off x="0" y="0"/>
+          <a:ext cx="0" cy="0"/>
+          <a:chOff x="0" y="0"/>
+          <a:chExt cx="0" cy="0"/>
+        </a:xfrm>
+      </p:grpSpPr>
+      <p:sp>
+        <p:nvSpPr>
+          <p:cNvPr id="2" name="Title 1"/>
+          <p:cNvSpPr>
+            <a:spLocks noGrp="1"/>
+          </p:cNvSpPr>
+          <p:nvPr>
+            <p:ph type="title"/>
+          </p:nvPr>
+        </p:nvSpPr>
+        <p:spPr/>
+        <p:txBody>
+          <a:bodyPr/>
+          <a:lstStyle/>
+          <a:p>
+            <a:r>
+              <a:rPr lang="en-US" dirty="0"/>
+              <a:t>Statelessness</a:t>
+            </a:r>
+          </a:p>
+        </p:txBody>
+      </p:sp>
+      <p:sp>
+        <p:nvSpPr>
+          <p:cNvPr id="3" name="Content Placeholder 2"/>
+          <p:cNvSpPr>
+            <a:spLocks noGrp="1"/>
+          </p:cNvSpPr>
+          <p:nvPr>
+            <p:ph idx="1"/>
+          </p:nvPr>
+        </p:nvSpPr>
+        <p:spPr/>
+        <p:txBody>
+          <a:bodyPr>
+            <a:normAutofit/>
+          </a:bodyPr>
+          <a:lstStyle/>
+          <a:p>
+            <a:pPr marL="0" indent="0">
+              <a:buNone/>
+            </a:pPr>
+            <a:r>
+              <a:rPr lang="en-US" dirty="0">
+                <a:solidFill>
+                  <a:srgbClr val="E46C0A"/>
+                </a:solidFill>
+              </a:rPr>
+              <a:t>Stateless design</a:t>
+            </a:r>
+          </a:p>
+          <a:p>
+            <a:pPr marL="0" indent="0">
+              <a:buNone/>
+            </a:pPr>
+            <a:r>
+              <a:rPr lang="en-US" i="1" dirty="0"/>
+              <a:t>Request1: GET http://</a:t>
+            </a:r>
+            <a:r>
+              <a:rPr lang="en-US" i="1" dirty="0" err="1"/>
+              <a:t>MyService</a:t>
+            </a:r>
+            <a:r>
+              <a:rPr lang="en-US" i="1" dirty="0"/>
+              <a:t>/Persons/1 HTTP/1.1</a:t>
+            </a:r>
+          </a:p>
+          <a:p>
+            <a:pPr marL="0" indent="0">
+              <a:buNone/>
+            </a:pPr>
+            <a:r>
+              <a:rPr lang="en-US" i="1" dirty="0"/>
+              <a:t>Request2: GET http://</a:t>
+            </a:r>
+            <a:r>
+              <a:rPr lang="en-US" i="1" dirty="0" err="1"/>
+              <a:t>MyService</a:t>
+            </a:r>
+            <a:r>
+              <a:rPr lang="en-US" i="1" dirty="0"/>
+              <a:t>/Persons/2 HTTP/1.1</a:t>
+            </a:r>
+          </a:p>
+          <a:p>
+            <a:pPr marL="0" indent="0">
+              <a:buNone/>
+            </a:pPr>
+            <a:endParaRPr lang="en-US" dirty="0"/>
+          </a:p>
+          <a:p>
+            <a:pPr marL="0" indent="0">
+              <a:buNone/>
+            </a:pPr>
+            <a:r>
+              <a:rPr lang="en-US" dirty="0" err="1">
+                <a:solidFill>
+                  <a:srgbClr val="E46C0A"/>
+                </a:solidFill>
+              </a:rPr>
+              <a:t>Stateful</a:t>
+            </a:r>
+            <a:r>
+              <a:rPr lang="en-US" dirty="0">
+                <a:solidFill>
+                  <a:srgbClr val="E46C0A"/>
+                </a:solidFill>
+              </a:rPr>
+              <a:t> design (Dangerous! Which client??)</a:t>
+            </a:r>
+          </a:p>
+          <a:p>
+            <a:pPr marL="0" indent="0">
+              <a:buNone/>
+            </a:pPr>
+            <a:r>
+              <a:rPr lang="en-US" i="1" dirty="0"/>
+              <a:t>Request1: GET http://</a:t>
+            </a:r>
+            <a:r>
+              <a:rPr lang="en-US" i="1" dirty="0" err="1"/>
+              <a:t>MyService</a:t>
+            </a:r>
+            <a:r>
+              <a:rPr lang="en-US" i="1" dirty="0"/>
+              <a:t>/Persons/1 HTTP/1.1</a:t>
+            </a:r>
+          </a:p>
+          <a:p>
+            <a:pPr marL="0" indent="0">
+              <a:buNone/>
+            </a:pPr>
+            <a:r>
+              <a:rPr lang="en-US" i="1" dirty="0"/>
+              <a:t>Request2: GET http://</a:t>
+            </a:r>
+            <a:r>
+              <a:rPr lang="en-US" i="1" dirty="0" err="1"/>
+              <a:t>MyService</a:t>
+            </a:r>
+            <a:r>
+              <a:rPr lang="en-US" i="1" dirty="0"/>
+              <a:t>/</a:t>
+            </a:r>
+            <a:r>
+              <a:rPr lang="en-US" i="1" dirty="0" err="1"/>
+              <a:t>NextPerson</a:t>
+            </a:r>
+            <a:r>
+              <a:rPr lang="en-US" i="1" dirty="0"/>
+              <a:t> HTTP/1.1</a:t>
+            </a:r>
+          </a:p>
+        </p:txBody>
+      </p:sp>
+    </p:spTree>
+    <p:extLst>
+      <p:ext uri="{BB962C8B-B14F-4D97-AF65-F5344CB8AC3E}">
+        <p14:creationId xmlns:p14="http://schemas.microsoft.com/office/powerpoint/2010/main" val="2607000420"/>
+      </p:ext>
+    </p:extLst>
+  </p:cSld>
+  <p:clrMapOvr>
+    <a:masterClrMapping/>
+  </p:clrMapOvr>
+</p:sld>
+</file>
+
+<file path=ppt/slides/slide23.xml><?xml version="1.0" encoding="utf-8"?>
+<p:sld xmlns:a="http://schemas.openxmlformats.org/drawingml/2006/main" xmlns:r="http://schemas.openxmlformats.org/officeDocument/2006/relationships" xmlns:p="http://schemas.openxmlformats.org/presentationml/2006/main">
+  <p:cSld>
+    <p:spTree>
+      <p:nvGrpSpPr>
+        <p:cNvPr id="1" name=""/>
+        <p:cNvGrpSpPr/>
+        <p:nvPr/>
+      </p:nvGrpSpPr>
+      <p:grpSpPr>
+        <a:xfrm>
+          <a:off x="0" y="0"/>
+          <a:ext cx="0" cy="0"/>
+          <a:chOff x="0" y="0"/>
+          <a:chExt cx="0" cy="0"/>
+        </a:xfrm>
+      </p:grpSpPr>
+      <p:sp>
+        <p:nvSpPr>
+          <p:cNvPr id="2" name="Title 1"/>
+          <p:cNvSpPr>
+            <a:spLocks noGrp="1"/>
+          </p:cNvSpPr>
+          <p:nvPr>
+            <p:ph type="title"/>
+          </p:nvPr>
+        </p:nvSpPr>
+        <p:spPr/>
+        <p:txBody>
+          <a:bodyPr/>
+          <a:lstStyle/>
+          <a:p>
+            <a:r>
+              <a:rPr lang="en-US" dirty="0"/>
+              <a:t>Documentation</a:t>
+            </a:r>
+          </a:p>
+        </p:txBody>
+      </p:sp>
+      <p:sp>
+        <p:nvSpPr>
+          <p:cNvPr id="3" name="Content Placeholder 2"/>
+          <p:cNvSpPr>
+            <a:spLocks noGrp="1"/>
+          </p:cNvSpPr>
+          <p:nvPr>
+            <p:ph idx="1"/>
+          </p:nvPr>
+        </p:nvSpPr>
+        <p:spPr/>
+        <p:txBody>
+          <a:bodyPr>
+            <a:normAutofit/>
+          </a:bodyPr>
+          <a:lstStyle/>
+          <a:p>
+            <a:r>
+              <a:rPr lang="en-US" dirty="0">
+                <a:solidFill>
+                  <a:srgbClr val="E46C0A"/>
+                </a:solidFill>
+              </a:rPr>
+              <a:t>There is no excuse for not documenting your service</a:t>
+            </a:r>
+            <a:r>
+              <a:rPr lang="en-US" dirty="0"/>
+              <a:t>. </a:t>
+            </a:r>
+          </a:p>
+          <a:p>
+            <a:r>
+              <a:rPr lang="en-US" dirty="0"/>
+              <a:t>You should document every resource and URI for client developers. You can use any format for structuring your document, but it should contain enough information about resources, URIs, Available Methods, and any other information required for accessing your service. </a:t>
+            </a:r>
+          </a:p>
+        </p:txBody>
+      </p:sp>
+    </p:spTree>
+    <p:extLst>
+      <p:ext uri="{BB962C8B-B14F-4D97-AF65-F5344CB8AC3E}">
+        <p14:creationId xmlns:p14="http://schemas.microsoft.com/office/powerpoint/2010/main" val="917700821"/>
+      </p:ext>
+    </p:extLst>
+  </p:cSld>
+  <p:clrMapOvr>
+    <a:masterClrMapping/>
+  </p:clrMapOvr>
+</p:sld>
+</file>
+
+<file path=ppt/slides/slide24.xml><?xml version="1.0" encoding="utf-8"?>
+<p:sld xmlns:a="http://schemas.openxmlformats.org/drawingml/2006/main" xmlns:r="http://schemas.openxmlformats.org/officeDocument/2006/relationships" xmlns:p="http://schemas.openxmlformats.org/presentationml/2006/main">
+  <p:cSld>
+    <p:spTree>
+      <p:nvGrpSpPr>
+        <p:cNvPr id="1" name=""/>
+        <p:cNvGrpSpPr/>
+        <p:nvPr/>
+      </p:nvGrpSpPr>
+      <p:grpSpPr>
+        <a:xfrm>
+          <a:off x="0" y="0"/>
+          <a:ext cx="0" cy="0"/>
+          <a:chOff x="0" y="0"/>
+          <a:chExt cx="0" cy="0"/>
+        </a:xfrm>
+      </p:grpSpPr>
+      <p:sp>
+        <p:nvSpPr>
+          <p:cNvPr id="2" name="Title 1"/>
+          <p:cNvSpPr>
+            <a:spLocks noGrp="1"/>
+          </p:cNvSpPr>
+          <p:nvPr>
+            <p:ph type="title"/>
+          </p:nvPr>
+        </p:nvSpPr>
+        <p:spPr/>
+        <p:txBody>
+          <a:bodyPr/>
+          <a:lstStyle/>
+          <a:p>
+            <a:r>
+              <a:rPr lang="en-US" dirty="0"/>
+              <a:t>Documentation</a:t>
+            </a:r>
+          </a:p>
+        </p:txBody>
+      </p:sp>
+      <p:pic>
+        <p:nvPicPr>
+          <p:cNvPr id="5" name="Content Placeholder 4" descr="Screen Shot 2017-05-16 at 00.20.21.png"/>
+          <p:cNvPicPr>
+            <a:picLocks noGrp="1" noChangeAspect="1"/>
+          </p:cNvPicPr>
+          <p:nvPr>
+            <p:ph idx="1"/>
+          </p:nvPr>
+        </p:nvPicPr>
+        <p:blipFill>
+          <a:blip r:embed="rId2" cstate="print">
+            <a:extLst>
+              <a:ext uri="{28A0092B-C50C-407E-A947-70E740481C1C}">
+                <a14:useLocalDpi xmlns:a14="http://schemas.microsoft.com/office/drawing/2010/main"/>
+              </a:ext>
+            </a:extLst>
+          </a:blip>
+          <a:srcRect l="-33159" r="-33159"/>
+          <a:stretch>
+            <a:fillRect/>
+          </a:stretch>
+        </p:blipFill>
+        <p:spPr>
+          <a:xfrm>
+            <a:off x="1696616" y="1628800"/>
+            <a:ext cx="8798768" cy="4525963"/>
+          </a:xfrm>
+        </p:spPr>
+      </p:pic>
+    </p:spTree>
+    <p:extLst>
+      <p:ext uri="{BB962C8B-B14F-4D97-AF65-F5344CB8AC3E}">
+        <p14:creationId xmlns:p14="http://schemas.microsoft.com/office/powerpoint/2010/main" val="726044938"/>
+      </p:ext>
+    </p:extLst>
+  </p:cSld>
+  <p:clrMapOvr>
+    <a:masterClrMapping/>
+  </p:clrMapOvr>
+</p:sld>
+</file>
+
+<file path=ppt/slides/slide25.xml><?xml version="1.0" encoding="utf-8"?>
+<p:sld xmlns:a="http://schemas.openxmlformats.org/drawingml/2006/main" xmlns:r="http://schemas.openxmlformats.org/officeDocument/2006/relationships" xmlns:p="http://schemas.openxmlformats.org/presentationml/2006/main">
+  <p:cSld>
+    <p:spTree>
+      <p:nvGrpSpPr>
+        <p:cNvPr id="1" name=""/>
+        <p:cNvGrpSpPr/>
+        <p:nvPr/>
+      </p:nvGrpSpPr>
+      <p:grpSpPr>
+        <a:xfrm>
+          <a:off x="0" y="0"/>
+          <a:ext cx="0" cy="0"/>
+          <a:chOff x="0" y="0"/>
+          <a:chExt cx="0" cy="0"/>
+        </a:xfrm>
+      </p:grpSpPr>
+      <p:sp>
+        <p:nvSpPr>
+          <p:cNvPr id="2" name="Title 1"/>
+          <p:cNvSpPr>
+            <a:spLocks noGrp="1"/>
+          </p:cNvSpPr>
+          <p:nvPr>
+            <p:ph type="title"/>
+          </p:nvPr>
+        </p:nvSpPr>
+        <p:spPr/>
+        <p:txBody>
+          <a:bodyPr/>
+          <a:lstStyle/>
+          <a:p>
+            <a:r>
+              <a:rPr lang="en-US" dirty="0"/>
+              <a:t>Criticism</a:t>
+            </a:r>
+          </a:p>
+        </p:txBody>
+      </p:sp>
+      <p:sp>
+        <p:nvSpPr>
+          <p:cNvPr id="3" name="Content Placeholder 2"/>
+          <p:cNvSpPr>
+            <a:spLocks noGrp="1"/>
+          </p:cNvSpPr>
+          <p:nvPr>
+            <p:ph idx="1"/>
+          </p:nvPr>
+        </p:nvSpPr>
+        <p:spPr/>
+        <p:txBody>
+          <a:bodyPr>
+            <a:normAutofit/>
+          </a:bodyPr>
+          <a:lstStyle/>
+          <a:p>
+            <a:r>
+              <a:rPr lang="en-US" dirty="0">
+                <a:solidFill>
+                  <a:srgbClr val="E46C0A"/>
+                </a:solidFill>
+              </a:rPr>
+              <a:t>No transactions support</a:t>
+            </a:r>
+          </a:p>
+          <a:p>
+            <a:pPr lvl="1"/>
+            <a:r>
+              <a:rPr lang="en-US" dirty="0"/>
+              <a:t>DBMS (usually behind REST services) support transactions</a:t>
+            </a:r>
+          </a:p>
+          <a:p>
+            <a:r>
+              <a:rPr lang="en-US" dirty="0">
+                <a:solidFill>
+                  <a:srgbClr val="E46C0A"/>
+                </a:solidFill>
+              </a:rPr>
+              <a:t>No publish/subscribe support.</a:t>
+            </a:r>
+            <a:endParaRPr lang="en-US" dirty="0"/>
+          </a:p>
+          <a:p>
+            <a:pPr lvl="1"/>
+            <a:r>
+              <a:rPr lang="en-US" dirty="0"/>
+              <a:t>Notification is done by polling. </a:t>
+            </a:r>
+          </a:p>
+          <a:p>
+            <a:pPr lvl="1"/>
+            <a:r>
+              <a:rPr lang="en-US" dirty="0"/>
+              <a:t>The client can poll the server. GET is extremely optimized on the web. </a:t>
+            </a:r>
+          </a:p>
+          <a:p>
+            <a:r>
+              <a:rPr lang="en-US" dirty="0">
+                <a:solidFill>
+                  <a:schemeClr val="accent6">
+                    <a:lumMod val="75000"/>
+                  </a:schemeClr>
+                </a:solidFill>
+              </a:rPr>
+              <a:t>High bandwidth </a:t>
+            </a:r>
+          </a:p>
+          <a:p>
+            <a:pPr lvl="1"/>
+            <a:r>
+              <a:rPr lang="en-US" dirty="0"/>
+              <a:t>HTTP uses a request/response model, so there’s a lot of baggage flying around the network to make it all work.</a:t>
+            </a:r>
+          </a:p>
+          <a:p>
+            <a:pPr lvl="1"/>
+            <a:endParaRPr lang="en-US" dirty="0"/>
+          </a:p>
+          <a:p>
+            <a:pPr lvl="1"/>
+            <a:endParaRPr lang="en-US" dirty="0"/>
+          </a:p>
+          <a:p>
+            <a:endParaRPr lang="en-US" dirty="0"/>
+          </a:p>
+          <a:p>
+            <a:endParaRPr lang="en-US" dirty="0"/>
+          </a:p>
+        </p:txBody>
+      </p:sp>
+    </p:spTree>
+    <p:extLst>
+      <p:ext uri="{BB962C8B-B14F-4D97-AF65-F5344CB8AC3E}">
+        <p14:creationId xmlns:p14="http://schemas.microsoft.com/office/powerpoint/2010/main" val="3308130020"/>
+      </p:ext>
+    </p:extLst>
+  </p:cSld>
+  <p:clrMapOvr>
+    <a:masterClrMapping/>
+  </p:clrMapOvr>
+</p:sld>
+</file>
+
+<file path=ppt/slides/slide26.xml><?xml version="1.0" encoding="utf-8"?>
+<p:sld xmlns:a="http://schemas.openxmlformats.org/drawingml/2006/main" xmlns:r="http://schemas.openxmlformats.org/officeDocument/2006/relationships" xmlns:p="http://schemas.openxmlformats.org/presentationml/2006/main">
+  <p:cSld>
+    <p:spTree>
+      <p:nvGrpSpPr>
+        <p:cNvPr id="1" name=""/>
+        <p:cNvGrpSpPr/>
+        <p:nvPr/>
+      </p:nvGrpSpPr>
+      <p:grpSpPr>
+        <a:xfrm>
+          <a:off x="0" y="0"/>
+          <a:ext cx="0" cy="0"/>
+          <a:chOff x="0" y="0"/>
+          <a:chExt cx="0" cy="0"/>
+        </a:xfrm>
+      </p:grpSpPr>
+      <p:sp>
+        <p:nvSpPr>
+          <p:cNvPr id="2" name="Title 1"/>
+          <p:cNvSpPr>
+            <a:spLocks noGrp="1"/>
+          </p:cNvSpPr>
+          <p:nvPr>
+            <p:ph type="title"/>
+          </p:nvPr>
+        </p:nvSpPr>
+        <p:spPr/>
+        <p:txBody>
+          <a:bodyPr/>
+          <a:lstStyle/>
+          <a:p>
+            <a:r>
+              <a:rPr lang="en-US" dirty="0"/>
+              <a:t>Advantages</a:t>
+            </a:r>
+          </a:p>
+        </p:txBody>
+      </p:sp>
+      <p:sp>
+        <p:nvSpPr>
+          <p:cNvPr id="3" name="Content Placeholder 2"/>
+          <p:cNvSpPr>
+            <a:spLocks noGrp="1"/>
+          </p:cNvSpPr>
+          <p:nvPr>
+            <p:ph idx="1"/>
+          </p:nvPr>
+        </p:nvSpPr>
+        <p:spPr/>
+        <p:txBody>
+          <a:bodyPr>
+            <a:normAutofit lnSpcReduction="10000"/>
+          </a:bodyPr>
+          <a:lstStyle/>
+          <a:p>
+            <a:r>
+              <a:rPr lang="en-US" dirty="0">
+                <a:solidFill>
+                  <a:srgbClr val="E46C0A"/>
+                </a:solidFill>
+              </a:rPr>
+              <a:t>REST is a great way of developing lightweight Web services that are easy to implement, maintain, and discover. </a:t>
+            </a:r>
+          </a:p>
+          <a:p>
+            <a:r>
+              <a:rPr lang="en-US" dirty="0"/>
+              <a:t>HTTP provides an excellent interface to implement </a:t>
+            </a:r>
+            <a:r>
+              <a:rPr lang="en-US" dirty="0" err="1"/>
+              <a:t>RESTful</a:t>
+            </a:r>
+            <a:r>
+              <a:rPr lang="en-US" dirty="0"/>
+              <a:t> services with features like a uniform interface and caching. However, it is up to developers to implement and utilize these features correctly. </a:t>
+            </a:r>
+          </a:p>
+          <a:p>
+            <a:r>
+              <a:rPr lang="en-US" dirty="0"/>
+              <a:t>If we get the basics right, a </a:t>
+            </a:r>
+            <a:r>
+              <a:rPr lang="en-US" dirty="0" err="1"/>
+              <a:t>RESTful</a:t>
+            </a:r>
+            <a:r>
+              <a:rPr lang="en-US" dirty="0"/>
+              <a:t> service can be easily implemented using any of the existing technologies such as Python, .NET, or Java. </a:t>
+            </a:r>
+          </a:p>
+        </p:txBody>
+      </p:sp>
+    </p:spTree>
+    <p:extLst>
+      <p:ext uri="{BB962C8B-B14F-4D97-AF65-F5344CB8AC3E}">
+        <p14:creationId xmlns:p14="http://schemas.microsoft.com/office/powerpoint/2010/main" val="1323103245"/>
+      </p:ext>
+    </p:extLst>
+  </p:cSld>
+  <p:clrMapOvr>
+    <a:masterClrMapping/>
+  </p:clrMapOvr>
+</p:sld>
+</file>
+
+<file path=ppt/slides/slide3.xml><?xml version="1.0" encoding="utf-8"?>
 <p:sld xmlns:a="http://schemas.openxmlformats.org/drawingml/2006/main" xmlns:r="http://schemas.openxmlformats.org/officeDocument/2006/relationships" xmlns:p="http://schemas.openxmlformats.org/presentationml/2006/main">
   <p:cSld>
     <p:spTree>
@@ -5523,1227 +6461,6 @@
 </p:sld>
 </file>
 
-<file path=ppt/slides/slide20.xml><?xml version="1.0" encoding="utf-8"?>
-<p:sld xmlns:a="http://schemas.openxmlformats.org/drawingml/2006/main" xmlns:r="http://schemas.openxmlformats.org/officeDocument/2006/relationships" xmlns:p="http://schemas.openxmlformats.org/presentationml/2006/main">
-  <p:cSld>
-    <p:spTree>
-      <p:nvGrpSpPr>
-        <p:cNvPr id="1" name=""/>
-        <p:cNvGrpSpPr/>
-        <p:nvPr/>
-      </p:nvGrpSpPr>
-      <p:grpSpPr>
-        <a:xfrm>
-          <a:off x="0" y="0"/>
-          <a:ext cx="0" cy="0"/>
-          <a:chOff x="0" y="0"/>
-          <a:chExt cx="0" cy="0"/>
-        </a:xfrm>
-      </p:grpSpPr>
-      <p:sp>
-        <p:nvSpPr>
-          <p:cNvPr id="2" name="Title 1"/>
-          <p:cNvSpPr>
-            <a:spLocks noGrp="1"/>
-          </p:cNvSpPr>
-          <p:nvPr>
-            <p:ph type="title"/>
-          </p:nvPr>
-        </p:nvSpPr>
-        <p:spPr/>
-        <p:txBody>
-          <a:bodyPr/>
-          <a:lstStyle/>
-          <a:p>
-            <a:r>
-              <a:rPr lang="en-US" dirty="0"/>
-              <a:t>Statelessness</a:t>
-            </a:r>
-          </a:p>
-        </p:txBody>
-      </p:sp>
-      <p:sp>
-        <p:nvSpPr>
-          <p:cNvPr id="3" name="Content Placeholder 2"/>
-          <p:cNvSpPr>
-            <a:spLocks noGrp="1"/>
-          </p:cNvSpPr>
-          <p:nvPr>
-            <p:ph idx="1"/>
-          </p:nvPr>
-        </p:nvSpPr>
-        <p:spPr/>
-        <p:txBody>
-          <a:bodyPr>
-            <a:normAutofit/>
-          </a:bodyPr>
-          <a:lstStyle/>
-          <a:p>
-            <a:r>
-              <a:rPr lang="en-US" dirty="0">
-                <a:solidFill>
-                  <a:srgbClr val="E46C0A"/>
-                </a:solidFill>
-              </a:rPr>
-              <a:t>A </a:t>
-            </a:r>
-            <a:r>
-              <a:rPr lang="en-US" dirty="0" err="1">
-                <a:solidFill>
-                  <a:srgbClr val="E46C0A"/>
-                </a:solidFill>
-              </a:rPr>
-              <a:t>RESTful</a:t>
-            </a:r>
-            <a:r>
-              <a:rPr lang="en-US" dirty="0">
-                <a:solidFill>
-                  <a:srgbClr val="E46C0A"/>
-                </a:solidFill>
-              </a:rPr>
-              <a:t> service is stateless and does not maintain the application state for any client</a:t>
-            </a:r>
-            <a:r>
-              <a:rPr lang="en-US" dirty="0"/>
-              <a:t>.</a:t>
-            </a:r>
-          </a:p>
-          <a:p>
-            <a:r>
-              <a:rPr lang="en-US" dirty="0"/>
-              <a:t> A request cannot be dependent on a past request. A REST service treats each request independently. </a:t>
-            </a:r>
-          </a:p>
-        </p:txBody>
-      </p:sp>
-    </p:spTree>
-    <p:extLst>
-      <p:ext uri="{BB962C8B-B14F-4D97-AF65-F5344CB8AC3E}">
-        <p14:creationId xmlns:p14="http://schemas.microsoft.com/office/powerpoint/2010/main" val="2476966677"/>
-      </p:ext>
-    </p:extLst>
-  </p:cSld>
-  <p:clrMapOvr>
-    <a:masterClrMapping/>
-  </p:clrMapOvr>
-</p:sld>
-</file>
-
-<file path=ppt/slides/slide21.xml><?xml version="1.0" encoding="utf-8"?>
-<p:sld xmlns:a="http://schemas.openxmlformats.org/drawingml/2006/main" xmlns:r="http://schemas.openxmlformats.org/officeDocument/2006/relationships" xmlns:p="http://schemas.openxmlformats.org/presentationml/2006/main">
-  <p:cSld>
-    <p:spTree>
-      <p:nvGrpSpPr>
-        <p:cNvPr id="1" name=""/>
-        <p:cNvGrpSpPr/>
-        <p:nvPr/>
-      </p:nvGrpSpPr>
-      <p:grpSpPr>
-        <a:xfrm>
-          <a:off x="0" y="0"/>
-          <a:ext cx="0" cy="0"/>
-          <a:chOff x="0" y="0"/>
-          <a:chExt cx="0" cy="0"/>
-        </a:xfrm>
-      </p:grpSpPr>
-      <p:sp>
-        <p:nvSpPr>
-          <p:cNvPr id="2" name="Title 1"/>
-          <p:cNvSpPr>
-            <a:spLocks noGrp="1"/>
-          </p:cNvSpPr>
-          <p:nvPr>
-            <p:ph type="title"/>
-          </p:nvPr>
-        </p:nvSpPr>
-        <p:spPr/>
-        <p:txBody>
-          <a:bodyPr/>
-          <a:lstStyle/>
-          <a:p>
-            <a:r>
-              <a:rPr lang="en-US" dirty="0"/>
-              <a:t>Statelessness</a:t>
-            </a:r>
-          </a:p>
-        </p:txBody>
-      </p:sp>
-      <p:sp>
-        <p:nvSpPr>
-          <p:cNvPr id="3" name="Content Placeholder 2"/>
-          <p:cNvSpPr>
-            <a:spLocks noGrp="1"/>
-          </p:cNvSpPr>
-          <p:nvPr>
-            <p:ph idx="1"/>
-          </p:nvPr>
-        </p:nvSpPr>
-        <p:spPr/>
-        <p:txBody>
-          <a:bodyPr>
-            <a:normAutofit/>
-          </a:bodyPr>
-          <a:lstStyle/>
-          <a:p>
-            <a:pPr marL="0" indent="0">
-              <a:buNone/>
-            </a:pPr>
-            <a:r>
-              <a:rPr lang="en-US" dirty="0">
-                <a:solidFill>
-                  <a:srgbClr val="E46C0A"/>
-                </a:solidFill>
-              </a:rPr>
-              <a:t>Stateless design</a:t>
-            </a:r>
-          </a:p>
-          <a:p>
-            <a:pPr marL="0" indent="0">
-              <a:buNone/>
-            </a:pPr>
-            <a:r>
-              <a:rPr lang="en-US" i="1" dirty="0"/>
-              <a:t>Request1: GET http://</a:t>
-            </a:r>
-            <a:r>
-              <a:rPr lang="en-US" i="1" dirty="0" err="1"/>
-              <a:t>MyService</a:t>
-            </a:r>
-            <a:r>
-              <a:rPr lang="en-US" i="1" dirty="0"/>
-              <a:t>/Persons/1 HTTP/1.1</a:t>
-            </a:r>
-          </a:p>
-          <a:p>
-            <a:pPr marL="0" indent="0">
-              <a:buNone/>
-            </a:pPr>
-            <a:r>
-              <a:rPr lang="en-US" i="1" dirty="0"/>
-              <a:t>Request2: GET http://</a:t>
-            </a:r>
-            <a:r>
-              <a:rPr lang="en-US" i="1" dirty="0" err="1"/>
-              <a:t>MyService</a:t>
-            </a:r>
-            <a:r>
-              <a:rPr lang="en-US" i="1" dirty="0"/>
-              <a:t>/Persons/2 HTTP/1.1</a:t>
-            </a:r>
-          </a:p>
-          <a:p>
-            <a:pPr marL="0" indent="0">
-              <a:buNone/>
-            </a:pPr>
-            <a:endParaRPr lang="en-US" dirty="0"/>
-          </a:p>
-          <a:p>
-            <a:pPr marL="0" indent="0">
-              <a:buNone/>
-            </a:pPr>
-            <a:r>
-              <a:rPr lang="en-US" dirty="0" err="1">
-                <a:solidFill>
-                  <a:srgbClr val="E46C0A"/>
-                </a:solidFill>
-              </a:rPr>
-              <a:t>Stateful</a:t>
-            </a:r>
-            <a:r>
-              <a:rPr lang="en-US" dirty="0">
-                <a:solidFill>
-                  <a:srgbClr val="E46C0A"/>
-                </a:solidFill>
-              </a:rPr>
-              <a:t> design (Dangerous! Which client??)</a:t>
-            </a:r>
-          </a:p>
-          <a:p>
-            <a:pPr marL="0" indent="0">
-              <a:buNone/>
-            </a:pPr>
-            <a:r>
-              <a:rPr lang="en-US" i="1" dirty="0"/>
-              <a:t>Request1: GET http://</a:t>
-            </a:r>
-            <a:r>
-              <a:rPr lang="en-US" i="1" dirty="0" err="1"/>
-              <a:t>MyService</a:t>
-            </a:r>
-            <a:r>
-              <a:rPr lang="en-US" i="1" dirty="0"/>
-              <a:t>/Persons/1 HTTP/1.1</a:t>
-            </a:r>
-          </a:p>
-          <a:p>
-            <a:pPr marL="0" indent="0">
-              <a:buNone/>
-            </a:pPr>
-            <a:r>
-              <a:rPr lang="en-US" i="1" dirty="0"/>
-              <a:t>Request2: GET http://</a:t>
-            </a:r>
-            <a:r>
-              <a:rPr lang="en-US" i="1" dirty="0" err="1"/>
-              <a:t>MyService</a:t>
-            </a:r>
-            <a:r>
-              <a:rPr lang="en-US" i="1" dirty="0"/>
-              <a:t>/</a:t>
-            </a:r>
-            <a:r>
-              <a:rPr lang="en-US" i="1" dirty="0" err="1"/>
-              <a:t>NextPerson</a:t>
-            </a:r>
-            <a:r>
-              <a:rPr lang="en-US" i="1" dirty="0"/>
-              <a:t> HTTP/1.1</a:t>
-            </a:r>
-          </a:p>
-        </p:txBody>
-      </p:sp>
-    </p:spTree>
-    <p:extLst>
-      <p:ext uri="{BB962C8B-B14F-4D97-AF65-F5344CB8AC3E}">
-        <p14:creationId xmlns:p14="http://schemas.microsoft.com/office/powerpoint/2010/main" val="2607000420"/>
-      </p:ext>
-    </p:extLst>
-  </p:cSld>
-  <p:clrMapOvr>
-    <a:masterClrMapping/>
-  </p:clrMapOvr>
-</p:sld>
-</file>
-
-<file path=ppt/slides/slide22.xml><?xml version="1.0" encoding="utf-8"?>
-<p:sld xmlns:a="http://schemas.openxmlformats.org/drawingml/2006/main" xmlns:r="http://schemas.openxmlformats.org/officeDocument/2006/relationships" xmlns:p="http://schemas.openxmlformats.org/presentationml/2006/main">
-  <p:cSld>
-    <p:spTree>
-      <p:nvGrpSpPr>
-        <p:cNvPr id="1" name=""/>
-        <p:cNvGrpSpPr/>
-        <p:nvPr/>
-      </p:nvGrpSpPr>
-      <p:grpSpPr>
-        <a:xfrm>
-          <a:off x="0" y="0"/>
-          <a:ext cx="0" cy="0"/>
-          <a:chOff x="0" y="0"/>
-          <a:chExt cx="0" cy="0"/>
-        </a:xfrm>
-      </p:grpSpPr>
-      <p:sp>
-        <p:nvSpPr>
-          <p:cNvPr id="2" name="Title 1"/>
-          <p:cNvSpPr>
-            <a:spLocks noGrp="1"/>
-          </p:cNvSpPr>
-          <p:nvPr>
-            <p:ph type="title"/>
-          </p:nvPr>
-        </p:nvSpPr>
-        <p:spPr/>
-        <p:txBody>
-          <a:bodyPr/>
-          <a:lstStyle/>
-          <a:p>
-            <a:r>
-              <a:rPr lang="en-US" dirty="0"/>
-              <a:t>Documentation</a:t>
-            </a:r>
-          </a:p>
-        </p:txBody>
-      </p:sp>
-      <p:sp>
-        <p:nvSpPr>
-          <p:cNvPr id="3" name="Content Placeholder 2"/>
-          <p:cNvSpPr>
-            <a:spLocks noGrp="1"/>
-          </p:cNvSpPr>
-          <p:nvPr>
-            <p:ph idx="1"/>
-          </p:nvPr>
-        </p:nvSpPr>
-        <p:spPr/>
-        <p:txBody>
-          <a:bodyPr>
-            <a:normAutofit/>
-          </a:bodyPr>
-          <a:lstStyle/>
-          <a:p>
-            <a:r>
-              <a:rPr lang="en-US" dirty="0">
-                <a:solidFill>
-                  <a:srgbClr val="E46C0A"/>
-                </a:solidFill>
-              </a:rPr>
-              <a:t>There is no excuse for not documenting your service</a:t>
-            </a:r>
-            <a:r>
-              <a:rPr lang="en-US" dirty="0"/>
-              <a:t>. </a:t>
-            </a:r>
-          </a:p>
-          <a:p>
-            <a:r>
-              <a:rPr lang="en-US" dirty="0"/>
-              <a:t>You should document every resource and URI for client developers. You can use any format for structuring your document, but it should contain enough information about resources, URIs, Available Methods, and any other information required for accessing your service. </a:t>
-            </a:r>
-          </a:p>
-        </p:txBody>
-      </p:sp>
-    </p:spTree>
-    <p:extLst>
-      <p:ext uri="{BB962C8B-B14F-4D97-AF65-F5344CB8AC3E}">
-        <p14:creationId xmlns:p14="http://schemas.microsoft.com/office/powerpoint/2010/main" val="917700821"/>
-      </p:ext>
-    </p:extLst>
-  </p:cSld>
-  <p:clrMapOvr>
-    <a:masterClrMapping/>
-  </p:clrMapOvr>
-</p:sld>
-</file>
-
-<file path=ppt/slides/slide23.xml><?xml version="1.0" encoding="utf-8"?>
-<p:sld xmlns:a="http://schemas.openxmlformats.org/drawingml/2006/main" xmlns:r="http://schemas.openxmlformats.org/officeDocument/2006/relationships" xmlns:p="http://schemas.openxmlformats.org/presentationml/2006/main">
-  <p:cSld>
-    <p:spTree>
-      <p:nvGrpSpPr>
-        <p:cNvPr id="1" name=""/>
-        <p:cNvGrpSpPr/>
-        <p:nvPr/>
-      </p:nvGrpSpPr>
-      <p:grpSpPr>
-        <a:xfrm>
-          <a:off x="0" y="0"/>
-          <a:ext cx="0" cy="0"/>
-          <a:chOff x="0" y="0"/>
-          <a:chExt cx="0" cy="0"/>
-        </a:xfrm>
-      </p:grpSpPr>
-      <p:sp>
-        <p:nvSpPr>
-          <p:cNvPr id="2" name="Title 1"/>
-          <p:cNvSpPr>
-            <a:spLocks noGrp="1"/>
-          </p:cNvSpPr>
-          <p:nvPr>
-            <p:ph type="title"/>
-          </p:nvPr>
-        </p:nvSpPr>
-        <p:spPr/>
-        <p:txBody>
-          <a:bodyPr/>
-          <a:lstStyle/>
-          <a:p>
-            <a:r>
-              <a:rPr lang="en-US" dirty="0"/>
-              <a:t>Documentation</a:t>
-            </a:r>
-          </a:p>
-        </p:txBody>
-      </p:sp>
-      <p:pic>
-        <p:nvPicPr>
-          <p:cNvPr id="5" name="Content Placeholder 4" descr="Screen Shot 2017-05-16 at 00.20.21.png"/>
-          <p:cNvPicPr>
-            <a:picLocks noGrp="1" noChangeAspect="1"/>
-          </p:cNvPicPr>
-          <p:nvPr>
-            <p:ph idx="1"/>
-          </p:nvPr>
-        </p:nvPicPr>
-        <p:blipFill>
-          <a:blip r:embed="rId2" cstate="print">
-            <a:extLst>
-              <a:ext uri="{28A0092B-C50C-407E-A947-70E740481C1C}">
-                <a14:useLocalDpi xmlns:a14="http://schemas.microsoft.com/office/drawing/2010/main"/>
-              </a:ext>
-            </a:extLst>
-          </a:blip>
-          <a:srcRect l="-33159" r="-33159"/>
-          <a:stretch>
-            <a:fillRect/>
-          </a:stretch>
-        </p:blipFill>
-        <p:spPr>
-          <a:xfrm>
-            <a:off x="1696616" y="1628800"/>
-            <a:ext cx="8798768" cy="4525963"/>
-          </a:xfrm>
-        </p:spPr>
-      </p:pic>
-    </p:spTree>
-    <p:extLst>
-      <p:ext uri="{BB962C8B-B14F-4D97-AF65-F5344CB8AC3E}">
-        <p14:creationId xmlns:p14="http://schemas.microsoft.com/office/powerpoint/2010/main" val="726044938"/>
-      </p:ext>
-    </p:extLst>
-  </p:cSld>
-  <p:clrMapOvr>
-    <a:masterClrMapping/>
-  </p:clrMapOvr>
-</p:sld>
-</file>
-
-<file path=ppt/slides/slide24.xml><?xml version="1.0" encoding="utf-8"?>
-<p:sld xmlns:a="http://schemas.openxmlformats.org/drawingml/2006/main" xmlns:r="http://schemas.openxmlformats.org/officeDocument/2006/relationships" xmlns:p="http://schemas.openxmlformats.org/presentationml/2006/main">
-  <p:cSld>
-    <p:spTree>
-      <p:nvGrpSpPr>
-        <p:cNvPr id="1" name=""/>
-        <p:cNvGrpSpPr/>
-        <p:nvPr/>
-      </p:nvGrpSpPr>
-      <p:grpSpPr>
-        <a:xfrm>
-          <a:off x="0" y="0"/>
-          <a:ext cx="0" cy="0"/>
-          <a:chOff x="0" y="0"/>
-          <a:chExt cx="0" cy="0"/>
-        </a:xfrm>
-      </p:grpSpPr>
-      <p:sp>
-        <p:nvSpPr>
-          <p:cNvPr id="2" name="Title 1"/>
-          <p:cNvSpPr>
-            <a:spLocks noGrp="1"/>
-          </p:cNvSpPr>
-          <p:nvPr>
-            <p:ph type="title"/>
-          </p:nvPr>
-        </p:nvSpPr>
-        <p:spPr/>
-        <p:txBody>
-          <a:bodyPr/>
-          <a:lstStyle/>
-          <a:p>
-            <a:r>
-              <a:rPr lang="en-US" dirty="0"/>
-              <a:t>Criticism</a:t>
-            </a:r>
-          </a:p>
-        </p:txBody>
-      </p:sp>
-      <p:sp>
-        <p:nvSpPr>
-          <p:cNvPr id="3" name="Content Placeholder 2"/>
-          <p:cNvSpPr>
-            <a:spLocks noGrp="1"/>
-          </p:cNvSpPr>
-          <p:nvPr>
-            <p:ph idx="1"/>
-          </p:nvPr>
-        </p:nvSpPr>
-        <p:spPr/>
-        <p:txBody>
-          <a:bodyPr>
-            <a:normAutofit/>
-          </a:bodyPr>
-          <a:lstStyle/>
-          <a:p>
-            <a:r>
-              <a:rPr lang="en-US" dirty="0">
-                <a:solidFill>
-                  <a:srgbClr val="E46C0A"/>
-                </a:solidFill>
-              </a:rPr>
-              <a:t>No transactions support</a:t>
-            </a:r>
-          </a:p>
-          <a:p>
-            <a:pPr lvl="1"/>
-            <a:r>
-              <a:rPr lang="en-US" dirty="0"/>
-              <a:t>DBMS (usually behind REST services) support transactions</a:t>
-            </a:r>
-          </a:p>
-          <a:p>
-            <a:r>
-              <a:rPr lang="en-US" dirty="0">
-                <a:solidFill>
-                  <a:srgbClr val="E46C0A"/>
-                </a:solidFill>
-              </a:rPr>
-              <a:t>No publish/subscribe support.</a:t>
-            </a:r>
-            <a:endParaRPr lang="en-US" dirty="0"/>
-          </a:p>
-          <a:p>
-            <a:pPr lvl="1"/>
-            <a:r>
-              <a:rPr lang="en-US" dirty="0"/>
-              <a:t>Notification is done by polling. </a:t>
-            </a:r>
-          </a:p>
-          <a:p>
-            <a:pPr lvl="1"/>
-            <a:r>
-              <a:rPr lang="en-US" dirty="0"/>
-              <a:t>The client can poll the server. GET is extremely optimized on the web. </a:t>
-            </a:r>
-          </a:p>
-          <a:p>
-            <a:r>
-              <a:rPr lang="en-US" dirty="0">
-                <a:solidFill>
-                  <a:schemeClr val="accent6">
-                    <a:lumMod val="75000"/>
-                  </a:schemeClr>
-                </a:solidFill>
-              </a:rPr>
-              <a:t>High bandwidth </a:t>
-            </a:r>
-          </a:p>
-          <a:p>
-            <a:pPr lvl="1"/>
-            <a:r>
-              <a:rPr lang="en-US" dirty="0"/>
-              <a:t>HTTP uses a request/response model, so there’s a lot of baggage flying around the network to make it all work.</a:t>
-            </a:r>
-          </a:p>
-          <a:p>
-            <a:pPr lvl="1"/>
-            <a:endParaRPr lang="en-US" dirty="0"/>
-          </a:p>
-          <a:p>
-            <a:pPr lvl="1"/>
-            <a:endParaRPr lang="en-US" dirty="0"/>
-          </a:p>
-          <a:p>
-            <a:endParaRPr lang="en-US" dirty="0"/>
-          </a:p>
-          <a:p>
-            <a:endParaRPr lang="en-US" dirty="0"/>
-          </a:p>
-        </p:txBody>
-      </p:sp>
-    </p:spTree>
-    <p:extLst>
-      <p:ext uri="{BB962C8B-B14F-4D97-AF65-F5344CB8AC3E}">
-        <p14:creationId xmlns:p14="http://schemas.microsoft.com/office/powerpoint/2010/main" val="3308130020"/>
-      </p:ext>
-    </p:extLst>
-  </p:cSld>
-  <p:clrMapOvr>
-    <a:masterClrMapping/>
-  </p:clrMapOvr>
-</p:sld>
-</file>
-
-<file path=ppt/slides/slide25.xml><?xml version="1.0" encoding="utf-8"?>
-<p:sld xmlns:a="http://schemas.openxmlformats.org/drawingml/2006/main" xmlns:r="http://schemas.openxmlformats.org/officeDocument/2006/relationships" xmlns:p="http://schemas.openxmlformats.org/presentationml/2006/main">
-  <p:cSld>
-    <p:spTree>
-      <p:nvGrpSpPr>
-        <p:cNvPr id="1" name=""/>
-        <p:cNvGrpSpPr/>
-        <p:nvPr/>
-      </p:nvGrpSpPr>
-      <p:grpSpPr>
-        <a:xfrm>
-          <a:off x="0" y="0"/>
-          <a:ext cx="0" cy="0"/>
-          <a:chOff x="0" y="0"/>
-          <a:chExt cx="0" cy="0"/>
-        </a:xfrm>
-      </p:grpSpPr>
-      <p:sp>
-        <p:nvSpPr>
-          <p:cNvPr id="2" name="Title 1"/>
-          <p:cNvSpPr>
-            <a:spLocks noGrp="1"/>
-          </p:cNvSpPr>
-          <p:nvPr>
-            <p:ph type="title"/>
-          </p:nvPr>
-        </p:nvSpPr>
-        <p:spPr/>
-        <p:txBody>
-          <a:bodyPr/>
-          <a:lstStyle/>
-          <a:p>
-            <a:r>
-              <a:rPr lang="en-US" dirty="0"/>
-              <a:t>Advantages</a:t>
-            </a:r>
-          </a:p>
-        </p:txBody>
-      </p:sp>
-      <p:sp>
-        <p:nvSpPr>
-          <p:cNvPr id="3" name="Content Placeholder 2"/>
-          <p:cNvSpPr>
-            <a:spLocks noGrp="1"/>
-          </p:cNvSpPr>
-          <p:nvPr>
-            <p:ph idx="1"/>
-          </p:nvPr>
-        </p:nvSpPr>
-        <p:spPr/>
-        <p:txBody>
-          <a:bodyPr>
-            <a:normAutofit lnSpcReduction="10000"/>
-          </a:bodyPr>
-          <a:lstStyle/>
-          <a:p>
-            <a:r>
-              <a:rPr lang="en-US" dirty="0">
-                <a:solidFill>
-                  <a:srgbClr val="E46C0A"/>
-                </a:solidFill>
-              </a:rPr>
-              <a:t>REST is a great way of developing lightweight Web services that are easy to implement, maintain, and discover. </a:t>
-            </a:r>
-          </a:p>
-          <a:p>
-            <a:r>
-              <a:rPr lang="en-US" dirty="0"/>
-              <a:t>HTTP provides an excellent interface to implement </a:t>
-            </a:r>
-            <a:r>
-              <a:rPr lang="en-US" dirty="0" err="1"/>
-              <a:t>RESTful</a:t>
-            </a:r>
-            <a:r>
-              <a:rPr lang="en-US" dirty="0"/>
-              <a:t> services with features like a uniform interface and caching. However, it is up to developers to implement and utilize these features correctly. </a:t>
-            </a:r>
-          </a:p>
-          <a:p>
-            <a:r>
-              <a:rPr lang="en-US" dirty="0"/>
-              <a:t>If we get the basics right, a </a:t>
-            </a:r>
-            <a:r>
-              <a:rPr lang="en-US" dirty="0" err="1"/>
-              <a:t>RESTful</a:t>
-            </a:r>
-            <a:r>
-              <a:rPr lang="en-US" dirty="0"/>
-              <a:t> service can be easily implemented using any of the existing technologies such as Python, .NET, or Java. </a:t>
-            </a:r>
-          </a:p>
-        </p:txBody>
-      </p:sp>
-    </p:spTree>
-    <p:extLst>
-      <p:ext uri="{BB962C8B-B14F-4D97-AF65-F5344CB8AC3E}">
-        <p14:creationId xmlns:p14="http://schemas.microsoft.com/office/powerpoint/2010/main" val="1323103245"/>
-      </p:ext>
-    </p:extLst>
-  </p:cSld>
-  <p:clrMapOvr>
-    <a:masterClrMapping/>
-  </p:clrMapOvr>
-</p:sld>
-</file>
-
-<file path=ppt/slides/slide3.xml><?xml version="1.0" encoding="utf-8"?>
-<p:sld xmlns:a="http://schemas.openxmlformats.org/drawingml/2006/main" xmlns:r="http://schemas.openxmlformats.org/officeDocument/2006/relationships" xmlns:p="http://schemas.openxmlformats.org/presentationml/2006/main">
-  <p:cSld>
-    <p:spTree>
-      <p:nvGrpSpPr>
-        <p:cNvPr id="1" name=""/>
-        <p:cNvGrpSpPr/>
-        <p:nvPr/>
-      </p:nvGrpSpPr>
-      <p:grpSpPr>
-        <a:xfrm>
-          <a:off x="0" y="0"/>
-          <a:ext cx="0" cy="0"/>
-          <a:chOff x="0" y="0"/>
-          <a:chExt cx="0" cy="0"/>
-        </a:xfrm>
-      </p:grpSpPr>
-      <p:sp>
-        <p:nvSpPr>
-          <p:cNvPr id="2" name="Title 1">
-            <a:extLst>
-              <a:ext uri="{FF2B5EF4-FFF2-40B4-BE49-F238E27FC236}">
-                <a16:creationId xmlns:a16="http://schemas.microsoft.com/office/drawing/2014/main" id="{A1564BB9-6680-6940-84F2-A632DA66D70D}"/>
-              </a:ext>
-            </a:extLst>
-          </p:cNvPr>
-          <p:cNvSpPr>
-            <a:spLocks noGrp="1"/>
-          </p:cNvSpPr>
-          <p:nvPr>
-            <p:ph type="title"/>
-          </p:nvPr>
-        </p:nvSpPr>
-        <p:spPr/>
-        <p:txBody>
-          <a:bodyPr/>
-          <a:lstStyle/>
-          <a:p>
-            <a:r>
-              <a:rPr lang="en-US" dirty="0"/>
-              <a:t>Why Learn REST?</a:t>
-            </a:r>
-            <a:endParaRPr lang="en-GB" dirty="0"/>
-          </a:p>
-        </p:txBody>
-      </p:sp>
-      <p:sp>
-        <p:nvSpPr>
-          <p:cNvPr id="4" name="Content Placeholder 3">
-            <a:extLst>
-              <a:ext uri="{FF2B5EF4-FFF2-40B4-BE49-F238E27FC236}">
-                <a16:creationId xmlns:a16="http://schemas.microsoft.com/office/drawing/2014/main" id="{99BEB612-657A-7A4F-8B5A-5AE575C21E6A}"/>
-              </a:ext>
-            </a:extLst>
-          </p:cNvPr>
-          <p:cNvSpPr>
-            <a:spLocks noGrp="1"/>
-          </p:cNvSpPr>
-          <p:nvPr>
-            <p:ph sz="half" idx="1"/>
-          </p:nvPr>
-        </p:nvSpPr>
-        <p:spPr/>
-        <p:txBody>
-          <a:bodyPr>
-            <a:normAutofit fontScale="55000" lnSpcReduction="20000"/>
-          </a:bodyPr>
-          <a:lstStyle/>
-          <a:p>
-            <a:pPr marL="0" indent="0">
-              <a:buNone/>
-            </a:pPr>
-            <a:r>
-              <a:rPr lang="en-GB" dirty="0">
-                <a:solidFill>
-                  <a:schemeClr val="accent6">
-                    <a:lumMod val="75000"/>
-                  </a:schemeClr>
-                </a:solidFill>
-              </a:rPr>
-              <a:t>(HTTP Request) </a:t>
-            </a:r>
-          </a:p>
-          <a:p>
-            <a:pPr marL="0" indent="0">
-              <a:buNone/>
-            </a:pPr>
-            <a:r>
-              <a:rPr lang="en-GB" dirty="0"/>
-              <a:t>$ curl https://</a:t>
-            </a:r>
-            <a:r>
-              <a:rPr lang="en-GB" dirty="0" err="1"/>
-              <a:t>financialmodelingprep.com</a:t>
-            </a:r>
-            <a:r>
-              <a:rPr lang="en-GB" dirty="0"/>
-              <a:t>/</a:t>
-            </a:r>
-            <a:r>
-              <a:rPr lang="en-GB" dirty="0" err="1"/>
-              <a:t>api</a:t>
-            </a:r>
-            <a:r>
-              <a:rPr lang="en-GB" dirty="0"/>
-              <a:t>/v3/quote/AAPL</a:t>
-            </a:r>
-          </a:p>
-          <a:p>
-            <a:pPr marL="0" indent="0">
-              <a:buNone/>
-            </a:pPr>
-            <a:endParaRPr lang="en-GB" dirty="0"/>
-          </a:p>
-          <a:p>
-            <a:pPr marL="0" indent="0">
-              <a:buNone/>
-            </a:pPr>
-            <a:r>
-              <a:rPr lang="en-GB" dirty="0">
-                <a:solidFill>
-                  <a:schemeClr val="accent6">
-                    <a:lumMod val="75000"/>
-                  </a:schemeClr>
-                </a:solidFill>
-              </a:rPr>
-              <a:t>(JSON Reply)</a:t>
-            </a:r>
-          </a:p>
-          <a:p>
-            <a:pPr marL="0" indent="0">
-              <a:buNone/>
-            </a:pPr>
-            <a:r>
-              <a:rPr lang="en-GB" dirty="0"/>
-              <a:t>[ {</a:t>
-            </a:r>
-          </a:p>
-          <a:p>
-            <a:pPr marL="0" indent="0">
-              <a:buNone/>
-            </a:pPr>
-            <a:r>
-              <a:rPr lang="en-GB" dirty="0"/>
-              <a:t>  "symbol" : "AAPL",</a:t>
-            </a:r>
-          </a:p>
-          <a:p>
-            <a:pPr marL="0" indent="0">
-              <a:buNone/>
-            </a:pPr>
-            <a:r>
-              <a:rPr lang="en-GB" dirty="0"/>
-              <a:t>  "name" : "Apple Inc.",</a:t>
-            </a:r>
-          </a:p>
-          <a:p>
-            <a:pPr marL="0" indent="0">
-              <a:buNone/>
-            </a:pPr>
-            <a:r>
-              <a:rPr lang="en-GB" dirty="0"/>
-              <a:t>  "price" : 276.10000000,</a:t>
-            </a:r>
-          </a:p>
-          <a:p>
-            <a:pPr marL="0" indent="0">
-              <a:buNone/>
-            </a:pPr>
-            <a:r>
-              <a:rPr lang="en-GB" dirty="0"/>
-              <a:t>  "</a:t>
-            </a:r>
-            <a:r>
-              <a:rPr lang="en-GB" dirty="0" err="1"/>
-              <a:t>changesPercentage</a:t>
-            </a:r>
-            <a:r>
-              <a:rPr lang="en-GB" dirty="0"/>
-              <a:t>" : 2.88000000,</a:t>
-            </a:r>
-          </a:p>
-          <a:p>
-            <a:pPr marL="0" indent="0">
-              <a:buNone/>
-            </a:pPr>
-            <a:r>
-              <a:rPr lang="en-GB" dirty="0"/>
-              <a:t>  "change" : 7.73000000,</a:t>
-            </a:r>
-          </a:p>
-          <a:p>
-            <a:pPr marL="0" indent="0">
-              <a:buNone/>
-            </a:pPr>
-            <a:r>
-              <a:rPr lang="en-GB" dirty="0"/>
-              <a:t>  "</a:t>
-            </a:r>
-            <a:r>
-              <a:rPr lang="en-GB" dirty="0" err="1"/>
-              <a:t>dayLow</a:t>
-            </a:r>
-            <a:r>
-              <a:rPr lang="en-GB" dirty="0"/>
-              <a:t>" : 272.22000000,</a:t>
-            </a:r>
-          </a:p>
-          <a:p>
-            <a:pPr marL="0" indent="0">
-              <a:buNone/>
-            </a:pPr>
-            <a:r>
-              <a:rPr lang="en-GB" dirty="0"/>
-              <a:t>  "</a:t>
-            </a:r>
-            <a:r>
-              <a:rPr lang="en-GB" dirty="0" err="1"/>
-              <a:t>dayHigh</a:t>
-            </a:r>
-            <a:r>
-              <a:rPr lang="en-GB" dirty="0"/>
-              <a:t>" : 277.85000000,</a:t>
-            </a:r>
-          </a:p>
-          <a:p>
-            <a:pPr marL="0" indent="0">
-              <a:buNone/>
-            </a:pPr>
-            <a:r>
-              <a:rPr lang="en-GB" dirty="0"/>
-              <a:t>  "</a:t>
-            </a:r>
-            <a:r>
-              <a:rPr lang="en-GB" dirty="0" err="1"/>
-              <a:t>sharesOutstanding</a:t>
-            </a:r>
-            <a:r>
-              <a:rPr lang="en-GB" dirty="0"/>
-              <a:t>" : 4375479808,</a:t>
-            </a:r>
-          </a:p>
-          <a:p>
-            <a:pPr marL="0" indent="0">
-              <a:buNone/>
-            </a:pPr>
-            <a:r>
-              <a:rPr lang="en-GB" dirty="0"/>
-              <a:t>  "timestamp" : 1587637985</a:t>
-            </a:r>
-          </a:p>
-          <a:p>
-            <a:pPr marL="0" indent="0">
-              <a:buNone/>
-            </a:pPr>
-            <a:r>
-              <a:rPr lang="en-GB" dirty="0"/>
-              <a:t>} ]</a:t>
-            </a:r>
-          </a:p>
-        </p:txBody>
-      </p:sp>
-      <p:sp>
-        <p:nvSpPr>
-          <p:cNvPr id="5" name="Content Placeholder 4">
-            <a:extLst>
-              <a:ext uri="{FF2B5EF4-FFF2-40B4-BE49-F238E27FC236}">
-                <a16:creationId xmlns:a16="http://schemas.microsoft.com/office/drawing/2014/main" id="{EC9A02FA-951E-7C4C-ADA3-8C8E29CAFEF5}"/>
-              </a:ext>
-            </a:extLst>
-          </p:cNvPr>
-          <p:cNvSpPr>
-            <a:spLocks noGrp="1"/>
-          </p:cNvSpPr>
-          <p:nvPr>
-            <p:ph sz="half" idx="2"/>
-          </p:nvPr>
-        </p:nvSpPr>
-        <p:spPr/>
-        <p:txBody>
-          <a:bodyPr>
-            <a:normAutofit fontScale="55000" lnSpcReduction="20000"/>
-          </a:bodyPr>
-          <a:lstStyle/>
-          <a:p>
-            <a:pPr marL="0" indent="0">
-              <a:buNone/>
-            </a:pPr>
-            <a:r>
-              <a:rPr lang="en-GB" dirty="0">
-                <a:solidFill>
-                  <a:schemeClr val="accent6">
-                    <a:lumMod val="75000"/>
-                  </a:schemeClr>
-                </a:solidFill>
-              </a:rPr>
-              <a:t>(HTTP Request) </a:t>
-            </a:r>
-          </a:p>
-          <a:p>
-            <a:pPr marL="0" indent="0">
-              <a:buNone/>
-            </a:pPr>
-            <a:r>
-              <a:rPr lang="en-GB" dirty="0"/>
-              <a:t>$ curl</a:t>
-            </a:r>
-          </a:p>
-          <a:p>
-            <a:pPr marL="0" indent="0">
-              <a:buNone/>
-            </a:pPr>
-            <a:r>
-              <a:rPr lang="en-GB" dirty="0"/>
-              <a:t>https://</a:t>
-            </a:r>
-            <a:r>
-              <a:rPr lang="en-GB" dirty="0" err="1"/>
-              <a:t>financialmodelingprep.com</a:t>
-            </a:r>
-            <a:r>
-              <a:rPr lang="en-GB" dirty="0"/>
-              <a:t>/</a:t>
-            </a:r>
-            <a:r>
-              <a:rPr lang="en-GB" dirty="0" err="1"/>
-              <a:t>api</a:t>
-            </a:r>
-            <a:r>
-              <a:rPr lang="en-GB" dirty="0"/>
-              <a:t>/v3/company/profile/AAPL</a:t>
-            </a:r>
-          </a:p>
-          <a:p>
-            <a:pPr marL="0" indent="0">
-              <a:buNone/>
-            </a:pPr>
-            <a:endParaRPr lang="en-GB" dirty="0">
-              <a:solidFill>
-                <a:schemeClr val="accent6">
-                  <a:lumMod val="75000"/>
-                </a:schemeClr>
-              </a:solidFill>
-            </a:endParaRPr>
-          </a:p>
-          <a:p>
-            <a:pPr marL="0" indent="0">
-              <a:buNone/>
-            </a:pPr>
-            <a:r>
-              <a:rPr lang="en-GB" dirty="0">
-                <a:solidFill>
-                  <a:schemeClr val="accent6">
-                    <a:lumMod val="75000"/>
-                  </a:schemeClr>
-                </a:solidFill>
-              </a:rPr>
-              <a:t>(JSON Reply)</a:t>
-            </a:r>
-          </a:p>
-          <a:p>
-            <a:pPr marL="0" indent="0">
-              <a:buNone/>
-            </a:pPr>
-            <a:r>
-              <a:rPr lang="en-GB" dirty="0"/>
-              <a:t>{</a:t>
-            </a:r>
-          </a:p>
-          <a:p>
-            <a:pPr marL="0" indent="0">
-              <a:buNone/>
-            </a:pPr>
-            <a:r>
-              <a:rPr lang="en-GB" dirty="0"/>
-              <a:t>  "symbol" : "AAPL",</a:t>
-            </a:r>
-          </a:p>
-          <a:p>
-            <a:pPr marL="0" indent="0">
-              <a:buNone/>
-            </a:pPr>
-            <a:r>
-              <a:rPr lang="en-GB" dirty="0"/>
-              <a:t>  "profile" : {</a:t>
-            </a:r>
-          </a:p>
-          <a:p>
-            <a:pPr marL="0" indent="0">
-              <a:buNone/>
-            </a:pPr>
-            <a:r>
-              <a:rPr lang="en-GB" dirty="0"/>
-              <a:t>    "</a:t>
-            </a:r>
-            <a:r>
-              <a:rPr lang="en-GB" dirty="0" err="1"/>
-              <a:t>companyName</a:t>
-            </a:r>
-            <a:r>
-              <a:rPr lang="en-GB" dirty="0"/>
-              <a:t>" : "Apple Inc.",</a:t>
-            </a:r>
-          </a:p>
-          <a:p>
-            <a:pPr marL="0" indent="0">
-              <a:buNone/>
-            </a:pPr>
-            <a:r>
-              <a:rPr lang="en-GB" dirty="0"/>
-              <a:t>    "exchange" : "Nasdaq Global Select",</a:t>
-            </a:r>
-          </a:p>
-          <a:p>
-            <a:pPr marL="0" indent="0">
-              <a:buNone/>
-            </a:pPr>
-            <a:r>
-              <a:rPr lang="en-GB" dirty="0"/>
-              <a:t>    "industry" : "Computer Hardware",</a:t>
-            </a:r>
-          </a:p>
-          <a:p>
-            <a:pPr marL="0" indent="0">
-              <a:buNone/>
-            </a:pPr>
-            <a:r>
-              <a:rPr lang="en-GB" dirty="0"/>
-              <a:t>    "website" : "http://</a:t>
-            </a:r>
-            <a:r>
-              <a:rPr lang="en-GB" dirty="0" err="1"/>
-              <a:t>www.apple.com</a:t>
-            </a:r>
-            <a:r>
-              <a:rPr lang="en-GB" dirty="0"/>
-              <a:t>",</a:t>
-            </a:r>
-          </a:p>
-          <a:p>
-            <a:pPr marL="0" indent="0">
-              <a:buNone/>
-            </a:pPr>
-            <a:r>
-              <a:rPr lang="en-GB" dirty="0"/>
-              <a:t>    "</a:t>
-            </a:r>
-            <a:r>
-              <a:rPr lang="en-GB" dirty="0" err="1"/>
-              <a:t>ceo</a:t>
-            </a:r>
-            <a:r>
-              <a:rPr lang="en-GB" dirty="0"/>
-              <a:t>" : "Timothy D. Cook",</a:t>
-            </a:r>
-          </a:p>
-          <a:p>
-            <a:pPr marL="0" indent="0">
-              <a:buNone/>
-            </a:pPr>
-            <a:r>
-              <a:rPr lang="en-GB" dirty="0"/>
-              <a:t>    "sector" : "Technology",</a:t>
-            </a:r>
-          </a:p>
-          <a:p>
-            <a:pPr marL="0" indent="0">
-              <a:buNone/>
-            </a:pPr>
-            <a:r>
-              <a:rPr lang="en-GB" dirty="0"/>
-              <a:t>  }</a:t>
-            </a:r>
-          </a:p>
-          <a:p>
-            <a:pPr marL="0" indent="0">
-              <a:buNone/>
-            </a:pPr>
-            <a:r>
-              <a:rPr lang="en-GB" dirty="0"/>
-              <a:t>}</a:t>
-            </a:r>
-          </a:p>
-          <a:p>
-            <a:pPr marL="0" indent="0">
-              <a:buNone/>
-            </a:pPr>
-            <a:endParaRPr lang="en-GB" dirty="0"/>
-          </a:p>
-        </p:txBody>
-      </p:sp>
-    </p:spTree>
-    <p:extLst>
-      <p:ext uri="{BB962C8B-B14F-4D97-AF65-F5344CB8AC3E}">
-        <p14:creationId xmlns:p14="http://schemas.microsoft.com/office/powerpoint/2010/main" val="2575217913"/>
-      </p:ext>
-    </p:extLst>
-  </p:cSld>
-  <p:clrMapOvr>
-    <a:masterClrMapping/>
-  </p:clrMapOvr>
-</p:sld>
-</file>
-
 <file path=ppt/slides/slide4.xml><?xml version="1.0" encoding="utf-8"?>
 <p:sld xmlns:a="http://schemas.openxmlformats.org/drawingml/2006/main" xmlns:r="http://schemas.openxmlformats.org/officeDocument/2006/relationships" xmlns:p="http://schemas.openxmlformats.org/presentationml/2006/main">
   <p:cSld>
@@ -6763,7 +6480,13 @@
       </p:grpSpPr>
       <p:sp>
         <p:nvSpPr>
-          <p:cNvPr id="2" name="Title 1"/>
+          <p:cNvPr id="2" name="Title 1">
+            <a:extLst>
+              <a:ext uri="{FF2B5EF4-FFF2-40B4-BE49-F238E27FC236}">
+                <a16:creationId xmlns:a16="http://schemas.microsoft.com/office/drawing/2014/main" id="{A1564BB9-6680-6940-84F2-A632DA66D70D}"/>
+              </a:ext>
+            </a:extLst>
+          </p:cNvPr>
           <p:cNvSpPr>
             <a:spLocks noGrp="1"/>
           </p:cNvSpPr>
@@ -6780,127 +6503,459 @@
               <a:rPr lang="en-US" dirty="0"/>
               <a:t>Why Learn REST?</a:t>
             </a:r>
-          </a:p>
-        </p:txBody>
-      </p:sp>
-      <p:sp>
-        <p:nvSpPr>
-          <p:cNvPr id="3" name="Content Placeholder 2"/>
-          <p:cNvSpPr>
-            <a:spLocks noGrp="1"/>
-          </p:cNvSpPr>
-          <p:nvPr>
-            <p:ph idx="1"/>
+            <a:endParaRPr lang="en-GB" dirty="0"/>
+          </a:p>
+        </p:txBody>
+      </p:sp>
+      <p:sp>
+        <p:nvSpPr>
+          <p:cNvPr id="4" name="Content Placeholder 3">
+            <a:extLst>
+              <a:ext uri="{FF2B5EF4-FFF2-40B4-BE49-F238E27FC236}">
+                <a16:creationId xmlns:a16="http://schemas.microsoft.com/office/drawing/2014/main" id="{99BEB612-657A-7A4F-8B5A-5AE575C21E6A}"/>
+              </a:ext>
+            </a:extLst>
+          </p:cNvPr>
+          <p:cNvSpPr>
+            <a:spLocks noGrp="1"/>
+          </p:cNvSpPr>
+          <p:nvPr>
+            <p:ph sz="half" idx="1"/>
           </p:nvPr>
         </p:nvSpPr>
         <p:spPr/>
         <p:txBody>
-          <a:bodyPr/>
+          <a:bodyPr>
+            <a:normAutofit fontScale="55000" lnSpcReduction="20000"/>
+          </a:bodyPr>
           <a:lstStyle/>
           <a:p>
-            <a:r>
-              <a:rPr lang="en-US" dirty="0"/>
-              <a:t>A number of </a:t>
-            </a:r>
-            <a:r>
-              <a:rPr lang="en-US" dirty="0">
+            <a:pPr marL="0" indent="0">
+              <a:buNone/>
+            </a:pPr>
+            <a:r>
+              <a:rPr lang="en-GB" dirty="0">
                 <a:solidFill>
                   <a:schemeClr val="accent6">
                     <a:lumMod val="75000"/>
                   </a:schemeClr>
                 </a:solidFill>
               </a:rPr>
-              <a:t>mobile apps are built upon </a:t>
-            </a:r>
-            <a:r>
-              <a:rPr lang="en-US" dirty="0" err="1">
+              <a:t>(HTTP Request) </a:t>
+            </a:r>
+          </a:p>
+          <a:p>
+            <a:pPr marL="0" indent="0">
+              <a:buNone/>
+            </a:pPr>
+            <a:r>
+              <a:rPr lang="en-GB" dirty="0"/>
+              <a:t>$ curl https://</a:t>
+            </a:r>
+            <a:r>
+              <a:rPr lang="en-GB" dirty="0" err="1"/>
+              <a:t>financialmodelingprep.com</a:t>
+            </a:r>
+            <a:r>
+              <a:rPr lang="en-GB" dirty="0"/>
+              <a:t>/</a:t>
+            </a:r>
+            <a:r>
+              <a:rPr lang="en-GB" dirty="0" err="1"/>
+              <a:t>api</a:t>
+            </a:r>
+            <a:r>
+              <a:rPr lang="en-GB" dirty="0"/>
+              <a:t>/v3/quote/AAPL</a:t>
+            </a:r>
+          </a:p>
+          <a:p>
+            <a:pPr marL="0" indent="0">
+              <a:buNone/>
+            </a:pPr>
+            <a:endParaRPr lang="en-GB" dirty="0"/>
+          </a:p>
+          <a:p>
+            <a:pPr marL="0" indent="0">
+              <a:buNone/>
+            </a:pPr>
+            <a:r>
+              <a:rPr lang="en-GB" dirty="0">
                 <a:solidFill>
                   <a:schemeClr val="accent6">
                     <a:lumMod val="75000"/>
                   </a:schemeClr>
                 </a:solidFill>
               </a:rPr>
-              <a:t>RESTful</a:t>
-            </a:r>
-            <a:r>
-              <a:rPr lang="en-US" dirty="0">
+              <a:t>(JSON Reply)</a:t>
+            </a:r>
+          </a:p>
+          <a:p>
+            <a:pPr marL="0" indent="0">
+              <a:buNone/>
+            </a:pPr>
+            <a:r>
+              <a:rPr lang="en-GB" dirty="0"/>
+              <a:t>[ {</a:t>
+            </a:r>
+          </a:p>
+          <a:p>
+            <a:pPr marL="0" indent="0">
+              <a:buNone/>
+            </a:pPr>
+            <a:r>
+              <a:rPr lang="en-GB" dirty="0"/>
+              <a:t>  "symbol" : "AAPL",</a:t>
+            </a:r>
+          </a:p>
+          <a:p>
+            <a:pPr marL="0" indent="0">
+              <a:buNone/>
+            </a:pPr>
+            <a:r>
+              <a:rPr lang="en-GB" dirty="0"/>
+              <a:t>  "name" : "Apple Inc.",</a:t>
+            </a:r>
+          </a:p>
+          <a:p>
+            <a:pPr marL="0" indent="0">
+              <a:buNone/>
+            </a:pPr>
+            <a:r>
+              <a:rPr lang="en-GB" dirty="0"/>
+              <a:t>  "price" : 276.10000000,</a:t>
+            </a:r>
+          </a:p>
+          <a:p>
+            <a:pPr marL="0" indent="0">
+              <a:buNone/>
+            </a:pPr>
+            <a:r>
+              <a:rPr lang="en-GB" dirty="0"/>
+              <a:t>  "</a:t>
+            </a:r>
+            <a:r>
+              <a:rPr lang="en-GB" dirty="0" err="1"/>
+              <a:t>changesPercentage</a:t>
+            </a:r>
+            <a:r>
+              <a:rPr lang="en-GB" dirty="0"/>
+              <a:t>" : 2.88000000,</a:t>
+            </a:r>
+          </a:p>
+          <a:p>
+            <a:pPr marL="0" indent="0">
+              <a:buNone/>
+            </a:pPr>
+            <a:r>
+              <a:rPr lang="en-GB" dirty="0"/>
+              <a:t>  "change" : 7.73000000,</a:t>
+            </a:r>
+          </a:p>
+          <a:p>
+            <a:pPr marL="0" indent="0">
+              <a:buNone/>
+            </a:pPr>
+            <a:r>
+              <a:rPr lang="en-GB" dirty="0"/>
+              <a:t>  "</a:t>
+            </a:r>
+            <a:r>
+              <a:rPr lang="en-GB" dirty="0" err="1"/>
+              <a:t>dayLow</a:t>
+            </a:r>
+            <a:r>
+              <a:rPr lang="en-GB" dirty="0"/>
+              <a:t>" : 272.22000000,</a:t>
+            </a:r>
+          </a:p>
+          <a:p>
+            <a:pPr marL="0" indent="0">
+              <a:buNone/>
+            </a:pPr>
+            <a:r>
+              <a:rPr lang="en-GB" dirty="0"/>
+              <a:t>  "</a:t>
+            </a:r>
+            <a:r>
+              <a:rPr lang="en-GB" dirty="0" err="1"/>
+              <a:t>dayHigh</a:t>
+            </a:r>
+            <a:r>
+              <a:rPr lang="en-GB" dirty="0"/>
+              <a:t>" : 277.85000000,</a:t>
+            </a:r>
+          </a:p>
+          <a:p>
+            <a:pPr marL="0" indent="0">
+              <a:buNone/>
+            </a:pPr>
+            <a:r>
+              <a:rPr lang="en-GB" dirty="0"/>
+              <a:t>  "</a:t>
+            </a:r>
+            <a:r>
+              <a:rPr lang="en-GB" dirty="0" err="1"/>
+              <a:t>sharesOutstanding</a:t>
+            </a:r>
+            <a:r>
+              <a:rPr lang="en-GB" dirty="0"/>
+              <a:t>" : 4375479808,</a:t>
+            </a:r>
+          </a:p>
+          <a:p>
+            <a:pPr marL="0" indent="0">
+              <a:buNone/>
+            </a:pPr>
+            <a:r>
+              <a:rPr lang="en-GB" dirty="0"/>
+              <a:t>  "timestamp" : 1587637985</a:t>
+            </a:r>
+          </a:p>
+          <a:p>
+            <a:pPr marL="0" indent="0">
+              <a:buNone/>
+            </a:pPr>
+            <a:r>
+              <a:rPr lang="en-GB" dirty="0"/>
+              <a:t>} ]</a:t>
+            </a:r>
+          </a:p>
+        </p:txBody>
+      </p:sp>
+      <p:sp>
+        <p:nvSpPr>
+          <p:cNvPr id="5" name="Content Placeholder 4">
+            <a:extLst>
+              <a:ext uri="{FF2B5EF4-FFF2-40B4-BE49-F238E27FC236}">
+                <a16:creationId xmlns:a16="http://schemas.microsoft.com/office/drawing/2014/main" id="{EC9A02FA-951E-7C4C-ADA3-8C8E29CAFEF5}"/>
+              </a:ext>
+            </a:extLst>
+          </p:cNvPr>
+          <p:cNvSpPr>
+            <a:spLocks noGrp="1"/>
+          </p:cNvSpPr>
+          <p:nvPr>
+            <p:ph sz="half" idx="2"/>
+          </p:nvPr>
+        </p:nvSpPr>
+        <p:spPr/>
+        <p:txBody>
+          <a:bodyPr>
+            <a:normAutofit fontScale="55000" lnSpcReduction="20000"/>
+          </a:bodyPr>
+          <a:lstStyle/>
+          <a:p>
+            <a:pPr marL="0" indent="0">
+              <a:buNone/>
+            </a:pPr>
+            <a:r>
+              <a:rPr lang="en-GB" dirty="0">
                 <a:solidFill>
                   <a:schemeClr val="accent6">
                     <a:lumMod val="75000"/>
                   </a:schemeClr>
                 </a:solidFill>
               </a:rPr>
-              <a:t> </a:t>
-            </a:r>
-            <a:r>
-              <a:rPr lang="en-US" dirty="0"/>
-              <a:t>services. </a:t>
-            </a:r>
-          </a:p>
-          <a:p>
-            <a:pPr lvl="1"/>
-            <a:r>
-              <a:rPr lang="en-US" sz="2400" dirty="0">
-                <a:hlinkClick r:id="rId2"/>
+              <a:t>(HTTP Request) </a:t>
+            </a:r>
+          </a:p>
+          <a:p>
+            <a:pPr marL="0" indent="0">
+              <a:buNone/>
+            </a:pPr>
+            <a:r>
+              <a:rPr lang="en-GB" dirty="0"/>
+              <a:t>$ curl</a:t>
+            </a:r>
+          </a:p>
+          <a:p>
+            <a:pPr marL="0" indent="0">
+              <a:buNone/>
+            </a:pPr>
+            <a:r>
+              <a:rPr lang="en-GB" dirty="0"/>
+              <a:t>https://</a:t>
+            </a:r>
+            <a:r>
+              <a:rPr lang="en-GB" dirty="0" err="1"/>
+              <a:t>financialmodelingprep.com</a:t>
+            </a:r>
+            <a:r>
+              <a:rPr lang="en-GB" dirty="0"/>
+              <a:t>/</a:t>
+            </a:r>
+            <a:r>
+              <a:rPr lang="en-GB" dirty="0" err="1"/>
+              <a:t>api</a:t>
+            </a:r>
+            <a:r>
+              <a:rPr lang="en-GB" dirty="0"/>
+              <a:t>/v3/company/profile/AAPL</a:t>
+            </a:r>
+          </a:p>
+          <a:p>
+            <a:pPr marL="0" indent="0">
+              <a:buNone/>
+            </a:pPr>
+            <a:endParaRPr lang="en-GB" dirty="0">
+              <a:solidFill>
+                <a:schemeClr val="accent6">
+                  <a:lumMod val="75000"/>
+                </a:schemeClr>
+              </a:solidFill>
+            </a:endParaRPr>
+          </a:p>
+          <a:p>
+            <a:pPr marL="0" indent="0">
+              <a:buNone/>
+            </a:pPr>
+            <a:r>
+              <a:rPr lang="en-GB" dirty="0">
+                <a:solidFill>
+                  <a:schemeClr val="accent6">
+                    <a:lumMod val="75000"/>
+                  </a:schemeClr>
+                </a:solidFill>
               </a:rPr>
-              <a:t>https://www.instagram.com/developer/</a:t>
-            </a:r>
-            <a:endParaRPr lang="en-US" sz="2400" dirty="0"/>
-          </a:p>
-          <a:p>
-            <a:pPr lvl="1"/>
-            <a:r>
-              <a:rPr lang="en-US" sz="2400" dirty="0">
-                <a:hlinkClick r:id="rId3"/>
-              </a:rPr>
-              <a:t>https://developer.twitter.com/en/docs</a:t>
-            </a:r>
-            <a:endParaRPr lang="en-US" sz="2400" dirty="0"/>
-          </a:p>
-          <a:p>
-            <a:pPr lvl="1"/>
-            <a:r>
-              <a:rPr lang="en-US" sz="2400" dirty="0">
-                <a:hlinkClick r:id="rId4"/>
-              </a:rPr>
-              <a:t>https://developers.facebook.com/docs/graph-api</a:t>
-            </a:r>
-            <a:endParaRPr lang="en-US" sz="2400" dirty="0"/>
-          </a:p>
-          <a:p>
-            <a:pPr lvl="1"/>
-            <a:r>
-              <a:rPr lang="en-US" sz="2400" dirty="0">
-                <a:hlinkClick r:id="rId5"/>
-              </a:rPr>
-              <a:t>https://www.flickr.com/services/api/</a:t>
-            </a:r>
-            <a:endParaRPr lang="en-US" sz="2400" dirty="0"/>
-          </a:p>
-          <a:p>
-            <a:pPr lvl="1"/>
-            <a:r>
-              <a:rPr lang="en-US" sz="2400" dirty="0"/>
-              <a:t>https://</a:t>
-            </a:r>
-            <a:r>
-              <a:rPr lang="en-US" sz="2400" dirty="0" err="1"/>
-              <a:t>developer.foursquare.com</a:t>
-            </a:r>
-            <a:r>
-              <a:rPr lang="en-US" sz="2400" dirty="0"/>
-              <a:t>/</a:t>
-            </a:r>
-          </a:p>
-          <a:p>
-            <a:endParaRPr lang="en-US" dirty="0"/>
+              <a:t>(JSON Reply)</a:t>
+            </a:r>
+          </a:p>
+          <a:p>
+            <a:pPr marL="0" indent="0">
+              <a:buNone/>
+            </a:pPr>
+            <a:r>
+              <a:rPr lang="en-GB" dirty="0"/>
+              <a:t>{</a:t>
+            </a:r>
+          </a:p>
+          <a:p>
+            <a:pPr marL="0" indent="0">
+              <a:buNone/>
+            </a:pPr>
+            <a:r>
+              <a:rPr lang="en-GB" dirty="0"/>
+              <a:t>  "symbol" : "AAPL",</a:t>
+            </a:r>
+          </a:p>
+          <a:p>
+            <a:pPr marL="0" indent="0">
+              <a:buNone/>
+            </a:pPr>
+            <a:r>
+              <a:rPr lang="en-GB" dirty="0"/>
+              <a:t>  "profile" : {</a:t>
+            </a:r>
+          </a:p>
+          <a:p>
+            <a:pPr marL="0" indent="0">
+              <a:buNone/>
+            </a:pPr>
+            <a:r>
+              <a:rPr lang="en-GB" dirty="0"/>
+              <a:t>    "</a:t>
+            </a:r>
+            <a:r>
+              <a:rPr lang="en-GB" dirty="0" err="1"/>
+              <a:t>companyName</a:t>
+            </a:r>
+            <a:r>
+              <a:rPr lang="en-GB" dirty="0"/>
+              <a:t>" : "Apple Inc.",</a:t>
+            </a:r>
+          </a:p>
+          <a:p>
+            <a:pPr marL="0" indent="0">
+              <a:buNone/>
+            </a:pPr>
+            <a:r>
+              <a:rPr lang="en-GB" dirty="0"/>
+              <a:t>    "exchange" : "Nasdaq Global Select",</a:t>
+            </a:r>
+          </a:p>
+          <a:p>
+            <a:pPr marL="0" indent="0">
+              <a:buNone/>
+            </a:pPr>
+            <a:r>
+              <a:rPr lang="en-GB" dirty="0"/>
+              <a:t>    "industry" : "Computer Hardware",</a:t>
+            </a:r>
+          </a:p>
+          <a:p>
+            <a:pPr marL="0" indent="0">
+              <a:buNone/>
+            </a:pPr>
+            <a:r>
+              <a:rPr lang="en-GB" dirty="0"/>
+              <a:t>    "website" : "http://</a:t>
+            </a:r>
+            <a:r>
+              <a:rPr lang="en-GB" dirty="0" err="1"/>
+              <a:t>www.apple.com</a:t>
+            </a:r>
+            <a:r>
+              <a:rPr lang="en-GB" dirty="0"/>
+              <a:t>",</a:t>
+            </a:r>
+          </a:p>
+          <a:p>
+            <a:pPr marL="0" indent="0">
+              <a:buNone/>
+            </a:pPr>
+            <a:r>
+              <a:rPr lang="en-GB" dirty="0"/>
+              <a:t>    "</a:t>
+            </a:r>
+            <a:r>
+              <a:rPr lang="en-GB" dirty="0" err="1"/>
+              <a:t>ceo</a:t>
+            </a:r>
+            <a:r>
+              <a:rPr lang="en-GB" dirty="0"/>
+              <a:t>" : "Timothy D. Cook",</a:t>
+            </a:r>
+          </a:p>
+          <a:p>
+            <a:pPr marL="0" indent="0">
+              <a:buNone/>
+            </a:pPr>
+            <a:r>
+              <a:rPr lang="en-GB" dirty="0"/>
+              <a:t>    "sector" : "Technology",</a:t>
+            </a:r>
+          </a:p>
+          <a:p>
+            <a:pPr marL="0" indent="0">
+              <a:buNone/>
+            </a:pPr>
+            <a:r>
+              <a:rPr lang="en-GB" dirty="0"/>
+              <a:t>  }</a:t>
+            </a:r>
+          </a:p>
+          <a:p>
+            <a:pPr marL="0" indent="0">
+              <a:buNone/>
+            </a:pPr>
+            <a:r>
+              <a:rPr lang="en-GB" dirty="0"/>
+              <a:t>}</a:t>
+            </a:r>
+          </a:p>
+          <a:p>
+            <a:pPr marL="0" indent="0">
+              <a:buNone/>
+            </a:pPr>
+            <a:endParaRPr lang="en-GB" dirty="0"/>
           </a:p>
         </p:txBody>
       </p:sp>
     </p:spTree>
     <p:extLst>
       <p:ext uri="{BB962C8B-B14F-4D97-AF65-F5344CB8AC3E}">
-        <p14:creationId xmlns:p14="http://schemas.microsoft.com/office/powerpoint/2010/main" val="506789577"/>
+        <p14:creationId xmlns:p14="http://schemas.microsoft.com/office/powerpoint/2010/main" val="2575217913"/>
       </p:ext>
     </p:extLst>
   </p:cSld>
@@ -6944,7 +6999,7 @@
           <a:p>
             <a:r>
               <a:rPr lang="en-US" dirty="0"/>
-              <a:t>Major Concepts</a:t>
+              <a:t>Why Learn REST?</a:t>
             </a:r>
           </a:p>
         </p:txBody>
@@ -6961,46 +7016,112 @@
         </p:nvSpPr>
         <p:spPr/>
         <p:txBody>
-          <a:bodyPr>
-            <a:normAutofit/>
-          </a:bodyPr>
+          <a:bodyPr/>
           <a:lstStyle/>
           <a:p>
             <a:r>
               <a:rPr lang="en-US" dirty="0"/>
-              <a:t>Messages</a:t>
-            </a:r>
-          </a:p>
-          <a:p>
-            <a:r>
-              <a:rPr lang="en-US" dirty="0"/>
-              <a:t>Resources (URIs)</a:t>
-            </a:r>
-          </a:p>
-          <a:p>
-            <a:r>
-              <a:rPr lang="en-US" dirty="0"/>
-              <a:t>Representations</a:t>
-            </a:r>
-          </a:p>
-          <a:p>
-            <a:r>
-              <a:rPr lang="en-US" dirty="0"/>
-              <a:t>Operations</a:t>
-            </a:r>
-          </a:p>
-          <a:p>
-            <a:r>
-              <a:rPr lang="en-US" i="1" dirty="0"/>
-              <a:t>Statelessness</a:t>
-            </a:r>
+              <a:t>A number of </a:t>
+            </a:r>
+            <a:r>
+              <a:rPr lang="en-US" dirty="0">
+                <a:solidFill>
+                  <a:schemeClr val="accent6">
+                    <a:lumMod val="75000"/>
+                  </a:schemeClr>
+                </a:solidFill>
+              </a:rPr>
+              <a:t>mobile apps are built upon </a:t>
+            </a:r>
+            <a:r>
+              <a:rPr lang="en-US" dirty="0" err="1">
+                <a:solidFill>
+                  <a:schemeClr val="accent6">
+                    <a:lumMod val="75000"/>
+                  </a:schemeClr>
+                </a:solidFill>
+              </a:rPr>
+              <a:t>RESTful</a:t>
+            </a:r>
+            <a:r>
+              <a:rPr lang="en-US" dirty="0">
+                <a:solidFill>
+                  <a:schemeClr val="accent6">
+                    <a:lumMod val="75000"/>
+                  </a:schemeClr>
+                </a:solidFill>
+              </a:rPr>
+              <a:t> </a:t>
+            </a:r>
+            <a:r>
+              <a:rPr lang="en-US" dirty="0"/>
+              <a:t>services. </a:t>
+            </a:r>
+          </a:p>
+          <a:p>
+            <a:pPr lvl="1"/>
+            <a:r>
+              <a:rPr lang="en-US" sz="2400" dirty="0">
+                <a:hlinkClick r:id="rId2"/>
+              </a:rPr>
+              <a:t>https://www.instagram.com/developer/</a:t>
+            </a:r>
+            <a:endParaRPr lang="en-US" sz="2400" dirty="0"/>
+          </a:p>
+          <a:p>
+            <a:pPr lvl="1"/>
+            <a:r>
+              <a:rPr lang="en-US" sz="2400" dirty="0">
+                <a:hlinkClick r:id="rId3"/>
+              </a:rPr>
+              <a:t>https://developer.twitter.com/en/docs</a:t>
+            </a:r>
+            <a:endParaRPr lang="en-US" sz="2400" dirty="0"/>
+          </a:p>
+          <a:p>
+            <a:pPr lvl="1"/>
+            <a:r>
+              <a:rPr lang="en-US" sz="2400" dirty="0">
+                <a:hlinkClick r:id="rId4"/>
+              </a:rPr>
+              <a:t>https://developers.facebook.com/docs/graph-api</a:t>
+            </a:r>
+            <a:endParaRPr lang="en-US" sz="2400" dirty="0"/>
+          </a:p>
+          <a:p>
+            <a:pPr lvl="1"/>
+            <a:r>
+              <a:rPr lang="en-US" sz="2400" dirty="0">
+                <a:hlinkClick r:id="rId5"/>
+              </a:rPr>
+              <a:t>https://www.flickr.com/services/api/</a:t>
+            </a:r>
+            <a:endParaRPr lang="en-US" sz="2400" dirty="0"/>
+          </a:p>
+          <a:p>
+            <a:pPr lvl="1"/>
+            <a:r>
+              <a:rPr lang="en-US" sz="2400" dirty="0"/>
+              <a:t>https://</a:t>
+            </a:r>
+            <a:r>
+              <a:rPr lang="en-US" sz="2400" dirty="0" err="1"/>
+              <a:t>developer.foursquare.com</a:t>
+            </a:r>
+            <a:r>
+              <a:rPr lang="en-US" sz="2400" dirty="0"/>
+              <a:t>/</a:t>
+            </a:r>
+          </a:p>
+          <a:p>
+            <a:endParaRPr lang="en-US" dirty="0"/>
           </a:p>
         </p:txBody>
       </p:sp>
     </p:spTree>
     <p:extLst>
       <p:ext uri="{BB962C8B-B14F-4D97-AF65-F5344CB8AC3E}">
-        <p14:creationId xmlns:p14="http://schemas.microsoft.com/office/powerpoint/2010/main" val="3665158656"/>
+        <p14:creationId xmlns:p14="http://schemas.microsoft.com/office/powerpoint/2010/main" val="506789577"/>
       </p:ext>
     </p:extLst>
   </p:cSld>
@@ -7044,6 +7165,106 @@
           <a:p>
             <a:r>
               <a:rPr lang="en-US" dirty="0"/>
+              <a:t>Major Concepts</a:t>
+            </a:r>
+          </a:p>
+        </p:txBody>
+      </p:sp>
+      <p:sp>
+        <p:nvSpPr>
+          <p:cNvPr id="3" name="Content Placeholder 2"/>
+          <p:cNvSpPr>
+            <a:spLocks noGrp="1"/>
+          </p:cNvSpPr>
+          <p:nvPr>
+            <p:ph idx="1"/>
+          </p:nvPr>
+        </p:nvSpPr>
+        <p:spPr/>
+        <p:txBody>
+          <a:bodyPr>
+            <a:normAutofit/>
+          </a:bodyPr>
+          <a:lstStyle/>
+          <a:p>
+            <a:r>
+              <a:rPr lang="en-US" dirty="0"/>
+              <a:t>Messages</a:t>
+            </a:r>
+          </a:p>
+          <a:p>
+            <a:r>
+              <a:rPr lang="en-US" dirty="0"/>
+              <a:t>Resources (URIs)</a:t>
+            </a:r>
+          </a:p>
+          <a:p>
+            <a:r>
+              <a:rPr lang="en-US" dirty="0"/>
+              <a:t>Representations</a:t>
+            </a:r>
+          </a:p>
+          <a:p>
+            <a:r>
+              <a:rPr lang="en-US" dirty="0"/>
+              <a:t>Operations</a:t>
+            </a:r>
+          </a:p>
+          <a:p>
+            <a:r>
+              <a:rPr lang="en-US" i="1" dirty="0"/>
+              <a:t>Statelessness</a:t>
+            </a:r>
+          </a:p>
+        </p:txBody>
+      </p:sp>
+    </p:spTree>
+    <p:extLst>
+      <p:ext uri="{BB962C8B-B14F-4D97-AF65-F5344CB8AC3E}">
+        <p14:creationId xmlns:p14="http://schemas.microsoft.com/office/powerpoint/2010/main" val="3665158656"/>
+      </p:ext>
+    </p:extLst>
+  </p:cSld>
+  <p:clrMapOvr>
+    <a:masterClrMapping/>
+  </p:clrMapOvr>
+</p:sld>
+</file>
+
+<file path=ppt/slides/slide7.xml><?xml version="1.0" encoding="utf-8"?>
+<p:sld xmlns:a="http://schemas.openxmlformats.org/drawingml/2006/main" xmlns:r="http://schemas.openxmlformats.org/officeDocument/2006/relationships" xmlns:p="http://schemas.openxmlformats.org/presentationml/2006/main">
+  <p:cSld>
+    <p:spTree>
+      <p:nvGrpSpPr>
+        <p:cNvPr id="1" name=""/>
+        <p:cNvGrpSpPr/>
+        <p:nvPr/>
+      </p:nvGrpSpPr>
+      <p:grpSpPr>
+        <a:xfrm>
+          <a:off x="0" y="0"/>
+          <a:ext cx="0" cy="0"/>
+          <a:chOff x="0" y="0"/>
+          <a:chExt cx="0" cy="0"/>
+        </a:xfrm>
+      </p:grpSpPr>
+      <p:sp>
+        <p:nvSpPr>
+          <p:cNvPr id="2" name="Title 1"/>
+          <p:cNvSpPr>
+            <a:spLocks noGrp="1"/>
+          </p:cNvSpPr>
+          <p:nvPr>
+            <p:ph type="title"/>
+          </p:nvPr>
+        </p:nvSpPr>
+        <p:spPr/>
+        <p:txBody>
+          <a:bodyPr/>
+          <a:lstStyle/>
+          <a:p>
+            <a:r>
+              <a:rPr lang="en-US" dirty="0"/>
               <a:t>Messages</a:t>
             </a:r>
           </a:p>
@@ -7106,7 +7327,7 @@
 </p:sld>
 </file>
 
-<file path=ppt/slides/slide7.xml><?xml version="1.0" encoding="utf-8"?>
+<file path=ppt/slides/slide8.xml><?xml version="1.0" encoding="utf-8"?>
 <p:sld xmlns:a="http://schemas.openxmlformats.org/drawingml/2006/main" xmlns:r="http://schemas.openxmlformats.org/officeDocument/2006/relationships" xmlns:p="http://schemas.openxmlformats.org/presentationml/2006/main">
   <p:cSld>
     <p:spTree>
@@ -7218,7 +7439,7 @@
 </p:sld>
 </file>
 
-<file path=ppt/slides/slide8.xml><?xml version="1.0" encoding="utf-8"?>
+<file path=ppt/slides/slide9.xml><?xml version="1.0" encoding="utf-8"?>
 <p:sld xmlns:a="http://schemas.openxmlformats.org/drawingml/2006/main" xmlns:r="http://schemas.openxmlformats.org/officeDocument/2006/relationships" xmlns:p="http://schemas.openxmlformats.org/presentationml/2006/main">
   <p:cSld>
     <p:spTree>
@@ -7321,138 +7542,6 @@
     <p:extLst>
       <p:ext uri="{BB962C8B-B14F-4D97-AF65-F5344CB8AC3E}">
         <p14:creationId xmlns:p14="http://schemas.microsoft.com/office/powerpoint/2010/main" val="3795300897"/>
-      </p:ext>
-    </p:extLst>
-  </p:cSld>
-  <p:clrMapOvr>
-    <a:masterClrMapping/>
-  </p:clrMapOvr>
-</p:sld>
-</file>
-
-<file path=ppt/slides/slide9.xml><?xml version="1.0" encoding="utf-8"?>
-<p:sld xmlns:a="http://schemas.openxmlformats.org/drawingml/2006/main" xmlns:r="http://schemas.openxmlformats.org/officeDocument/2006/relationships" xmlns:p="http://schemas.openxmlformats.org/presentationml/2006/main">
-  <p:cSld>
-    <p:spTree>
-      <p:nvGrpSpPr>
-        <p:cNvPr id="1" name=""/>
-        <p:cNvGrpSpPr/>
-        <p:nvPr/>
-      </p:nvGrpSpPr>
-      <p:grpSpPr>
-        <a:xfrm>
-          <a:off x="0" y="0"/>
-          <a:ext cx="0" cy="0"/>
-          <a:chOff x="0" y="0"/>
-          <a:chExt cx="0" cy="0"/>
-        </a:xfrm>
-      </p:grpSpPr>
-      <p:sp>
-        <p:nvSpPr>
-          <p:cNvPr id="2" name="Title 1"/>
-          <p:cNvSpPr>
-            <a:spLocks noGrp="1"/>
-          </p:cNvSpPr>
-          <p:nvPr>
-            <p:ph type="title"/>
-          </p:nvPr>
-        </p:nvSpPr>
-        <p:spPr/>
-        <p:txBody>
-          <a:bodyPr/>
-          <a:lstStyle/>
-          <a:p>
-            <a:r>
-              <a:rPr lang="en-US" dirty="0"/>
-              <a:t>Resources</a:t>
-            </a:r>
-          </a:p>
-        </p:txBody>
-      </p:sp>
-      <p:sp>
-        <p:nvSpPr>
-          <p:cNvPr id="3" name="Content Placeholder 2"/>
-          <p:cNvSpPr>
-            <a:spLocks noGrp="1"/>
-          </p:cNvSpPr>
-          <p:nvPr>
-            <p:ph idx="1"/>
-          </p:nvPr>
-        </p:nvSpPr>
-        <p:spPr/>
-        <p:txBody>
-          <a:bodyPr>
-            <a:normAutofit/>
-          </a:bodyPr>
-          <a:lstStyle/>
-          <a:p>
-            <a:r>
-              <a:rPr lang="en-US" dirty="0">
-                <a:solidFill>
-                  <a:srgbClr val="E46C0A"/>
-                </a:solidFill>
-              </a:rPr>
-              <a:t>Every system uses resources. </a:t>
-            </a:r>
-            <a:r>
-              <a:rPr lang="en-US" dirty="0"/>
-              <a:t>Resources can be pictures, videos, users data </a:t>
-            </a:r>
-            <a:r>
-              <a:rPr lang="en-US" dirty="0" err="1"/>
-              <a:t>ecc</a:t>
-            </a:r>
-            <a:r>
-              <a:rPr lang="en-US" dirty="0"/>
-              <a:t>... </a:t>
-            </a:r>
-          </a:p>
-          <a:p>
-            <a:r>
-              <a:rPr lang="en-US" dirty="0">
-                <a:solidFill>
-                  <a:schemeClr val="accent6">
-                    <a:lumMod val="75000"/>
-                  </a:schemeClr>
-                </a:solidFill>
-              </a:rPr>
-              <a:t>The purpose of a service is to provide access to resources.</a:t>
-            </a:r>
-            <a:r>
-              <a:rPr lang="en-US" dirty="0"/>
-              <a:t> </a:t>
-            </a:r>
-          </a:p>
-          <a:p>
-            <a:r>
-              <a:rPr lang="en-US" dirty="0"/>
-              <a:t>Developers want services to be </a:t>
-            </a:r>
-            <a:r>
-              <a:rPr lang="en-US" dirty="0">
-                <a:solidFill>
-                  <a:srgbClr val="E46C0A"/>
-                </a:solidFill>
-              </a:rPr>
-              <a:t>easy to implement, maintain, extend, and eventually scale up</a:t>
-            </a:r>
-            <a:r>
-              <a:rPr lang="en-US" dirty="0"/>
-              <a:t>. </a:t>
-            </a:r>
-          </a:p>
-          <a:p>
-            <a:pPr marL="0" indent="0">
-              <a:buNone/>
-            </a:pPr>
-            <a:endParaRPr lang="en-US" dirty="0"/>
-          </a:p>
-        </p:txBody>
-      </p:sp>
-    </p:spTree>
-    <p:extLst>
-      <p:ext uri="{BB962C8B-B14F-4D97-AF65-F5344CB8AC3E}">
-        <p14:creationId xmlns:p14="http://schemas.microsoft.com/office/powerpoint/2010/main" val="1831157336"/>
       </p:ext>
     </p:extLst>
   </p:cSld>

--- a/java/slides/ppt/11 - Java Data Access (REST).pptx
+++ b/java/slides/ppt/11 - Java Data Access (REST).pptx
@@ -32,11 +32,11 @@
     <p:sldId id="283" r:id="rId20"/>
     <p:sldId id="284" r:id="rId21"/>
     <p:sldId id="289" r:id="rId22"/>
-    <p:sldId id="290" r:id="rId23"/>
-    <p:sldId id="291" r:id="rId24"/>
-    <p:sldId id="292" r:id="rId25"/>
-    <p:sldId id="272" r:id="rId26"/>
-    <p:sldId id="293" r:id="rId27"/>
+    <p:sldId id="291" r:id="rId23"/>
+    <p:sldId id="292" r:id="rId24"/>
+    <p:sldId id="272" r:id="rId25"/>
+    <p:sldId id="293" r:id="rId26"/>
+    <p:sldId id="383" r:id="rId27"/>
   </p:sldIdLst>
   <p:sldSz cx="12192000" cy="6858000"/>
   <p:notesSz cx="6858000" cy="9144000"/>
@@ -248,7 +248,7 @@
           <a:p>
             <a:fld id="{5591E39A-28E5-5D4D-B97C-ECEB96F19817}" type="datetimeFigureOut">
               <a:rPr lang="en-IT" smtClean="0"/>
-              <a:t>23/02/22</a:t>
+              <a:t>20/04/22</a:t>
             </a:fld>
             <a:endParaRPr lang="en-IT"/>
           </a:p>
@@ -427,7 +427,7 @@
             <a:fld id="{BAEB7694-8561-4BE2-948D-EDF7A201F8BB}" type="datetimeFigureOut">
               <a:rPr lang="it-IT" smtClean="0"/>
               <a:pPr/>
-              <a:t>23/02/22</a:t>
+              <a:t>20/04/22</a:t>
             </a:fld>
             <a:endParaRPr lang="it-IT"/>
           </a:p>
@@ -4121,15 +4121,29 @@
                   <a:srgbClr val="E46C0A"/>
                 </a:solidFill>
               </a:rPr>
-              <a:t>The focus of a </a:t>
-            </a:r>
-            <a:r>
-              <a:rPr lang="en-US" dirty="0" err="1">
-                <a:solidFill>
-                  <a:srgbClr val="E46C0A"/>
-                </a:solidFill>
-              </a:rPr>
-              <a:t>RESTful</a:t>
+              <a:t>The focus of a RESTful service is on resources and how to provide access to these resources</a:t>
+            </a:r>
+            <a:r>
+              <a:rPr lang="en-US" dirty="0"/>
+              <a:t>. </a:t>
+            </a:r>
+          </a:p>
+          <a:p>
+            <a:r>
+              <a:rPr lang="en-US" dirty="0"/>
+              <a:t>A resource can be thought of as an object as in OOP. A resource can consist of other resources. </a:t>
+            </a:r>
+          </a:p>
+          <a:p>
+            <a:r>
+              <a:rPr lang="en-US" dirty="0"/>
+              <a:t>While designing a system, the first thing to do is identify the resources and determine how they are related to each other. </a:t>
+            </a:r>
+          </a:p>
+          <a:p>
+            <a:r>
+              <a:rPr lang="en-US" dirty="0"/>
+              <a:t>This is </a:t>
             </a:r>
             <a:r>
               <a:rPr lang="en-US" dirty="0">
@@ -4137,31 +4151,7 @@
                   <a:srgbClr val="E46C0A"/>
                 </a:solidFill>
               </a:rPr>
-              <a:t> service is on resources and how to provide access to these resources</a:t>
-            </a:r>
-            <a:r>
-              <a:rPr lang="en-US" dirty="0"/>
-              <a:t>. A resource can be thought of as an object as in OOP. A resource can consist of other resources. </a:t>
-            </a:r>
-          </a:p>
-          <a:p>
-            <a:r>
-              <a:rPr lang="en-US" dirty="0"/>
-              <a:t>While designing a system, the first thing to do is identify the resources and determine how they are related to each other. </a:t>
-            </a:r>
-          </a:p>
-          <a:p>
-            <a:r>
-              <a:rPr lang="en-US" dirty="0"/>
-              <a:t>This is </a:t>
-            </a:r>
-            <a:r>
-              <a:rPr lang="en-US" dirty="0">
-                <a:solidFill>
-                  <a:srgbClr val="E46C0A"/>
-                </a:solidFill>
-              </a:rPr>
-              <a:t>similar to designing a database or object oriented software</a:t>
+              <a:t>similar to designing a database or object-oriented software</a:t>
             </a:r>
             <a:r>
               <a:rPr lang="en-US" dirty="0"/>
@@ -5535,7 +5525,7 @@
         <p:spPr/>
         <p:txBody>
           <a:bodyPr>
-            <a:normAutofit/>
+            <a:normAutofit fontScale="85000" lnSpcReduction="20000"/>
           </a:bodyPr>
           <a:lstStyle/>
           <a:p>
@@ -5545,33 +5535,133 @@
                   <a:srgbClr val="E46C0A"/>
                 </a:solidFill>
               </a:rPr>
-              <a:t>A </a:t>
-            </a:r>
-            <a:r>
-              <a:rPr lang="en-US" dirty="0" err="1">
-                <a:solidFill>
-                  <a:srgbClr val="E46C0A"/>
-                </a:solidFill>
-              </a:rPr>
-              <a:t>RESTful</a:t>
-            </a:r>
+              <a:t>A RESTful service is stateless and does not maintain the application state for any client</a:t>
+            </a:r>
+            <a:r>
+              <a:rPr lang="en-US" dirty="0"/>
+              <a:t>. A request cannot be dependent on a past request. A REST service treats each request independently.</a:t>
+            </a:r>
+          </a:p>
+          <a:p>
+            <a:pPr marL="0" indent="0">
+              <a:buNone/>
+            </a:pPr>
+            <a:endParaRPr lang="en-US" dirty="0">
+              <a:solidFill>
+                <a:srgbClr val="E46C0A"/>
+              </a:solidFill>
+            </a:endParaRPr>
+          </a:p>
+          <a:p>
+            <a:pPr marL="0" indent="0">
+              <a:buNone/>
+            </a:pPr>
             <a:r>
               <a:rPr lang="en-US" dirty="0">
                 <a:solidFill>
                   <a:srgbClr val="E46C0A"/>
                 </a:solidFill>
               </a:rPr>
-              <a:t> service is stateless and does not maintain the application state for any client</a:t>
-            </a:r>
-            <a:r>
-              <a:rPr lang="en-US" dirty="0"/>
-              <a:t>.</a:t>
-            </a:r>
-          </a:p>
-          <a:p>
-            <a:r>
-              <a:rPr lang="en-US" dirty="0"/>
-              <a:t> A request cannot be dependent on a past request. A REST service treats each request independently. </a:t>
+              <a:t>Stateless design</a:t>
+            </a:r>
+          </a:p>
+          <a:p>
+            <a:pPr marL="0" indent="0">
+              <a:buNone/>
+            </a:pPr>
+            <a:r>
+              <a:rPr lang="en-US" i="1" dirty="0"/>
+              <a:t>Request1: GET http://</a:t>
+            </a:r>
+            <a:r>
+              <a:rPr lang="en-US" i="1" dirty="0" err="1"/>
+              <a:t>MyService</a:t>
+            </a:r>
+            <a:r>
+              <a:rPr lang="en-US" i="1" dirty="0"/>
+              <a:t>/Persons/1 HTTP/1.1</a:t>
+            </a:r>
+          </a:p>
+          <a:p>
+            <a:pPr marL="0" indent="0">
+              <a:buNone/>
+            </a:pPr>
+            <a:r>
+              <a:rPr lang="en-US" i="1" dirty="0"/>
+              <a:t>Request2: GET http://</a:t>
+            </a:r>
+            <a:r>
+              <a:rPr lang="en-US" i="1" dirty="0" err="1"/>
+              <a:t>MyService</a:t>
+            </a:r>
+            <a:r>
+              <a:rPr lang="en-US" i="1" dirty="0"/>
+              <a:t>/Persons/2 HTTP/1.1</a:t>
+            </a:r>
+          </a:p>
+          <a:p>
+            <a:pPr marL="0" indent="0">
+              <a:buNone/>
+            </a:pPr>
+            <a:endParaRPr lang="en-US" dirty="0"/>
+          </a:p>
+          <a:p>
+            <a:pPr marL="0" indent="0">
+              <a:buNone/>
+            </a:pPr>
+            <a:r>
+              <a:rPr lang="en-US" dirty="0">
+                <a:solidFill>
+                  <a:srgbClr val="E46C0A"/>
+                </a:solidFill>
+              </a:rPr>
+              <a:t>Stateful design (Dangerous! Which client??)</a:t>
+            </a:r>
+          </a:p>
+          <a:p>
+            <a:pPr marL="0" indent="0">
+              <a:buNone/>
+            </a:pPr>
+            <a:r>
+              <a:rPr lang="en-US" i="1" dirty="0"/>
+              <a:t>Request1: GET http://</a:t>
+            </a:r>
+            <a:r>
+              <a:rPr lang="en-US" i="1" dirty="0" err="1"/>
+              <a:t>MyService</a:t>
+            </a:r>
+            <a:r>
+              <a:rPr lang="en-US" i="1" dirty="0"/>
+              <a:t>/Persons/1 HTTP/1.1</a:t>
+            </a:r>
+          </a:p>
+          <a:p>
+            <a:pPr marL="0" indent="0">
+              <a:buNone/>
+            </a:pPr>
+            <a:r>
+              <a:rPr lang="en-US" i="1" dirty="0"/>
+              <a:t>Request2: GET http://</a:t>
+            </a:r>
+            <a:r>
+              <a:rPr lang="en-US" i="1" dirty="0" err="1"/>
+              <a:t>MyService</a:t>
+            </a:r>
+            <a:r>
+              <a:rPr lang="en-US" i="1" dirty="0"/>
+              <a:t>/</a:t>
+            </a:r>
+            <a:r>
+              <a:rPr lang="en-US" i="1" dirty="0" err="1"/>
+              <a:t>NextPerson</a:t>
+            </a:r>
+            <a:r>
+              <a:rPr lang="en-US" i="1" dirty="0"/>
+              <a:t> HTTP/1.1</a:t>
+            </a:r>
+            <a:r>
+              <a:rPr lang="en-US" dirty="0"/>
+              <a:t> </a:t>
             </a:r>
           </a:p>
         </p:txBody>
@@ -5623,192 +5713,6 @@
           <a:p>
             <a:r>
               <a:rPr lang="en-US" dirty="0"/>
-              <a:t>Statelessness</a:t>
-            </a:r>
-          </a:p>
-        </p:txBody>
-      </p:sp>
-      <p:sp>
-        <p:nvSpPr>
-          <p:cNvPr id="3" name="Content Placeholder 2"/>
-          <p:cNvSpPr>
-            <a:spLocks noGrp="1"/>
-          </p:cNvSpPr>
-          <p:nvPr>
-            <p:ph idx="1"/>
-          </p:nvPr>
-        </p:nvSpPr>
-        <p:spPr/>
-        <p:txBody>
-          <a:bodyPr>
-            <a:normAutofit/>
-          </a:bodyPr>
-          <a:lstStyle/>
-          <a:p>
-            <a:pPr marL="0" indent="0">
-              <a:buNone/>
-            </a:pPr>
-            <a:r>
-              <a:rPr lang="en-US" dirty="0">
-                <a:solidFill>
-                  <a:srgbClr val="E46C0A"/>
-                </a:solidFill>
-              </a:rPr>
-              <a:t>Stateless design</a:t>
-            </a:r>
-          </a:p>
-          <a:p>
-            <a:pPr marL="0" indent="0">
-              <a:buNone/>
-            </a:pPr>
-            <a:r>
-              <a:rPr lang="en-US" i="1" dirty="0"/>
-              <a:t>Request1: GET http://</a:t>
-            </a:r>
-            <a:r>
-              <a:rPr lang="en-US" i="1" dirty="0" err="1"/>
-              <a:t>MyService</a:t>
-            </a:r>
-            <a:r>
-              <a:rPr lang="en-US" i="1" dirty="0"/>
-              <a:t>/Persons/1 HTTP/1.1</a:t>
-            </a:r>
-          </a:p>
-          <a:p>
-            <a:pPr marL="0" indent="0">
-              <a:buNone/>
-            </a:pPr>
-            <a:r>
-              <a:rPr lang="en-US" i="1" dirty="0"/>
-              <a:t>Request2: GET http://</a:t>
-            </a:r>
-            <a:r>
-              <a:rPr lang="en-US" i="1" dirty="0" err="1"/>
-              <a:t>MyService</a:t>
-            </a:r>
-            <a:r>
-              <a:rPr lang="en-US" i="1" dirty="0"/>
-              <a:t>/Persons/2 HTTP/1.1</a:t>
-            </a:r>
-          </a:p>
-          <a:p>
-            <a:pPr marL="0" indent="0">
-              <a:buNone/>
-            </a:pPr>
-            <a:endParaRPr lang="en-US" dirty="0"/>
-          </a:p>
-          <a:p>
-            <a:pPr marL="0" indent="0">
-              <a:buNone/>
-            </a:pPr>
-            <a:r>
-              <a:rPr lang="en-US" dirty="0" err="1">
-                <a:solidFill>
-                  <a:srgbClr val="E46C0A"/>
-                </a:solidFill>
-              </a:rPr>
-              <a:t>Stateful</a:t>
-            </a:r>
-            <a:r>
-              <a:rPr lang="en-US" dirty="0">
-                <a:solidFill>
-                  <a:srgbClr val="E46C0A"/>
-                </a:solidFill>
-              </a:rPr>
-              <a:t> design (Dangerous! Which client??)</a:t>
-            </a:r>
-          </a:p>
-          <a:p>
-            <a:pPr marL="0" indent="0">
-              <a:buNone/>
-            </a:pPr>
-            <a:r>
-              <a:rPr lang="en-US" i="1" dirty="0"/>
-              <a:t>Request1: GET http://</a:t>
-            </a:r>
-            <a:r>
-              <a:rPr lang="en-US" i="1" dirty="0" err="1"/>
-              <a:t>MyService</a:t>
-            </a:r>
-            <a:r>
-              <a:rPr lang="en-US" i="1" dirty="0"/>
-              <a:t>/Persons/1 HTTP/1.1</a:t>
-            </a:r>
-          </a:p>
-          <a:p>
-            <a:pPr marL="0" indent="0">
-              <a:buNone/>
-            </a:pPr>
-            <a:r>
-              <a:rPr lang="en-US" i="1" dirty="0"/>
-              <a:t>Request2: GET http://</a:t>
-            </a:r>
-            <a:r>
-              <a:rPr lang="en-US" i="1" dirty="0" err="1"/>
-              <a:t>MyService</a:t>
-            </a:r>
-            <a:r>
-              <a:rPr lang="en-US" i="1" dirty="0"/>
-              <a:t>/</a:t>
-            </a:r>
-            <a:r>
-              <a:rPr lang="en-US" i="1" dirty="0" err="1"/>
-              <a:t>NextPerson</a:t>
-            </a:r>
-            <a:r>
-              <a:rPr lang="en-US" i="1" dirty="0"/>
-              <a:t> HTTP/1.1</a:t>
-            </a:r>
-          </a:p>
-        </p:txBody>
-      </p:sp>
-    </p:spTree>
-    <p:extLst>
-      <p:ext uri="{BB962C8B-B14F-4D97-AF65-F5344CB8AC3E}">
-        <p14:creationId xmlns:p14="http://schemas.microsoft.com/office/powerpoint/2010/main" val="2607000420"/>
-      </p:ext>
-    </p:extLst>
-  </p:cSld>
-  <p:clrMapOvr>
-    <a:masterClrMapping/>
-  </p:clrMapOvr>
-</p:sld>
-</file>
-
-<file path=ppt/slides/slide23.xml><?xml version="1.0" encoding="utf-8"?>
-<p:sld xmlns:a="http://schemas.openxmlformats.org/drawingml/2006/main" xmlns:r="http://schemas.openxmlformats.org/officeDocument/2006/relationships" xmlns:p="http://schemas.openxmlformats.org/presentationml/2006/main">
-  <p:cSld>
-    <p:spTree>
-      <p:nvGrpSpPr>
-        <p:cNvPr id="1" name=""/>
-        <p:cNvGrpSpPr/>
-        <p:nvPr/>
-      </p:nvGrpSpPr>
-      <p:grpSpPr>
-        <a:xfrm>
-          <a:off x="0" y="0"/>
-          <a:ext cx="0" cy="0"/>
-          <a:chOff x="0" y="0"/>
-          <a:chExt cx="0" cy="0"/>
-        </a:xfrm>
-      </p:grpSpPr>
-      <p:sp>
-        <p:nvSpPr>
-          <p:cNvPr id="2" name="Title 1"/>
-          <p:cNvSpPr>
-            <a:spLocks noGrp="1"/>
-          </p:cNvSpPr>
-          <p:nvPr>
-            <p:ph type="title"/>
-          </p:nvPr>
-        </p:nvSpPr>
-        <p:spPr/>
-        <p:txBody>
-          <a:bodyPr/>
-          <a:lstStyle/>
-          <a:p>
-            <a:r>
-              <a:rPr lang="en-US" dirty="0"/>
               <a:t>Documentation</a:t>
             </a:r>
           </a:p>
@@ -5865,7 +5769,7 @@
 </p:sld>
 </file>
 
-<file path=ppt/slides/slide24.xml><?xml version="1.0" encoding="utf-8"?>
+<file path=ppt/slides/slide23.xml><?xml version="1.0" encoding="utf-8"?>
 <p:sld xmlns:a="http://schemas.openxmlformats.org/drawingml/2006/main" xmlns:r="http://schemas.openxmlformats.org/officeDocument/2006/relationships" xmlns:p="http://schemas.openxmlformats.org/presentationml/2006/main">
   <p:cSld>
     <p:spTree>
@@ -5947,6 +5851,144 @@
 </p:sld>
 </file>
 
+<file path=ppt/slides/slide24.xml><?xml version="1.0" encoding="utf-8"?>
+<p:sld xmlns:a="http://schemas.openxmlformats.org/drawingml/2006/main" xmlns:r="http://schemas.openxmlformats.org/officeDocument/2006/relationships" xmlns:p="http://schemas.openxmlformats.org/presentationml/2006/main">
+  <p:cSld>
+    <p:spTree>
+      <p:nvGrpSpPr>
+        <p:cNvPr id="1" name=""/>
+        <p:cNvGrpSpPr/>
+        <p:nvPr/>
+      </p:nvGrpSpPr>
+      <p:grpSpPr>
+        <a:xfrm>
+          <a:off x="0" y="0"/>
+          <a:ext cx="0" cy="0"/>
+          <a:chOff x="0" y="0"/>
+          <a:chExt cx="0" cy="0"/>
+        </a:xfrm>
+      </p:grpSpPr>
+      <p:sp>
+        <p:nvSpPr>
+          <p:cNvPr id="2" name="Title 1"/>
+          <p:cNvSpPr>
+            <a:spLocks noGrp="1"/>
+          </p:cNvSpPr>
+          <p:nvPr>
+            <p:ph type="title"/>
+          </p:nvPr>
+        </p:nvSpPr>
+        <p:spPr/>
+        <p:txBody>
+          <a:bodyPr/>
+          <a:lstStyle/>
+          <a:p>
+            <a:r>
+              <a:rPr lang="en-US" dirty="0"/>
+              <a:t>Criticism</a:t>
+            </a:r>
+          </a:p>
+        </p:txBody>
+      </p:sp>
+      <p:sp>
+        <p:nvSpPr>
+          <p:cNvPr id="3" name="Content Placeholder 2"/>
+          <p:cNvSpPr>
+            <a:spLocks noGrp="1"/>
+          </p:cNvSpPr>
+          <p:nvPr>
+            <p:ph idx="1"/>
+          </p:nvPr>
+        </p:nvSpPr>
+        <p:spPr/>
+        <p:txBody>
+          <a:bodyPr>
+            <a:normAutofit/>
+          </a:bodyPr>
+          <a:lstStyle/>
+          <a:p>
+            <a:r>
+              <a:rPr lang="en-US" dirty="0">
+                <a:solidFill>
+                  <a:srgbClr val="E46C0A"/>
+                </a:solidFill>
+              </a:rPr>
+              <a:t>No transactions support</a:t>
+            </a:r>
+          </a:p>
+          <a:p>
+            <a:pPr lvl="1"/>
+            <a:r>
+              <a:rPr lang="en-US" dirty="0"/>
+              <a:t>DBMS (usually behind REST services) support transactions</a:t>
+            </a:r>
+          </a:p>
+          <a:p>
+            <a:r>
+              <a:rPr lang="en-US" dirty="0">
+                <a:solidFill>
+                  <a:srgbClr val="E46C0A"/>
+                </a:solidFill>
+              </a:rPr>
+              <a:t>No publish/subscribe support.</a:t>
+            </a:r>
+            <a:endParaRPr lang="en-US" dirty="0"/>
+          </a:p>
+          <a:p>
+            <a:pPr lvl="1"/>
+            <a:r>
+              <a:rPr lang="en-US" dirty="0"/>
+              <a:t>Notification is done by polling. </a:t>
+            </a:r>
+          </a:p>
+          <a:p>
+            <a:r>
+              <a:rPr lang="en-US" dirty="0">
+                <a:solidFill>
+                  <a:schemeClr val="accent6">
+                    <a:lumMod val="75000"/>
+                  </a:schemeClr>
+                </a:solidFill>
+              </a:rPr>
+              <a:t>High bandwidth </a:t>
+            </a:r>
+          </a:p>
+          <a:p>
+            <a:pPr lvl="1"/>
+            <a:r>
+              <a:rPr lang="en-US" dirty="0"/>
+              <a:t>HTTP uses a request/response model, so there’s a lot of baggage flying around the network to make it all work.</a:t>
+            </a:r>
+          </a:p>
+          <a:p>
+            <a:pPr lvl="1"/>
+            <a:endParaRPr lang="en-US" dirty="0"/>
+          </a:p>
+          <a:p>
+            <a:pPr lvl="1"/>
+            <a:endParaRPr lang="en-US" dirty="0"/>
+          </a:p>
+          <a:p>
+            <a:endParaRPr lang="en-US" dirty="0"/>
+          </a:p>
+          <a:p>
+            <a:endParaRPr lang="en-US" dirty="0"/>
+          </a:p>
+        </p:txBody>
+      </p:sp>
+    </p:spTree>
+    <p:extLst>
+      <p:ext uri="{BB962C8B-B14F-4D97-AF65-F5344CB8AC3E}">
+        <p14:creationId xmlns:p14="http://schemas.microsoft.com/office/powerpoint/2010/main" val="3308130020"/>
+      </p:ext>
+    </p:extLst>
+  </p:cSld>
+  <p:clrMapOvr>
+    <a:masterClrMapping/>
+  </p:clrMapOvr>
+</p:sld>
+</file>
+
 <file path=ppt/slides/slide25.xml><?xml version="1.0" encoding="utf-8"?>
 <p:sld xmlns:a="http://schemas.openxmlformats.org/drawingml/2006/main" xmlns:r="http://schemas.openxmlformats.org/officeDocument/2006/relationships" xmlns:p="http://schemas.openxmlformats.org/presentationml/2006/main">
   <p:cSld>
@@ -5981,7 +6023,7 @@
           <a:p>
             <a:r>
               <a:rPr lang="en-US" dirty="0"/>
-              <a:t>Criticism</a:t>
+              <a:t>Advantages</a:t>
             </a:r>
           </a:p>
         </p:txBody>
@@ -5999,7 +6041,7 @@
         <p:spPr/>
         <p:txBody>
           <a:bodyPr>
-            <a:normAutofit/>
+            <a:normAutofit lnSpcReduction="10000"/>
           </a:bodyPr>
           <a:lstStyle/>
           <a:p>
@@ -6009,80 +6051,43 @@
                   <a:srgbClr val="E46C0A"/>
                 </a:solidFill>
               </a:rPr>
-              <a:t>No transactions support</a:t>
-            </a:r>
-          </a:p>
-          <a:p>
-            <a:pPr lvl="1"/>
-            <a:r>
-              <a:rPr lang="en-US" dirty="0"/>
-              <a:t>DBMS (usually behind REST services) support transactions</a:t>
-            </a:r>
-          </a:p>
-          <a:p>
-            <a:r>
-              <a:rPr lang="en-US" dirty="0">
-                <a:solidFill>
-                  <a:srgbClr val="E46C0A"/>
-                </a:solidFill>
-              </a:rPr>
-              <a:t>No publish/subscribe support.</a:t>
-            </a:r>
-            <a:endParaRPr lang="en-US" dirty="0"/>
-          </a:p>
-          <a:p>
-            <a:pPr lvl="1"/>
-            <a:r>
-              <a:rPr lang="en-US" dirty="0"/>
-              <a:t>Notification is done by polling. </a:t>
-            </a:r>
-          </a:p>
-          <a:p>
-            <a:pPr lvl="1"/>
-            <a:r>
-              <a:rPr lang="en-US" dirty="0"/>
-              <a:t>The client can poll the server. GET is extremely optimized on the web. </a:t>
-            </a:r>
-          </a:p>
-          <a:p>
-            <a:r>
-              <a:rPr lang="en-US" dirty="0">
-                <a:solidFill>
-                  <a:schemeClr val="accent6">
-                    <a:lumMod val="75000"/>
-                  </a:schemeClr>
-                </a:solidFill>
-              </a:rPr>
-              <a:t>High bandwidth </a:t>
-            </a:r>
-          </a:p>
-          <a:p>
-            <a:pPr lvl="1"/>
-            <a:r>
-              <a:rPr lang="en-US" dirty="0"/>
-              <a:t>HTTP uses a request/response model, so there’s a lot of baggage flying around the network to make it all work.</a:t>
-            </a:r>
-          </a:p>
-          <a:p>
-            <a:pPr lvl="1"/>
-            <a:endParaRPr lang="en-US" dirty="0"/>
-          </a:p>
-          <a:p>
-            <a:pPr lvl="1"/>
-            <a:endParaRPr lang="en-US" dirty="0"/>
-          </a:p>
-          <a:p>
-            <a:endParaRPr lang="en-US" dirty="0"/>
-          </a:p>
-          <a:p>
-            <a:endParaRPr lang="en-US" dirty="0"/>
+              <a:t>REST is a great way of developing lightweight Web services that are easy to implement, maintain, and discover. </a:t>
+            </a:r>
+          </a:p>
+          <a:p>
+            <a:r>
+              <a:rPr lang="en-US" dirty="0"/>
+              <a:t>HTTP provides an excellent interface to implement </a:t>
+            </a:r>
+            <a:r>
+              <a:rPr lang="en-US" dirty="0" err="1"/>
+              <a:t>RESTful</a:t>
+            </a:r>
+            <a:r>
+              <a:rPr lang="en-US" dirty="0"/>
+              <a:t> services with features like a uniform interface and caching. However, it is up to developers to implement and utilize these features correctly. </a:t>
+            </a:r>
+          </a:p>
+          <a:p>
+            <a:r>
+              <a:rPr lang="en-US" dirty="0"/>
+              <a:t>If we get the basics right, a </a:t>
+            </a:r>
+            <a:r>
+              <a:rPr lang="en-US" dirty="0" err="1"/>
+              <a:t>RESTful</a:t>
+            </a:r>
+            <a:r>
+              <a:rPr lang="en-US" dirty="0"/>
+              <a:t> service can be easily implemented using any of the existing technologies such as Python, .NET, or Java. </a:t>
+            </a:r>
           </a:p>
         </p:txBody>
       </p:sp>
     </p:spTree>
     <p:extLst>
       <p:ext uri="{BB962C8B-B14F-4D97-AF65-F5344CB8AC3E}">
-        <p14:creationId xmlns:p14="http://schemas.microsoft.com/office/powerpoint/2010/main" val="3308130020"/>
+        <p14:creationId xmlns:p14="http://schemas.microsoft.com/office/powerpoint/2010/main" val="1323103245"/>
       </p:ext>
     </p:extLst>
   </p:cSld>
@@ -6111,7 +6116,13 @@
       </p:grpSpPr>
       <p:sp>
         <p:nvSpPr>
-          <p:cNvPr id="2" name="Title 1"/>
+          <p:cNvPr id="2" name="Title 1">
+            <a:extLst>
+              <a:ext uri="{FF2B5EF4-FFF2-40B4-BE49-F238E27FC236}">
+                <a16:creationId xmlns:a16="http://schemas.microsoft.com/office/drawing/2014/main" id="{6BD4D4FA-F62E-2746-82F7-DD9BE11B0BB3}"/>
+              </a:ext>
+            </a:extLst>
+          </p:cNvPr>
           <p:cNvSpPr>
             <a:spLocks noGrp="1"/>
           </p:cNvSpPr>
@@ -6128,69 +6139,116 @@
               <a:rPr lang="en-US" dirty="0"/>
               <a:t>Advantages</a:t>
             </a:r>
-          </a:p>
-        </p:txBody>
-      </p:sp>
-      <p:sp>
-        <p:nvSpPr>
-          <p:cNvPr id="3" name="Content Placeholder 2"/>
-          <p:cNvSpPr>
-            <a:spLocks noGrp="1"/>
-          </p:cNvSpPr>
-          <p:nvPr>
-            <p:ph idx="1"/>
+            <a:endParaRPr lang="en-IT" dirty="0"/>
+          </a:p>
+        </p:txBody>
+      </p:sp>
+      <p:sp>
+        <p:nvSpPr>
+          <p:cNvPr id="5" name="Slide Number Placeholder 4">
+            <a:extLst>
+              <a:ext uri="{FF2B5EF4-FFF2-40B4-BE49-F238E27FC236}">
+                <a16:creationId xmlns:a16="http://schemas.microsoft.com/office/drawing/2014/main" id="{3A9C7F8D-3E7A-AB48-8463-F0FDC5BD61A0}"/>
+              </a:ext>
+            </a:extLst>
+          </p:cNvPr>
+          <p:cNvSpPr>
+            <a:spLocks noGrp="1"/>
+          </p:cNvSpPr>
+          <p:nvPr>
+            <p:ph type="sldNum" sz="quarter" idx="12"/>
           </p:nvPr>
         </p:nvSpPr>
         <p:spPr/>
         <p:txBody>
-          <a:bodyPr>
-            <a:normAutofit lnSpcReduction="10000"/>
-          </a:bodyPr>
+          <a:bodyPr/>
           <a:lstStyle/>
           <a:p>
-            <a:r>
-              <a:rPr lang="en-US" dirty="0">
-                <a:solidFill>
-                  <a:srgbClr val="E46C0A"/>
-                </a:solidFill>
-              </a:rPr>
-              <a:t>REST is a great way of developing lightweight Web services that are easy to implement, maintain, and discover. </a:t>
-            </a:r>
-          </a:p>
-          <a:p>
-            <a:r>
-              <a:rPr lang="en-US" dirty="0"/>
-              <a:t>HTTP provides an excellent interface to implement </a:t>
-            </a:r>
-            <a:r>
-              <a:rPr lang="en-US" dirty="0" err="1"/>
-              <a:t>RESTful</a:t>
-            </a:r>
-            <a:r>
-              <a:rPr lang="en-US" dirty="0"/>
-              <a:t> services with features like a uniform interface and caching. However, it is up to developers to implement and utilize these features correctly. </a:t>
-            </a:r>
-          </a:p>
-          <a:p>
-            <a:r>
-              <a:rPr lang="en-US" dirty="0"/>
-              <a:t>If we get the basics right, a </a:t>
-            </a:r>
-            <a:r>
-              <a:rPr lang="en-US" dirty="0" err="1"/>
-              <a:t>RESTful</a:t>
-            </a:r>
-            <a:r>
-              <a:rPr lang="en-US" dirty="0"/>
-              <a:t> service can be easily implemented using any of the existing technologies such as Python, .NET, or Java. </a:t>
-            </a:r>
-          </a:p>
-        </p:txBody>
-      </p:sp>
+            <a:fld id="{D2040F39-7941-49A4-B48D-F201B18B6351}" type="slidenum">
+              <a:rPr lang="it-IT" smtClean="0"/>
+              <a:pPr/>
+              <a:t>26</a:t>
+            </a:fld>
+            <a:endParaRPr lang="it-IT" dirty="0"/>
+          </a:p>
+        </p:txBody>
+      </p:sp>
+      <p:pic>
+        <p:nvPicPr>
+          <p:cNvPr id="12" name="Picture 11">
+            <a:extLst>
+              <a:ext uri="{FF2B5EF4-FFF2-40B4-BE49-F238E27FC236}">
+                <a16:creationId xmlns:a16="http://schemas.microsoft.com/office/drawing/2014/main" id="{ABE747DD-4D3F-FC4D-ADCF-6D5DB6ACD664}"/>
+              </a:ext>
+            </a:extLst>
+          </p:cNvPr>
+          <p:cNvPicPr>
+            <a:picLocks noChangeAspect="1"/>
+          </p:cNvPicPr>
+          <p:nvPr/>
+        </p:nvPicPr>
+        <p:blipFill>
+          <a:blip r:embed="rId2">
+            <a:extLst>
+              <a:ext uri="{28A0092B-C50C-407E-A947-70E740481C1C}">
+                <a14:useLocalDpi xmlns:a14="http://schemas.microsoft.com/office/drawing/2010/main" val="0"/>
+              </a:ext>
+            </a:extLst>
+          </a:blip>
+          <a:stretch>
+            <a:fillRect/>
+          </a:stretch>
+        </p:blipFill>
+        <p:spPr>
+          <a:xfrm>
+            <a:off x="0" y="1556792"/>
+            <a:ext cx="6401207" cy="4517877"/>
+          </a:xfrm>
+          <a:prstGeom prst="rect">
+            <a:avLst/>
+          </a:prstGeom>
+        </p:spPr>
+      </p:pic>
+      <p:pic>
+        <p:nvPicPr>
+          <p:cNvPr id="14" name="Picture 13">
+            <a:extLst>
+              <a:ext uri="{FF2B5EF4-FFF2-40B4-BE49-F238E27FC236}">
+                <a16:creationId xmlns:a16="http://schemas.microsoft.com/office/drawing/2014/main" id="{914D213B-1026-7C4D-A18D-7C3536CF5D4B}"/>
+              </a:ext>
+            </a:extLst>
+          </p:cNvPr>
+          <p:cNvPicPr>
+            <a:picLocks noChangeAspect="1"/>
+          </p:cNvPicPr>
+          <p:nvPr/>
+        </p:nvPicPr>
+        <p:blipFill>
+          <a:blip r:embed="rId3">
+            <a:extLst>
+              <a:ext uri="{28A0092B-C50C-407E-A947-70E740481C1C}">
+                <a14:useLocalDpi xmlns:a14="http://schemas.microsoft.com/office/drawing/2010/main" val="0"/>
+              </a:ext>
+            </a:extLst>
+          </a:blip>
+          <a:stretch>
+            <a:fillRect/>
+          </a:stretch>
+        </p:blipFill>
+        <p:spPr>
+          <a:xfrm>
+            <a:off x="6279710" y="1668046"/>
+            <a:ext cx="5891930" cy="3993202"/>
+          </a:xfrm>
+          <a:prstGeom prst="rect">
+            <a:avLst/>
+          </a:prstGeom>
+        </p:spPr>
+      </p:pic>
     </p:spTree>
     <p:extLst>
       <p:ext uri="{BB962C8B-B14F-4D97-AF65-F5344CB8AC3E}">
-        <p14:creationId xmlns:p14="http://schemas.microsoft.com/office/powerpoint/2010/main" val="1323103245"/>
+        <p14:creationId xmlns:p14="http://schemas.microsoft.com/office/powerpoint/2010/main" val="3652340127"/>
       </p:ext>
     </p:extLst>
   </p:cSld>
